--- a/Poster/DSP_POSTER_TEMPLATE.pptx
+++ b/Poster/DSP_POSTER_TEMPLATE.pptx
@@ -243,7 +243,7 @@
           <a:p>
             <a:fld id="{3A675787-DA3F-4332-A401-8C5831ED470E}" type="datetimeFigureOut">
               <a:rPr lang="en-US" smtClean="0"/>
-              <a:t>3/24/2025</a:t>
+              <a:t>3/25/2025</a:t>
             </a:fld>
             <a:endParaRPr lang="en-US"/>
           </a:p>
@@ -413,7 +413,7 @@
           <a:p>
             <a:fld id="{3A675787-DA3F-4332-A401-8C5831ED470E}" type="datetimeFigureOut">
               <a:rPr lang="en-US" smtClean="0"/>
-              <a:t>3/24/2025</a:t>
+              <a:t>3/25/2025</a:t>
             </a:fld>
             <a:endParaRPr lang="en-US"/>
           </a:p>
@@ -593,7 +593,7 @@
           <a:p>
             <a:fld id="{3A675787-DA3F-4332-A401-8C5831ED470E}" type="datetimeFigureOut">
               <a:rPr lang="en-US" smtClean="0"/>
-              <a:t>3/24/2025</a:t>
+              <a:t>3/25/2025</a:t>
             </a:fld>
             <a:endParaRPr lang="en-US"/>
           </a:p>
@@ -763,7 +763,7 @@
           <a:p>
             <a:fld id="{3A675787-DA3F-4332-A401-8C5831ED470E}" type="datetimeFigureOut">
               <a:rPr lang="en-US" smtClean="0"/>
-              <a:t>3/24/2025</a:t>
+              <a:t>3/25/2025</a:t>
             </a:fld>
             <a:endParaRPr lang="en-US"/>
           </a:p>
@@ -1007,7 +1007,7 @@
           <a:p>
             <a:fld id="{3A675787-DA3F-4332-A401-8C5831ED470E}" type="datetimeFigureOut">
               <a:rPr lang="en-US" smtClean="0"/>
-              <a:t>3/24/2025</a:t>
+              <a:t>3/25/2025</a:t>
             </a:fld>
             <a:endParaRPr lang="en-US"/>
           </a:p>
@@ -1239,7 +1239,7 @@
           <a:p>
             <a:fld id="{3A675787-DA3F-4332-A401-8C5831ED470E}" type="datetimeFigureOut">
               <a:rPr lang="en-US" smtClean="0"/>
-              <a:t>3/24/2025</a:t>
+              <a:t>3/25/2025</a:t>
             </a:fld>
             <a:endParaRPr lang="en-US"/>
           </a:p>
@@ -1606,7 +1606,7 @@
           <a:p>
             <a:fld id="{3A675787-DA3F-4332-A401-8C5831ED470E}" type="datetimeFigureOut">
               <a:rPr lang="en-US" smtClean="0"/>
-              <a:t>3/24/2025</a:t>
+              <a:t>3/25/2025</a:t>
             </a:fld>
             <a:endParaRPr lang="en-US"/>
           </a:p>
@@ -1724,7 +1724,7 @@
           <a:p>
             <a:fld id="{3A675787-DA3F-4332-A401-8C5831ED470E}" type="datetimeFigureOut">
               <a:rPr lang="en-US" smtClean="0"/>
-              <a:t>3/24/2025</a:t>
+              <a:t>3/25/2025</a:t>
             </a:fld>
             <a:endParaRPr lang="en-US"/>
           </a:p>
@@ -1819,7 +1819,7 @@
           <a:p>
             <a:fld id="{3A675787-DA3F-4332-A401-8C5831ED470E}" type="datetimeFigureOut">
               <a:rPr lang="en-US" smtClean="0"/>
-              <a:t>3/24/2025</a:t>
+              <a:t>3/25/2025</a:t>
             </a:fld>
             <a:endParaRPr lang="en-US"/>
           </a:p>
@@ -2096,7 +2096,7 @@
           <a:p>
             <a:fld id="{3A675787-DA3F-4332-A401-8C5831ED470E}" type="datetimeFigureOut">
               <a:rPr lang="en-US" smtClean="0"/>
-              <a:t>3/24/2025</a:t>
+              <a:t>3/25/2025</a:t>
             </a:fld>
             <a:endParaRPr lang="en-US"/>
           </a:p>
@@ -2353,7 +2353,7 @@
           <a:p>
             <a:fld id="{3A675787-DA3F-4332-A401-8C5831ED470E}" type="datetimeFigureOut">
               <a:rPr lang="en-US" smtClean="0"/>
-              <a:t>3/24/2025</a:t>
+              <a:t>3/25/2025</a:t>
             </a:fld>
             <a:endParaRPr lang="en-US"/>
           </a:p>
@@ -2566,7 +2566,7 @@
           <a:p>
             <a:fld id="{3A675787-DA3F-4332-A401-8C5831ED470E}" type="datetimeFigureOut">
               <a:rPr lang="en-US" smtClean="0"/>
-              <a:t>3/24/2025</a:t>
+              <a:t>3/25/2025</a:t>
             </a:fld>
             <a:endParaRPr lang="en-US"/>
           </a:p>
@@ -3184,8 +3184,8 @@
         </p:nvSpPr>
         <p:spPr>
           <a:xfrm>
-            <a:off x="322618" y="5023565"/>
-            <a:ext cx="5716326" cy="707886"/>
+            <a:off x="322617" y="5023565"/>
+            <a:ext cx="13869655" cy="3785652"/>
           </a:xfrm>
           <a:prstGeom prst="rect">
             <a:avLst/>
@@ -3199,8 +3199,14 @@
           <a:lstStyle/>
           <a:p>
             <a:r>
-              <a:rPr lang="tr-TR" sz="4000" dirty="0"/>
-              <a:t>What this Project is about</a:t>
+              <a:rPr lang="en-GB" sz="4000" b="0" i="0" dirty="0">
+                <a:solidFill>
+                  <a:srgbClr val="31333F"/>
+                </a:solidFill>
+                <a:effectLst/>
+                <a:latin typeface="Source Sans Pro" panose="020B0503030403020204" pitchFamily="34" charset="0"/>
+              </a:rPr>
+              <a:t>This project dives into the world of darts using data science techniques to uncover fascinating insights. Below you will find a short explanation for the game to give you an understanding and context to view the analysis results in. There is also a subpage to explain the data pipeline of our data science project, so the efforts to get to these results can be easily tracked.</a:t>
             </a:r>
             <a:endParaRPr lang="en-US" sz="4000" dirty="0"/>
           </a:p>

--- a/Poster/DSP_POSTER_TEMPLATE.pptx
+++ b/Poster/DSP_POSTER_TEMPLATE.pptx
@@ -3043,7 +3043,7 @@
         <p:spPr>
           <a:xfrm>
             <a:off x="1085850" y="457200"/>
-            <a:ext cx="20059650" cy="2554545"/>
+            <a:ext cx="20059650" cy="2092881"/>
           </a:xfrm>
           <a:prstGeom prst="rect">
             <a:avLst/>
@@ -3062,19 +3062,19 @@
                   <a:schemeClr val="bg1"/>
                 </a:solidFill>
               </a:rPr>
-              <a:t>Darts </a:t>
-            </a:r>
-          </a:p>
-          <a:p>
-            <a:r>
-              <a:rPr lang="en-US" sz="8000" b="1" dirty="0">
+              <a:t>Data Science Project - Darts</a:t>
+            </a:r>
+          </a:p>
+          <a:p>
+            <a:r>
+              <a:rPr lang="en-US" sz="5000" b="1" dirty="0">
                 <a:solidFill>
                   <a:schemeClr val="bg1"/>
                 </a:solidFill>
               </a:rPr>
               <a:t>Emilie Terhaar, Sara Rolfs, Tyra Kausch</a:t>
             </a:r>
-            <a:endParaRPr lang="en-US" sz="8000" b="1" noProof="0" dirty="0">
+            <a:endParaRPr lang="en-US" sz="5000" b="1" noProof="0" dirty="0">
               <a:solidFill>
                 <a:schemeClr val="bg1"/>
               </a:solidFill>
@@ -3097,7 +3097,7 @@
         <p:spPr>
           <a:xfrm>
             <a:off x="322619" y="3760580"/>
-            <a:ext cx="4121790" cy="1015663"/>
+            <a:ext cx="4121790" cy="769441"/>
           </a:xfrm>
           <a:prstGeom prst="rect">
             <a:avLst/>
@@ -3111,14 +3111,14 @@
           <a:lstStyle/>
           <a:p>
             <a:r>
-              <a:rPr lang="tr-TR" sz="6000" dirty="0">
+              <a:rPr lang="tr-TR" sz="4400" dirty="0">
                 <a:solidFill>
                   <a:srgbClr val="9B0A7D"/>
                 </a:solidFill>
               </a:rPr>
               <a:t>Introduction</a:t>
             </a:r>
-            <a:endParaRPr lang="en-US" sz="6000" dirty="0">
+            <a:endParaRPr lang="en-US" sz="4400" dirty="0">
               <a:solidFill>
                 <a:srgbClr val="9B0A7D"/>
               </a:solidFill>
@@ -3140,8 +3140,8 @@
         </p:nvSpPr>
         <p:spPr>
           <a:xfrm>
-            <a:off x="322618" y="8713580"/>
-            <a:ext cx="2849452" cy="1015663"/>
+            <a:off x="322618" y="7613438"/>
+            <a:ext cx="2849452" cy="769441"/>
           </a:xfrm>
           <a:prstGeom prst="rect">
             <a:avLst/>
@@ -3155,14 +3155,14 @@
           <a:lstStyle/>
           <a:p>
             <a:r>
-              <a:rPr lang="tr-TR" sz="6000" dirty="0">
+              <a:rPr lang="tr-TR" sz="4400" dirty="0">
                 <a:solidFill>
                   <a:srgbClr val="9B0A7D"/>
                 </a:solidFill>
               </a:rPr>
               <a:t>Method</a:t>
             </a:r>
-            <a:endParaRPr lang="en-US" sz="6000" dirty="0">
+            <a:endParaRPr lang="en-US" sz="4400" dirty="0">
               <a:solidFill>
                 <a:srgbClr val="9B0A7D"/>
               </a:solidFill>
@@ -3184,8 +3184,8 @@
         </p:nvSpPr>
         <p:spPr>
           <a:xfrm>
-            <a:off x="322617" y="5023565"/>
-            <a:ext cx="13869655" cy="3785652"/>
+            <a:off x="322618" y="4534816"/>
+            <a:ext cx="13869655" cy="2862322"/>
           </a:xfrm>
           <a:prstGeom prst="rect">
             <a:avLst/>
@@ -3198,17 +3198,17 @@
           </a:bodyPr>
           <a:lstStyle/>
           <a:p>
-            <a:r>
-              <a:rPr lang="en-GB" sz="4000" b="0" i="0" dirty="0">
+            <a:pPr algn="just"/>
+            <a:r>
+              <a:rPr lang="en-GB" sz="3600" b="0" i="0" dirty="0">
                 <a:solidFill>
                   <a:srgbClr val="31333F"/>
                 </a:solidFill>
                 <a:effectLst/>
-                <a:latin typeface="Source Sans Pro" panose="020B0503030403020204" pitchFamily="34" charset="0"/>
               </a:rPr>
-              <a:t>This project dives into the world of darts using data science techniques to uncover fascinating insights. Below you will find a short explanation for the game to give you an understanding and context to view the analysis results in. There is also a subpage to explain the data pipeline of our data science project, so the efforts to get to these results can be easily tracked.</a:t>
-            </a:r>
-            <a:endParaRPr lang="en-US" sz="4000" dirty="0"/>
+              <a:t>This project dives into the world of darts using data science techniques to uncover fascinating insights. It aims to transform raw data into structured datasets suitable for visualization and analysis. The goal is to answer predefined research questions by gathering data from multiple sources, processing it, and generating analytical datasets.</a:t>
+            </a:r>
+            <a:endParaRPr lang="en-US" sz="3600" dirty="0"/>
           </a:p>
         </p:txBody>
       </p:sp>
@@ -3226,8 +3226,8 @@
         </p:nvSpPr>
         <p:spPr>
           <a:xfrm>
-            <a:off x="322618" y="9976565"/>
-            <a:ext cx="8366026" cy="707886"/>
+            <a:off x="322617" y="8376447"/>
+            <a:ext cx="13869651" cy="5632311"/>
           </a:xfrm>
           <a:prstGeom prst="rect">
             <a:avLst/>
@@ -3240,10 +3240,34 @@
           </a:bodyPr>
           <a:lstStyle/>
           <a:p>
-            <a:r>
-              <a:rPr lang="en-US" sz="4000" noProof="0" dirty="0"/>
-              <a:t>Data collection, cleaning and analyzing</a:t>
-            </a:r>
+            <a:pPr algn="just"/>
+            <a:r>
+              <a:rPr lang="en-US" sz="3600" noProof="0" dirty="0"/>
+              <a:t>The research questions – of which a few are represented on this poster – were formulated </a:t>
+            </a:r>
+            <a:r>
+              <a:rPr lang="en-US" sz="3600" dirty="0"/>
+              <a:t>while looking ahead at available data sources. </a:t>
+            </a:r>
+            <a:r>
+              <a:rPr lang="en-GB" sz="3600" b="0" i="0" dirty="0">
+                <a:solidFill>
+                  <a:srgbClr val="31333F"/>
+                </a:solidFill>
+                <a:effectLst/>
+              </a:rPr>
+              <a:t>Web scraping scripts were then developed and executed to extract structured data. This data consisted of player statistics, match results, and other relevant information. The extracted data was validated, cleaned, and stored in organized CSV files. In the next step, datasets were transformed to ensure correctness and consistency, addressing any missing values or errors manually. The final datasets were then analysed and visualized using appropriate graphical representations, forming the basis for answering the research questions</a:t>
+            </a:r>
+            <a:r>
+              <a:rPr lang="de-DE" sz="3600" b="0" i="0" dirty="0">
+                <a:solidFill>
+                  <a:srgbClr val="31333F"/>
+                </a:solidFill>
+                <a:effectLst/>
+              </a:rPr>
+              <a:t>.</a:t>
+            </a:r>
+            <a:endParaRPr lang="en-US" sz="3600" noProof="0" dirty="0"/>
           </a:p>
         </p:txBody>
       </p:sp>
@@ -3261,8 +3285,8 @@
         </p:nvSpPr>
         <p:spPr>
           <a:xfrm>
-            <a:off x="322618" y="13108813"/>
-            <a:ext cx="2459119" cy="1015663"/>
+            <a:off x="322617" y="14105091"/>
+            <a:ext cx="2459119" cy="769441"/>
           </a:xfrm>
           <a:prstGeom prst="rect">
             <a:avLst/>
@@ -3276,7 +3300,7 @@
           <a:lstStyle/>
           <a:p>
             <a:r>
-              <a:rPr lang="en-US" sz="6000" noProof="0" dirty="0">
+              <a:rPr lang="en-US" sz="4400" noProof="0" dirty="0">
                 <a:solidFill>
                   <a:srgbClr val="9B0A7D"/>
                 </a:solidFill>
@@ -3300,8 +3324,8 @@
         </p:nvSpPr>
         <p:spPr>
           <a:xfrm>
-            <a:off x="322618" y="14339743"/>
-            <a:ext cx="13839798" cy="2308324"/>
+            <a:off x="322616" y="14988925"/>
+            <a:ext cx="13839798" cy="1938992"/>
           </a:xfrm>
           <a:prstGeom prst="rect">
             <a:avLst/>
@@ -3315,17 +3339,25 @@
           <a:lstStyle/>
           <a:p>
             <a:r>
-              <a:rPr lang="en-GB" sz="4800" dirty="0">
+              <a:rPr lang="en-GB" sz="4000" dirty="0">
                 <a:solidFill>
                   <a:srgbClr val="9B0A7D"/>
                 </a:solidFill>
               </a:rPr>
-              <a:t>2 How do the averages of tournaments vary over time?</a:t>
-            </a:r>
-          </a:p>
-          <a:p>
-            <a:r>
-              <a:rPr lang="de-DE" sz="4800" dirty="0" err="1">
+              <a:t>How do the averages of tournaments vary over time?</a:t>
+            </a:r>
+          </a:p>
+          <a:p>
+            <a:r>
+              <a:rPr lang="de-DE" sz="4000" dirty="0">
+                <a:solidFill>
+                  <a:srgbClr val="9B0A7D"/>
+                </a:solidFill>
+              </a:rPr>
+              <a:t>2 </a:t>
+            </a:r>
+            <a:r>
+              <a:rPr lang="de-DE" sz="4000" dirty="0" err="1">
                 <a:solidFill>
                   <a:srgbClr val="9B0A7D"/>
                 </a:solidFill>
@@ -3333,7 +3365,7 @@
               <a:t>first</a:t>
             </a:r>
             <a:r>
-              <a:rPr lang="de-DE" sz="4800" dirty="0">
+              <a:rPr lang="de-DE" sz="4000" dirty="0">
                 <a:solidFill>
                   <a:srgbClr val="9B0A7D"/>
                 </a:solidFill>
@@ -3341,7 +3373,7 @@
               <a:t> </a:t>
             </a:r>
             <a:r>
-              <a:rPr lang="de-DE" sz="4800" dirty="0" err="1">
+              <a:rPr lang="de-DE" sz="4000" dirty="0" err="1">
                 <a:solidFill>
                   <a:srgbClr val="9B0A7D"/>
                 </a:solidFill>
@@ -3349,7 +3381,7 @@
               <a:t>diagram</a:t>
             </a:r>
             <a:r>
-              <a:rPr lang="de-DE" sz="4800" dirty="0">
+              <a:rPr lang="de-DE" sz="4000" dirty="0">
                 <a:solidFill>
                   <a:srgbClr val="9B0A7D"/>
                 </a:solidFill>
@@ -3357,7 +3389,7 @@
               <a:t>: </a:t>
             </a:r>
             <a:r>
-              <a:rPr lang="de-DE" sz="4800" dirty="0" err="1">
+              <a:rPr lang="de-DE" sz="4000" dirty="0" err="1">
                 <a:solidFill>
                   <a:srgbClr val="9B0A7D"/>
                 </a:solidFill>
@@ -3365,7 +3397,7 @@
               <a:t>world</a:t>
             </a:r>
             <a:r>
-              <a:rPr lang="de-DE" sz="4800" dirty="0">
+              <a:rPr lang="de-DE" sz="4000" dirty="0">
                 <a:solidFill>
                   <a:srgbClr val="9B0A7D"/>
                 </a:solidFill>
@@ -3373,7 +3405,7 @@
               <a:t> </a:t>
             </a:r>
             <a:r>
-              <a:rPr lang="de-DE" sz="4800" dirty="0" err="1">
+              <a:rPr lang="de-DE" sz="4000" dirty="0" err="1">
                 <a:solidFill>
                   <a:srgbClr val="9B0A7D"/>
                 </a:solidFill>
@@ -3381,7 +3413,7 @@
               <a:t>championship</a:t>
             </a:r>
             <a:r>
-              <a:rPr lang="de-DE" sz="4800" dirty="0">
+              <a:rPr lang="de-DE" sz="4000" dirty="0">
                 <a:solidFill>
                   <a:srgbClr val="9B0A7D"/>
                 </a:solidFill>
@@ -3389,7 +3421,7 @@
               <a:t>, </a:t>
             </a:r>
             <a:r>
-              <a:rPr lang="de-DE" sz="4800" dirty="0" err="1">
+              <a:rPr lang="de-DE" sz="4000" dirty="0" err="1">
                 <a:solidFill>
                   <a:srgbClr val="9B0A7D"/>
                 </a:solidFill>
@@ -3397,7 +3429,7 @@
               <a:t>players</a:t>
             </a:r>
             <a:r>
-              <a:rPr lang="de-DE" sz="4800" dirty="0">
+              <a:rPr lang="de-DE" sz="4000" dirty="0">
                 <a:solidFill>
                   <a:srgbClr val="9B0A7D"/>
                 </a:solidFill>
@@ -3405,7 +3437,7 @@
               <a:t> </a:t>
             </a:r>
             <a:r>
-              <a:rPr lang="de-DE" sz="4800" dirty="0" err="1">
+              <a:rPr lang="de-DE" sz="4000" dirty="0" err="1">
                 <a:solidFill>
                   <a:srgbClr val="9B0A7D"/>
                 </a:solidFill>
@@ -3413,7 +3445,7 @@
               <a:t>championship</a:t>
             </a:r>
             <a:r>
-              <a:rPr lang="de-DE" sz="4800" dirty="0">
+              <a:rPr lang="de-DE" sz="4000" dirty="0">
                 <a:solidFill>
                   <a:srgbClr val="9B0A7D"/>
                 </a:solidFill>
@@ -3421,7 +3453,7 @@
               <a:t>, </a:t>
             </a:r>
             <a:r>
-              <a:rPr lang="de-DE" sz="4800" dirty="0" err="1">
+              <a:rPr lang="de-DE" sz="4000" dirty="0" err="1">
                 <a:solidFill>
                   <a:srgbClr val="9B0A7D"/>
                 </a:solidFill>
@@ -3429,7 +3461,7 @@
               <a:t>regression</a:t>
             </a:r>
             <a:r>
-              <a:rPr lang="de-DE" sz="4800" dirty="0">
+              <a:rPr lang="de-DE" sz="4000" dirty="0">
                 <a:solidFill>
                   <a:srgbClr val="9B0A7D"/>
                 </a:solidFill>
@@ -3437,7 +3469,7 @@
               <a:t>, </a:t>
             </a:r>
             <a:r>
-              <a:rPr lang="de-DE" sz="4800" dirty="0" err="1">
+              <a:rPr lang="de-DE" sz="4000" dirty="0" err="1">
                 <a:solidFill>
                   <a:srgbClr val="9B0A7D"/>
                 </a:solidFill>
@@ -3445,14 +3477,14 @@
               <a:t>avg</a:t>
             </a:r>
             <a:r>
-              <a:rPr lang="de-DE" sz="4800" dirty="0">
+              <a:rPr lang="de-DE" sz="4000" dirty="0">
                 <a:solidFill>
                   <a:srgbClr val="9B0A7D"/>
                 </a:solidFill>
               </a:rPr>
               <a:t>.</a:t>
             </a:r>
-            <a:endParaRPr lang="en-US" sz="4800" dirty="0">
+            <a:endParaRPr lang="en-US" sz="4000" dirty="0">
               <a:solidFill>
                 <a:srgbClr val="9B0A7D"/>
               </a:solidFill>
@@ -3474,8 +3506,8 @@
         </p:nvSpPr>
         <p:spPr>
           <a:xfrm>
-            <a:off x="322618" y="24097994"/>
-            <a:ext cx="13839798" cy="1569660"/>
+            <a:off x="200796" y="26897882"/>
+            <a:ext cx="13839798" cy="1323439"/>
           </a:xfrm>
           <a:prstGeom prst="rect">
             <a:avLst/>
@@ -3489,30 +3521,14 @@
           <a:lstStyle/>
           <a:p>
             <a:r>
-              <a:rPr lang="en-GB" sz="4800" dirty="0">
+              <a:rPr lang="en-GB" sz="4000" dirty="0">
                 <a:solidFill>
                   <a:srgbClr val="9B0A7D"/>
                 </a:solidFill>
               </a:rPr>
-              <a:t>5 How does the price money and number of participants vary over time?</a:t>
-            </a:r>
-            <a:r>
-              <a:rPr lang="tr-TR" sz="4800" dirty="0">
-                <a:solidFill>
-                  <a:srgbClr val="9B0A7D"/>
-                </a:solidFill>
-              </a:rPr>
-              <a:t> </a:t>
-            </a:r>
-            <a:r>
-              <a:rPr lang="de-DE" sz="4800" dirty="0">
-                <a:solidFill>
-                  <a:srgbClr val="9B0A7D"/>
-                </a:solidFill>
-              </a:rPr>
-              <a:t>YES</a:t>
-            </a:r>
-            <a:endParaRPr lang="en-US" sz="4800" dirty="0">
+              <a:t>How does the price money and number of participants vary over time?</a:t>
+            </a:r>
+            <a:endParaRPr lang="en-US" sz="4000" dirty="0">
               <a:solidFill>
                 <a:srgbClr val="9B0A7D"/>
               </a:solidFill>
@@ -3535,7 +3551,7 @@
         <p:spPr>
           <a:xfrm>
             <a:off x="15002815" y="3732931"/>
-            <a:ext cx="15034841" cy="1569660"/>
+            <a:ext cx="15034841" cy="1323439"/>
           </a:xfrm>
           <a:prstGeom prst="rect">
             <a:avLst/>
@@ -3549,22 +3565,14 @@
           <a:lstStyle/>
           <a:p>
             <a:r>
-              <a:rPr lang="en-GB" sz="4800" dirty="0">
+              <a:rPr lang="en-GB" sz="4000" dirty="0">
                 <a:solidFill>
                   <a:srgbClr val="9B0A7D"/>
                 </a:solidFill>
               </a:rPr>
-              <a:t>4 What are most popular double fields and their corresponding checkout quotes? Linke </a:t>
-            </a:r>
-            <a:r>
-              <a:rPr lang="en-GB" sz="4800" dirty="0" err="1">
-                <a:solidFill>
-                  <a:srgbClr val="9B0A7D"/>
-                </a:solidFill>
-              </a:rPr>
-              <a:t>Kreisdiagramme</a:t>
-            </a:r>
-            <a:endParaRPr lang="en-US" sz="4800" dirty="0">
+              <a:t>What are most popular double fields and their corresponding checkout quotes?</a:t>
+            </a:r>
+            <a:endParaRPr lang="en-US" sz="4000" dirty="0">
               <a:solidFill>
                 <a:srgbClr val="9B0A7D"/>
               </a:solidFill>
@@ -3588,7 +3596,7 @@
         </p:nvCxnSpPr>
         <p:spPr>
           <a:xfrm>
-            <a:off x="1085850" y="35661600"/>
+            <a:off x="1029640" y="36469674"/>
             <a:ext cx="27946350" cy="0"/>
           </a:xfrm>
           <a:prstGeom prst="line">
@@ -3629,8 +3637,8 @@
         </p:nvSpPr>
         <p:spPr>
           <a:xfrm>
-            <a:off x="15002815" y="14339743"/>
-            <a:ext cx="15034835" cy="1569660"/>
+            <a:off x="15002813" y="14988925"/>
+            <a:ext cx="15034835" cy="707886"/>
           </a:xfrm>
           <a:prstGeom prst="rect">
             <a:avLst/>
@@ -3644,14 +3652,30 @@
           <a:lstStyle/>
           <a:p>
             <a:r>
-              <a:rPr lang="en-GB" sz="4800" dirty="0">
+              <a:rPr lang="en-GB" sz="4000" dirty="0">
                 <a:solidFill>
                   <a:srgbClr val="9B0A7D"/>
                 </a:solidFill>
               </a:rPr>
-              <a:t>6 How does age, nationality and handiness effects the rankings? Absolute nationalities for 5 (card from 7)</a:t>
-            </a:r>
-            <a:endParaRPr lang="en-US" sz="4800" dirty="0">
+              <a:t>How does </a:t>
+            </a:r>
+            <a:r>
+              <a:rPr lang="en-GB" sz="4000">
+                <a:solidFill>
+                  <a:srgbClr val="9B0A7D"/>
+                </a:solidFill>
+              </a:rPr>
+              <a:t>nationality effect </a:t>
+            </a:r>
+            <a:r>
+              <a:rPr lang="en-GB" sz="4000" dirty="0">
+                <a:solidFill>
+                  <a:srgbClr val="9B0A7D"/>
+                </a:solidFill>
+              </a:rPr>
+              <a:t>the rankings?</a:t>
+            </a:r>
+            <a:endParaRPr lang="en-US" sz="4000" dirty="0">
               <a:solidFill>
                 <a:srgbClr val="9B0A7D"/>
               </a:solidFill>
@@ -3673,7 +3697,7 @@
         </p:nvSpPr>
         <p:spPr>
           <a:xfrm>
-            <a:off x="1085850" y="35876868"/>
+            <a:off x="993600" y="36874004"/>
             <a:ext cx="4065921" cy="1015663"/>
           </a:xfrm>
           <a:prstGeom prst="rect">
@@ -3712,8 +3736,8 @@
         </p:nvSpPr>
         <p:spPr>
           <a:xfrm>
-            <a:off x="993600" y="37426099"/>
-            <a:ext cx="10227159" cy="707886"/>
+            <a:off x="993600" y="37889667"/>
+            <a:ext cx="14009215" cy="3785652"/>
           </a:xfrm>
           <a:prstGeom prst="rect">
             <a:avLst/>
@@ -3721,19 +3745,62 @@
           <a:noFill/>
         </p:spPr>
         <p:txBody>
-          <a:bodyPr wrap="none" rtlCol="0">
+          <a:bodyPr wrap="square" rtlCol="0">
             <a:spAutoFit/>
           </a:bodyPr>
           <a:lstStyle/>
           <a:p>
             <a:r>
               <a:rPr lang="tr-TR" sz="4000" noProof="0" dirty="0"/>
-              <a:t>List the</a:t>
-            </a:r>
-            <a:r>
-              <a:rPr lang="en-US" sz="4000" noProof="0" dirty="0"/>
-              <a:t> refence of the APIs, resources you used. </a:t>
-            </a:r>
+              <a:t>https://app.dartsorakel.com/</a:t>
+            </a:r>
+          </a:p>
+          <a:p>
+            <a:r>
+              <a:rPr lang="tr-TR" sz="4000" noProof="0" dirty="0"/>
+              <a:t>https://mastercaller.com/tournaments/pdc-world-championship/</a:t>
+            </a:r>
+          </a:p>
+          <a:p>
+            <a:r>
+              <a:rPr lang="tr-TR" sz="4000" noProof="0" dirty="0"/>
+              <a:t>https://www.dartn.de/Dart-Profis</a:t>
+            </a:r>
+          </a:p>
+          <a:p>
+            <a:r>
+              <a:rPr lang="tr-TR" sz="4000" noProof="0" dirty="0">
+                <a:solidFill>
+                  <a:schemeClr val="bg1"/>
+                </a:solidFill>
+              </a:rPr>
+              <a:t>https://de.wikipedia.org/wiki/Professional_Darts_Corporation</a:t>
+            </a:r>
+          </a:p>
+          <a:p>
+            <a:r>
+              <a:rPr lang="tr-TR" sz="4000" noProof="0" dirty="0">
+                <a:solidFill>
+                  <a:schemeClr val="bg1"/>
+                </a:solidFill>
+              </a:rPr>
+              <a:t>https://de.wikipedia.org/wiki/PDC_World_Darts_Championship</a:t>
+            </a:r>
+          </a:p>
+          <a:p>
+            <a:r>
+              <a:rPr lang="tr-TR" sz="4000" noProof="0" dirty="0">
+                <a:solidFill>
+                  <a:schemeClr val="bg1"/>
+                </a:solidFill>
+              </a:rPr>
+              <a:t>https://www.flashscore.de/</a:t>
+            </a:r>
+            <a:endParaRPr lang="en-US" sz="4000" noProof="0" dirty="0">
+              <a:solidFill>
+                <a:schemeClr val="bg1"/>
+              </a:solidFill>
+            </a:endParaRPr>
           </a:p>
         </p:txBody>
       </p:sp>
@@ -3809,8 +3876,8 @@
         </p:nvSpPr>
         <p:spPr>
           <a:xfrm>
-            <a:off x="15002820" y="24097994"/>
-            <a:ext cx="15034830" cy="1569660"/>
+            <a:off x="14788005" y="26945029"/>
+            <a:ext cx="15034830" cy="707886"/>
           </a:xfrm>
           <a:prstGeom prst="rect">
             <a:avLst/>
@@ -3824,14 +3891,14 @@
           <a:lstStyle/>
           <a:p>
             <a:r>
-              <a:rPr lang="en-GB" sz="4800" dirty="0">
+              <a:rPr lang="en-GB" sz="4000" dirty="0">
                 <a:solidFill>
                   <a:srgbClr val="9B0A7D"/>
                 </a:solidFill>
               </a:rPr>
-              <a:t>15 How does the performance of individual players change over time? One player, second and third graph</a:t>
-            </a:r>
-            <a:endParaRPr lang="en-US" sz="4800" dirty="0">
+              <a:t>15 How does the performance of individual players change over time?</a:t>
+            </a:r>
+            <a:endParaRPr lang="en-US" sz="4000" dirty="0">
               <a:solidFill>
                 <a:srgbClr val="9B0A7D"/>
               </a:solidFill>
@@ -3874,6 +3941,343 @@
           </a:prstGeom>
         </p:spPr>
       </p:pic>
+      <p:pic>
+        <p:nvPicPr>
+          <p:cNvPr id="6" name="Grafik 5">
+            <a:extLst>
+              <a:ext uri="{FF2B5EF4-FFF2-40B4-BE49-F238E27FC236}">
+                <a16:creationId xmlns:a16="http://schemas.microsoft.com/office/drawing/2014/main" id="{7E382A02-4DF1-DDA2-3E3E-663E673B3461}"/>
+              </a:ext>
+            </a:extLst>
+          </p:cNvPr>
+          <p:cNvPicPr>
+            <a:picLocks noChangeAspect="1"/>
+          </p:cNvPicPr>
+          <p:nvPr/>
+        </p:nvPicPr>
+        <p:blipFill>
+          <a:blip r:embed="rId4">
+            <a:extLst>
+              <a:ext uri="{28A0092B-C50C-407E-A947-70E740481C1C}">
+                <a14:useLocalDpi xmlns:a14="http://schemas.microsoft.com/office/drawing/2010/main" val="0"/>
+              </a:ext>
+            </a:extLst>
+          </a:blip>
+          <a:srcRect b="2714"/>
+          <a:stretch/>
+        </p:blipFill>
+        <p:spPr>
+          <a:xfrm>
+            <a:off x="6620385" y="27652915"/>
+            <a:ext cx="7726392" cy="4398793"/>
+          </a:xfrm>
+          <a:prstGeom prst="rect">
+            <a:avLst/>
+          </a:prstGeom>
+        </p:spPr>
+      </p:pic>
+      <p:pic>
+        <p:nvPicPr>
+          <p:cNvPr id="10" name="Grafik 9">
+            <a:extLst>
+              <a:ext uri="{FF2B5EF4-FFF2-40B4-BE49-F238E27FC236}">
+                <a16:creationId xmlns:a16="http://schemas.microsoft.com/office/drawing/2014/main" id="{40B89DDD-9679-C5C2-3697-F9A848A643E0}"/>
+              </a:ext>
+            </a:extLst>
+          </p:cNvPr>
+          <p:cNvPicPr>
+            <a:picLocks noChangeAspect="1"/>
+          </p:cNvPicPr>
+          <p:nvPr/>
+        </p:nvPicPr>
+        <p:blipFill>
+          <a:blip r:embed="rId5">
+            <a:extLst>
+              <a:ext uri="{28A0092B-C50C-407E-A947-70E740481C1C}">
+                <a14:useLocalDpi xmlns:a14="http://schemas.microsoft.com/office/drawing/2010/main" val="0"/>
+              </a:ext>
+            </a:extLst>
+          </a:blip>
+          <a:srcRect l="4049" t="2620" b="6201"/>
+          <a:stretch/>
+        </p:blipFill>
+        <p:spPr>
+          <a:xfrm>
+            <a:off x="24720823" y="5302591"/>
+            <a:ext cx="5316827" cy="4425229"/>
+          </a:xfrm>
+          <a:prstGeom prst="rect">
+            <a:avLst/>
+          </a:prstGeom>
+        </p:spPr>
+      </p:pic>
+      <p:pic>
+        <p:nvPicPr>
+          <p:cNvPr id="19" name="Grafik 18">
+            <a:extLst>
+              <a:ext uri="{FF2B5EF4-FFF2-40B4-BE49-F238E27FC236}">
+                <a16:creationId xmlns:a16="http://schemas.microsoft.com/office/drawing/2014/main" id="{3C16E54E-48BE-2311-CB17-F97AE1A78C7C}"/>
+              </a:ext>
+            </a:extLst>
+          </p:cNvPr>
+          <p:cNvPicPr>
+            <a:picLocks noChangeAspect="1"/>
+          </p:cNvPicPr>
+          <p:nvPr/>
+        </p:nvPicPr>
+        <p:blipFill>
+          <a:blip r:embed="rId6">
+            <a:extLst>
+              <a:ext uri="{28A0092B-C50C-407E-A947-70E740481C1C}">
+                <a14:useLocalDpi xmlns:a14="http://schemas.microsoft.com/office/drawing/2010/main" val="0"/>
+              </a:ext>
+            </a:extLst>
+          </a:blip>
+          <a:srcRect l="10556" b="4495"/>
+          <a:stretch/>
+        </p:blipFill>
+        <p:spPr>
+          <a:xfrm>
+            <a:off x="24720822" y="9727820"/>
+            <a:ext cx="5316828" cy="4425229"/>
+          </a:xfrm>
+          <a:prstGeom prst="rect">
+            <a:avLst/>
+          </a:prstGeom>
+        </p:spPr>
+      </p:pic>
+      <p:pic>
+        <p:nvPicPr>
+          <p:cNvPr id="22" name="Grafik 21">
+            <a:extLst>
+              <a:ext uri="{FF2B5EF4-FFF2-40B4-BE49-F238E27FC236}">
+                <a16:creationId xmlns:a16="http://schemas.microsoft.com/office/drawing/2014/main" id="{2FED093D-4F5C-1881-B265-095E75FBABE6}"/>
+              </a:ext>
+            </a:extLst>
+          </p:cNvPr>
+          <p:cNvPicPr>
+            <a:picLocks noChangeAspect="1"/>
+          </p:cNvPicPr>
+          <p:nvPr/>
+        </p:nvPicPr>
+        <p:blipFill>
+          <a:blip r:embed="rId7">
+            <a:extLst>
+              <a:ext uri="{28A0092B-C50C-407E-A947-70E740481C1C}">
+                <a14:useLocalDpi xmlns:a14="http://schemas.microsoft.com/office/drawing/2010/main" val="0"/>
+              </a:ext>
+            </a:extLst>
+          </a:blip>
+          <a:stretch>
+            <a:fillRect/>
+          </a:stretch>
+        </p:blipFill>
+        <p:spPr>
+          <a:xfrm>
+            <a:off x="14888806" y="31946241"/>
+            <a:ext cx="6615169" cy="4326013"/>
+          </a:xfrm>
+          <a:prstGeom prst="rect">
+            <a:avLst/>
+          </a:prstGeom>
+        </p:spPr>
+      </p:pic>
+      <p:pic>
+        <p:nvPicPr>
+          <p:cNvPr id="25" name="Grafik 24">
+            <a:extLst>
+              <a:ext uri="{FF2B5EF4-FFF2-40B4-BE49-F238E27FC236}">
+                <a16:creationId xmlns:a16="http://schemas.microsoft.com/office/drawing/2014/main" id="{1AC9B1FD-91B3-22EE-E5D2-B878DB980BC4}"/>
+              </a:ext>
+            </a:extLst>
+          </p:cNvPr>
+          <p:cNvPicPr>
+            <a:picLocks noChangeAspect="1"/>
+          </p:cNvPicPr>
+          <p:nvPr/>
+        </p:nvPicPr>
+        <p:blipFill>
+          <a:blip r:embed="rId8">
+            <a:extLst>
+              <a:ext uri="{28A0092B-C50C-407E-A947-70E740481C1C}">
+                <a14:useLocalDpi xmlns:a14="http://schemas.microsoft.com/office/drawing/2010/main" val="0"/>
+              </a:ext>
+            </a:extLst>
+          </a:blip>
+          <a:stretch>
+            <a:fillRect/>
+          </a:stretch>
+        </p:blipFill>
+        <p:spPr>
+          <a:xfrm>
+            <a:off x="21469141" y="31946240"/>
+            <a:ext cx="8568507" cy="4424721"/>
+          </a:xfrm>
+          <a:prstGeom prst="rect">
+            <a:avLst/>
+          </a:prstGeom>
+        </p:spPr>
+      </p:pic>
+      <p:pic>
+        <p:nvPicPr>
+          <p:cNvPr id="32" name="Grafik 31">
+            <a:extLst>
+              <a:ext uri="{FF2B5EF4-FFF2-40B4-BE49-F238E27FC236}">
+                <a16:creationId xmlns:a16="http://schemas.microsoft.com/office/drawing/2014/main" id="{8C7686EC-6397-4082-6CFC-2DCD1EC51A50}"/>
+              </a:ext>
+            </a:extLst>
+          </p:cNvPr>
+          <p:cNvPicPr>
+            <a:picLocks noChangeAspect="1"/>
+          </p:cNvPicPr>
+          <p:nvPr/>
+        </p:nvPicPr>
+        <p:blipFill>
+          <a:blip r:embed="rId9">
+            <a:extLst>
+              <a:ext uri="{28A0092B-C50C-407E-A947-70E740481C1C}">
+                <a14:useLocalDpi xmlns:a14="http://schemas.microsoft.com/office/drawing/2010/main" val="0"/>
+              </a:ext>
+            </a:extLst>
+          </a:blip>
+          <a:stretch>
+            <a:fillRect/>
+          </a:stretch>
+        </p:blipFill>
+        <p:spPr>
+          <a:xfrm>
+            <a:off x="21979696" y="16558585"/>
+            <a:ext cx="8057952" cy="4611923"/>
+          </a:xfrm>
+          <a:prstGeom prst="rect">
+            <a:avLst/>
+          </a:prstGeom>
+        </p:spPr>
+      </p:pic>
+      <p:pic>
+        <p:nvPicPr>
+          <p:cNvPr id="34" name="Grafik 33">
+            <a:extLst>
+              <a:ext uri="{FF2B5EF4-FFF2-40B4-BE49-F238E27FC236}">
+                <a16:creationId xmlns:a16="http://schemas.microsoft.com/office/drawing/2014/main" id="{12302E72-19DC-431A-C21E-68E51AA35168}"/>
+              </a:ext>
+            </a:extLst>
+          </p:cNvPr>
+          <p:cNvPicPr>
+            <a:picLocks noChangeAspect="1"/>
+          </p:cNvPicPr>
+          <p:nvPr/>
+        </p:nvPicPr>
+        <p:blipFill>
+          <a:blip r:embed="rId10">
+            <a:extLst>
+              <a:ext uri="{28A0092B-C50C-407E-A947-70E740481C1C}">
+                <a14:useLocalDpi xmlns:a14="http://schemas.microsoft.com/office/drawing/2010/main" val="0"/>
+              </a:ext>
+            </a:extLst>
+          </a:blip>
+          <a:stretch>
+            <a:fillRect/>
+          </a:stretch>
+        </p:blipFill>
+        <p:spPr>
+          <a:xfrm>
+            <a:off x="21979696" y="21170508"/>
+            <a:ext cx="8050141" cy="5722390"/>
+          </a:xfrm>
+          <a:prstGeom prst="rect">
+            <a:avLst/>
+          </a:prstGeom>
+        </p:spPr>
+      </p:pic>
+      <p:sp>
+        <p:nvSpPr>
+          <p:cNvPr id="37" name="TextBox 12">
+            <a:extLst>
+              <a:ext uri="{FF2B5EF4-FFF2-40B4-BE49-F238E27FC236}">
+                <a16:creationId xmlns:a16="http://schemas.microsoft.com/office/drawing/2014/main" id="{DCA07421-F0DC-D9B9-E726-1464D30ED90B}"/>
+              </a:ext>
+            </a:extLst>
+          </p:cNvPr>
+          <p:cNvSpPr txBox="1"/>
+          <p:nvPr/>
+        </p:nvSpPr>
+        <p:spPr>
+          <a:xfrm>
+            <a:off x="200797" y="28320034"/>
+            <a:ext cx="6113398" cy="3970318"/>
+          </a:xfrm>
+          <a:prstGeom prst="rect">
+            <a:avLst/>
+          </a:prstGeom>
+          <a:noFill/>
+        </p:spPr>
+        <p:txBody>
+          <a:bodyPr wrap="square" rtlCol="0">
+            <a:spAutoFit/>
+          </a:bodyPr>
+          <a:lstStyle/>
+          <a:p>
+            <a:pPr algn="just"/>
+            <a:r>
+              <a:rPr lang="en-GB" sz="3600" noProof="0" dirty="0"/>
+              <a:t>For this question, only the  data for the PDC World Championship was analysed.</a:t>
+            </a:r>
+          </a:p>
+          <a:p>
+            <a:pPr algn="just"/>
+            <a:r>
+              <a:rPr lang="en-GB" sz="3600" noProof="0" dirty="0"/>
+              <a:t>In this graph, the prize </a:t>
+            </a:r>
+            <a:r>
+              <a:rPr lang="en-GB" sz="3600" noProof="0" dirty="0" err="1"/>
+              <a:t>mone</a:t>
+            </a:r>
+            <a:r>
+              <a:rPr lang="en-GB" sz="3600" dirty="0"/>
+              <a:t>y and number of participants is rising. The coloured stacked bars indicate prize allocation by</a:t>
+            </a:r>
+            <a:endParaRPr lang="en-GB" sz="3600" noProof="0" dirty="0"/>
+          </a:p>
+        </p:txBody>
+      </p:sp>
+      <p:sp>
+        <p:nvSpPr>
+          <p:cNvPr id="38" name="Textfeld 37">
+            <a:extLst>
+              <a:ext uri="{FF2B5EF4-FFF2-40B4-BE49-F238E27FC236}">
+                <a16:creationId xmlns:a16="http://schemas.microsoft.com/office/drawing/2014/main" id="{37E7BD97-682B-1C0A-3080-AF30298392C3}"/>
+              </a:ext>
+            </a:extLst>
+          </p:cNvPr>
+          <p:cNvSpPr txBox="1"/>
+          <p:nvPr/>
+        </p:nvSpPr>
+        <p:spPr>
+          <a:xfrm>
+            <a:off x="200795" y="32187360"/>
+            <a:ext cx="14075630" cy="2862322"/>
+          </a:xfrm>
+          <a:prstGeom prst="rect">
+            <a:avLst/>
+          </a:prstGeom>
+          <a:noFill/>
+        </p:spPr>
+        <p:txBody>
+          <a:bodyPr wrap="square" rtlCol="0">
+            <a:spAutoFit/>
+          </a:bodyPr>
+          <a:lstStyle/>
+          <a:p>
+            <a:r>
+              <a:rPr lang="en-GB" sz="3600" dirty="0"/>
+              <a:t>tournament stage, while the red line shows the increasing participant numbers. There's a clear correlation between participant numbers and prize money: Major increases in participants typically coincided with significant prize money increases. The graphs show that while the total prize pool has increased, the distribution maintains a similar structure.</a:t>
+            </a:r>
+            <a:endParaRPr lang="LID4096" sz="3600" dirty="0"/>
+          </a:p>
+        </p:txBody>
+      </p:sp>
     </p:spTree>
     <p:extLst>
       <p:ext uri="{BB962C8B-B14F-4D97-AF65-F5344CB8AC3E}">

--- a/Poster/DSP_POSTER_TEMPLATE.pptx
+++ b/Poster/DSP_POSTER_TEMPLATE.pptx
@@ -3042,8 +3042,8 @@
         </p:nvSpPr>
         <p:spPr>
           <a:xfrm>
-            <a:off x="1085850" y="457200"/>
-            <a:ext cx="20059650" cy="2092881"/>
+            <a:off x="993600" y="457200"/>
+            <a:ext cx="20151900" cy="2092881"/>
           </a:xfrm>
           <a:prstGeom prst="rect">
             <a:avLst/>
@@ -3506,8 +3506,8 @@
         </p:nvSpPr>
         <p:spPr>
           <a:xfrm>
-            <a:off x="200796" y="26897882"/>
-            <a:ext cx="13839798" cy="1323439"/>
+            <a:off x="322616" y="26897882"/>
+            <a:ext cx="13717978" cy="1323439"/>
           </a:xfrm>
           <a:prstGeom prst="rect">
             <a:avLst/>
@@ -3550,8 +3550,8 @@
         </p:nvSpPr>
         <p:spPr>
           <a:xfrm>
-            <a:off x="15002815" y="3732931"/>
-            <a:ext cx="15034841" cy="1323439"/>
+            <a:off x="15002807" y="3732856"/>
+            <a:ext cx="14920824" cy="1323439"/>
           </a:xfrm>
           <a:prstGeom prst="rect">
             <a:avLst/>
@@ -3570,7 +3570,7 @@
                   <a:srgbClr val="9B0A7D"/>
                 </a:solidFill>
               </a:rPr>
-              <a:t>What are most popular double fields and their corresponding checkout quotes?</a:t>
+              <a:t>What are most popular double fields and their corresponding check out quotes?</a:t>
             </a:r>
             <a:endParaRPr lang="en-US" sz="4000" dirty="0">
               <a:solidFill>
@@ -3637,7 +3637,7 @@
         </p:nvSpPr>
         <p:spPr>
           <a:xfrm>
-            <a:off x="15002813" y="14988925"/>
+            <a:off x="15002814" y="14008758"/>
             <a:ext cx="15034835" cy="707886"/>
           </a:xfrm>
           <a:prstGeom prst="rect">
@@ -3657,23 +3657,7 @@
                   <a:srgbClr val="9B0A7D"/>
                 </a:solidFill>
               </a:rPr>
-              <a:t>How does </a:t>
-            </a:r>
-            <a:r>
-              <a:rPr lang="en-GB" sz="4000">
-                <a:solidFill>
-                  <a:srgbClr val="9B0A7D"/>
-                </a:solidFill>
-              </a:rPr>
-              <a:t>nationality effect </a:t>
-            </a:r>
-            <a:r>
-              <a:rPr lang="en-GB" sz="4000" dirty="0">
-                <a:solidFill>
-                  <a:srgbClr val="9B0A7D"/>
-                </a:solidFill>
-              </a:rPr>
-              <a:t>the rankings?</a:t>
+              <a:t>How does nationality effect the rankings?</a:t>
             </a:r>
             <a:endParaRPr lang="en-US" sz="4000" dirty="0">
               <a:solidFill>
@@ -3876,7 +3860,7 @@
         </p:nvSpPr>
         <p:spPr>
           <a:xfrm>
-            <a:off x="14788005" y="26945029"/>
+            <a:off x="14787997" y="26293885"/>
             <a:ext cx="15034830" cy="707886"/>
           </a:xfrm>
           <a:prstGeom prst="rect">
@@ -3896,7 +3880,7 @@
                   <a:srgbClr val="9B0A7D"/>
                 </a:solidFill>
               </a:rPr>
-              <a:t>15 How does the performance of individual players change over time?</a:t>
+              <a:t>How does the performance of individual players change over time?</a:t>
             </a:r>
             <a:endParaRPr lang="en-US" sz="4000" dirty="0">
               <a:solidFill>
@@ -4003,7 +3987,7 @@
         </p:blipFill>
         <p:spPr>
           <a:xfrm>
-            <a:off x="24720823" y="5302591"/>
+            <a:off x="24720822" y="4466715"/>
             <a:ext cx="5316827" cy="4425229"/>
           </a:xfrm>
           <a:prstGeom prst="rect">
@@ -4038,7 +4022,7 @@
         </p:blipFill>
         <p:spPr>
           <a:xfrm>
-            <a:off x="24720822" y="9727820"/>
+            <a:off x="24720822" y="8891944"/>
             <a:ext cx="5316828" cy="4425229"/>
           </a:xfrm>
           <a:prstGeom prst="rect">
@@ -4074,7 +4058,7 @@
         </p:blipFill>
         <p:spPr>
           <a:xfrm>
-            <a:off x="14888806" y="31946241"/>
+            <a:off x="14888798" y="31630960"/>
             <a:ext cx="6615169" cy="4326013"/>
           </a:xfrm>
           <a:prstGeom prst="rect">
@@ -4110,7 +4094,7 @@
         </p:blipFill>
         <p:spPr>
           <a:xfrm>
-            <a:off x="21469141" y="31946240"/>
+            <a:off x="21469133" y="31630959"/>
             <a:ext cx="8568507" cy="4424721"/>
           </a:xfrm>
           <a:prstGeom prst="rect">
@@ -4146,7 +4130,7 @@
         </p:blipFill>
         <p:spPr>
           <a:xfrm>
-            <a:off x="21979696" y="16558585"/>
+            <a:off x="14888798" y="21481634"/>
             <a:ext cx="8057952" cy="4611923"/>
           </a:xfrm>
           <a:prstGeom prst="rect">
@@ -4182,8 +4166,8 @@
         </p:blipFill>
         <p:spPr>
           <a:xfrm>
-            <a:off x="21979696" y="21170508"/>
-            <a:ext cx="8050141" cy="5722390"/>
+            <a:off x="23252940" y="21641521"/>
+            <a:ext cx="6263033" cy="4452035"/>
           </a:xfrm>
           <a:prstGeom prst="rect">
             <a:avLst/>
@@ -4204,8 +4188,8 @@
         </p:nvSpPr>
         <p:spPr>
           <a:xfrm>
-            <a:off x="200797" y="28320034"/>
-            <a:ext cx="6113398" cy="3970318"/>
+            <a:off x="322615" y="28320034"/>
+            <a:ext cx="5991579" cy="3970318"/>
           </a:xfrm>
           <a:prstGeom prst="rect">
             <a:avLst/>
@@ -4228,15 +4212,11 @@
             <a:pPr algn="just"/>
             <a:r>
               <a:rPr lang="en-GB" sz="3600" noProof="0" dirty="0"/>
-              <a:t>In this graph, the prize </a:t>
-            </a:r>
-            <a:r>
-              <a:rPr lang="en-GB" sz="3600" noProof="0" dirty="0" err="1"/>
-              <a:t>mone</a:t>
+              <a:t>In this graph, the prize money</a:t>
             </a:r>
             <a:r>
               <a:rPr lang="en-GB" sz="3600" dirty="0"/>
-              <a:t>y and number of participants is rising. The coloured stacked bars indicate prize allocation by</a:t>
+              <a:t> and number of participants is rising. The coloured stacked bars indicate prize allocation</a:t>
             </a:r>
             <a:endParaRPr lang="en-GB" sz="3600" noProof="0" dirty="0"/>
           </a:p>
@@ -4256,8 +4236,8 @@
         </p:nvSpPr>
         <p:spPr>
           <a:xfrm>
-            <a:off x="200795" y="32187360"/>
-            <a:ext cx="14075630" cy="2862322"/>
+            <a:off x="322615" y="32150421"/>
+            <a:ext cx="13953810" cy="2862322"/>
           </a:xfrm>
           <a:prstGeom prst="rect">
             <a:avLst/>
@@ -4272,9 +4252,197 @@
           <a:p>
             <a:r>
               <a:rPr lang="en-GB" sz="3600" dirty="0"/>
-              <a:t>tournament stage, while the red line shows the increasing participant numbers. There's a clear correlation between participant numbers and prize money: Major increases in participants typically coincided with significant prize money increases. The graphs show that while the total prize pool has increased, the distribution maintains a similar structure.</a:t>
+              <a:t>by tournament stage, while the red line shows the increasing participant numbers. There's a clear correlation between participant numbers and prize money: Major increases in participants typically coincided with significant prize money increases. The graphs show that while the total prize pool has increased, the distribution maintains a similar structure.</a:t>
             </a:r>
             <a:endParaRPr lang="LID4096" sz="3600" dirty="0"/>
+          </a:p>
+        </p:txBody>
+      </p:sp>
+      <p:sp>
+        <p:nvSpPr>
+          <p:cNvPr id="39" name="TextBox 12">
+            <a:extLst>
+              <a:ext uri="{FF2B5EF4-FFF2-40B4-BE49-F238E27FC236}">
+                <a16:creationId xmlns:a16="http://schemas.microsoft.com/office/drawing/2014/main" id="{0BF47DE2-DBC3-C822-5E3E-66D521DA0E5F}"/>
+              </a:ext>
+            </a:extLst>
+          </p:cNvPr>
+          <p:cNvSpPr txBox="1"/>
+          <p:nvPr/>
+        </p:nvSpPr>
+        <p:spPr>
+          <a:xfrm>
+            <a:off x="15002814" y="14642614"/>
+            <a:ext cx="14820022" cy="6740307"/>
+          </a:xfrm>
+          <a:prstGeom prst="rect">
+            <a:avLst/>
+          </a:prstGeom>
+          <a:noFill/>
+        </p:spPr>
+        <p:txBody>
+          <a:bodyPr wrap="square" rtlCol="0">
+            <a:spAutoFit/>
+          </a:bodyPr>
+          <a:lstStyle/>
+          <a:p>
+            <a:pPr algn="just"/>
+            <a:r>
+              <a:rPr lang="en-GB" sz="3600" noProof="0" dirty="0"/>
+              <a:t>The graph below shows the player's nationality demographics related to their rankings. The bigger the bubble, the more players belong to that demographic. As we seen, there are a lot of English players which are also very high ranked.</a:t>
+            </a:r>
+          </a:p>
+          <a:p>
+            <a:pPr algn="just"/>
+            <a:r>
+              <a:rPr lang="en-GB" sz="3600" noProof="0" dirty="0"/>
+              <a:t>Most top-ranking players come from England, suggesting that the sport might be better developed there.</a:t>
+            </a:r>
+          </a:p>
+          <a:p>
+            <a:pPr algn="just"/>
+            <a:r>
+              <a:rPr lang="en-GB" sz="3600" noProof="0" dirty="0"/>
+              <a:t>It is also seen that there is one player in the Netherlands (Michael van Gerwen) which dominated the darts for a few years and is now only on a high-ranking position. Other countries like Germany, Japan, and Australia have representation, but their players are less frequent and frequent lower ranks.</a:t>
+            </a:r>
+          </a:p>
+          <a:p>
+            <a:pPr algn="just"/>
+            <a:r>
+              <a:rPr lang="en-GB" sz="3600" noProof="0" dirty="0"/>
+              <a:t>The map on the right showcases this even more, where the UK and Germany have the highest concentration of tournaments held. Other countries in lighter green like Ireland and the Netherlands have hosted fewer tournaments. </a:t>
+            </a:r>
+          </a:p>
+        </p:txBody>
+      </p:sp>
+      <p:sp>
+        <p:nvSpPr>
+          <p:cNvPr id="40" name="TextBox 12">
+            <a:extLst>
+              <a:ext uri="{FF2B5EF4-FFF2-40B4-BE49-F238E27FC236}">
+                <a16:creationId xmlns:a16="http://schemas.microsoft.com/office/drawing/2014/main" id="{63BB22EC-8D4B-A18D-B295-4FF506706057}"/>
+              </a:ext>
+            </a:extLst>
+          </p:cNvPr>
+          <p:cNvSpPr txBox="1"/>
+          <p:nvPr/>
+        </p:nvSpPr>
+        <p:spPr>
+          <a:xfrm>
+            <a:off x="14888790" y="26908457"/>
+            <a:ext cx="14820022" cy="4524315"/>
+          </a:xfrm>
+          <a:prstGeom prst="rect">
+            <a:avLst/>
+          </a:prstGeom>
+          <a:noFill/>
+        </p:spPr>
+        <p:txBody>
+          <a:bodyPr wrap="square" rtlCol="0">
+            <a:spAutoFit/>
+          </a:bodyPr>
+          <a:lstStyle/>
+          <a:p>
+            <a:pPr algn="just"/>
+            <a:r>
+              <a:rPr lang="en-GB" sz="3600" noProof="0" dirty="0"/>
+              <a:t>The graphs below shows the player Rob Cross’ performance over the years 2017 to 2024. On the left is the number of throws and check out percentage respective of the double 1. This player is a good example of the phenomenon, where their check out percentage drops and therefore the number of throws on this double drops in a time-shifted manner too. This is because the player noticed that this double field does not work that well for them so they adjust their throws so that they didn't always end up with the previously bad double at the end of a leg anymore. On the right is the gradual average of  Rob Cross.</a:t>
+            </a:r>
+          </a:p>
+        </p:txBody>
+      </p:sp>
+      <p:sp>
+        <p:nvSpPr>
+          <p:cNvPr id="41" name="TextBox 12">
+            <a:extLst>
+              <a:ext uri="{FF2B5EF4-FFF2-40B4-BE49-F238E27FC236}">
+                <a16:creationId xmlns:a16="http://schemas.microsoft.com/office/drawing/2014/main" id="{5BE7297E-3034-BD2E-6B8F-DF1DC7731827}"/>
+              </a:ext>
+            </a:extLst>
+          </p:cNvPr>
+          <p:cNvSpPr txBox="1"/>
+          <p:nvPr/>
+        </p:nvSpPr>
+        <p:spPr>
+          <a:xfrm>
+            <a:off x="15002807" y="5016853"/>
+            <a:ext cx="9718014" cy="8956298"/>
+          </a:xfrm>
+          <a:prstGeom prst="rect">
+            <a:avLst/>
+          </a:prstGeom>
+          <a:noFill/>
+        </p:spPr>
+        <p:txBody>
+          <a:bodyPr wrap="square" rtlCol="0">
+            <a:spAutoFit/>
+          </a:bodyPr>
+          <a:lstStyle/>
+          <a:p>
+            <a:pPr algn="just"/>
+            <a:r>
+              <a:rPr lang="en-GB" sz="3600" dirty="0"/>
+              <a:t>A</a:t>
+            </a:r>
+            <a:r>
+              <a:rPr lang="en-GB" sz="3600" noProof="0" dirty="0"/>
+              <a:t> leg ends by hitting a double field, called a check out. With these come the statistics of the check out percentage. Other than in the check outs, doubles are usually not targeted. In this context, the distribution of throws and hits on the different double fields was analysed.</a:t>
+            </a:r>
+          </a:p>
+          <a:p>
+            <a:pPr algn="just"/>
+            <a:r>
+              <a:rPr lang="en-GB" sz="3600" noProof="0" dirty="0"/>
+              <a:t>The upper pie chart shows that D20, D16, D10, and D8 are consistently among the most popular double fields for both attempts and successful hits. This makes sense, since if a throw on D20 or D16 fails, the player can target the double field with the value half as big as D10 or D8 to finish the leg with a check out. This can also be seen in the lower chart, where the most player's frequently thrown double field is the D20 for 71.1% and the D16 for 20.1%.</a:t>
+            </a:r>
+          </a:p>
+        </p:txBody>
+      </p:sp>
+      <p:sp>
+        <p:nvSpPr>
+          <p:cNvPr id="42" name="TextBox 12">
+            <a:extLst>
+              <a:ext uri="{FF2B5EF4-FFF2-40B4-BE49-F238E27FC236}">
+                <a16:creationId xmlns:a16="http://schemas.microsoft.com/office/drawing/2014/main" id="{7AFA065E-FC8B-3DF3-93B2-32320716FA2A}"/>
+              </a:ext>
+            </a:extLst>
+          </p:cNvPr>
+          <p:cNvSpPr txBox="1"/>
+          <p:nvPr/>
+        </p:nvSpPr>
+        <p:spPr>
+          <a:xfrm>
+            <a:off x="322615" y="17026630"/>
+            <a:ext cx="13869651" cy="2862322"/>
+          </a:xfrm>
+          <a:prstGeom prst="rect">
+            <a:avLst/>
+          </a:prstGeom>
+          <a:noFill/>
+        </p:spPr>
+        <p:txBody>
+          <a:bodyPr wrap="square" rtlCol="0">
+            <a:spAutoFit/>
+          </a:bodyPr>
+          <a:lstStyle/>
+          <a:p>
+            <a:pPr algn="just"/>
+            <a:r>
+              <a:rPr lang="en-GB" sz="3600" noProof="0" dirty="0"/>
+              <a:t>This question was asked, assuming that over time, the sport will reach a higher maturity level. Meaning the standards for the skill of players participating in the tournaments will rise with better equipment, </a:t>
+            </a:r>
+          </a:p>
+          <a:p>
+            <a:pPr algn="just"/>
+            <a:r>
+              <a:rPr lang="en-GB" sz="3600" noProof="0" dirty="0"/>
+              <a:t>better strategies, and better coaching. In this diagram, only the averages of the tournament's winners between 2000 and 2025 were looked </a:t>
+            </a:r>
+            <a:r>
+              <a:rPr lang="en-GB" sz="3600" noProof="0"/>
+              <a:t>at.</a:t>
+            </a:r>
+            <a:endParaRPr lang="en-GB" sz="3600" noProof="0" dirty="0"/>
           </a:p>
         </p:txBody>
       </p:sp>

--- a/Poster/DSP_POSTER_TEMPLATE.pptx
+++ b/Poster/DSP_POSTER_TEMPLATE.pptx
@@ -3325,7 +3325,7 @@
         <p:spPr>
           <a:xfrm>
             <a:off x="322616" y="14988925"/>
-            <a:ext cx="13839798" cy="1938992"/>
+            <a:ext cx="13839798" cy="707886"/>
           </a:xfrm>
           <a:prstGeom prst="rect">
             <a:avLst/>
@@ -3346,149 +3346,6 @@
               </a:rPr>
               <a:t>How do the averages of tournaments vary over time?</a:t>
             </a:r>
-          </a:p>
-          <a:p>
-            <a:r>
-              <a:rPr lang="de-DE" sz="4000" dirty="0">
-                <a:solidFill>
-                  <a:srgbClr val="9B0A7D"/>
-                </a:solidFill>
-              </a:rPr>
-              <a:t>2 </a:t>
-            </a:r>
-            <a:r>
-              <a:rPr lang="de-DE" sz="4000" dirty="0" err="1">
-                <a:solidFill>
-                  <a:srgbClr val="9B0A7D"/>
-                </a:solidFill>
-              </a:rPr>
-              <a:t>first</a:t>
-            </a:r>
-            <a:r>
-              <a:rPr lang="de-DE" sz="4000" dirty="0">
-                <a:solidFill>
-                  <a:srgbClr val="9B0A7D"/>
-                </a:solidFill>
-              </a:rPr>
-              <a:t> </a:t>
-            </a:r>
-            <a:r>
-              <a:rPr lang="de-DE" sz="4000" dirty="0" err="1">
-                <a:solidFill>
-                  <a:srgbClr val="9B0A7D"/>
-                </a:solidFill>
-              </a:rPr>
-              <a:t>diagram</a:t>
-            </a:r>
-            <a:r>
-              <a:rPr lang="de-DE" sz="4000" dirty="0">
-                <a:solidFill>
-                  <a:srgbClr val="9B0A7D"/>
-                </a:solidFill>
-              </a:rPr>
-              <a:t>: </a:t>
-            </a:r>
-            <a:r>
-              <a:rPr lang="de-DE" sz="4000" dirty="0" err="1">
-                <a:solidFill>
-                  <a:srgbClr val="9B0A7D"/>
-                </a:solidFill>
-              </a:rPr>
-              <a:t>world</a:t>
-            </a:r>
-            <a:r>
-              <a:rPr lang="de-DE" sz="4000" dirty="0">
-                <a:solidFill>
-                  <a:srgbClr val="9B0A7D"/>
-                </a:solidFill>
-              </a:rPr>
-              <a:t> </a:t>
-            </a:r>
-            <a:r>
-              <a:rPr lang="de-DE" sz="4000" dirty="0" err="1">
-                <a:solidFill>
-                  <a:srgbClr val="9B0A7D"/>
-                </a:solidFill>
-              </a:rPr>
-              <a:t>championship</a:t>
-            </a:r>
-            <a:r>
-              <a:rPr lang="de-DE" sz="4000" dirty="0">
-                <a:solidFill>
-                  <a:srgbClr val="9B0A7D"/>
-                </a:solidFill>
-              </a:rPr>
-              <a:t>, </a:t>
-            </a:r>
-            <a:r>
-              <a:rPr lang="de-DE" sz="4000" dirty="0" err="1">
-                <a:solidFill>
-                  <a:srgbClr val="9B0A7D"/>
-                </a:solidFill>
-              </a:rPr>
-              <a:t>players</a:t>
-            </a:r>
-            <a:r>
-              <a:rPr lang="de-DE" sz="4000" dirty="0">
-                <a:solidFill>
-                  <a:srgbClr val="9B0A7D"/>
-                </a:solidFill>
-              </a:rPr>
-              <a:t> </a:t>
-            </a:r>
-            <a:r>
-              <a:rPr lang="de-DE" sz="4000" dirty="0" err="1">
-                <a:solidFill>
-                  <a:srgbClr val="9B0A7D"/>
-                </a:solidFill>
-              </a:rPr>
-              <a:t>championship</a:t>
-            </a:r>
-            <a:r>
-              <a:rPr lang="de-DE" sz="4000" dirty="0">
-                <a:solidFill>
-                  <a:srgbClr val="9B0A7D"/>
-                </a:solidFill>
-              </a:rPr>
-              <a:t>, </a:t>
-            </a:r>
-            <a:r>
-              <a:rPr lang="de-DE" sz="4000" dirty="0" err="1">
-                <a:solidFill>
-                  <a:srgbClr val="9B0A7D"/>
-                </a:solidFill>
-              </a:rPr>
-              <a:t>regression</a:t>
-            </a:r>
-            <a:r>
-              <a:rPr lang="de-DE" sz="4000" dirty="0">
-                <a:solidFill>
-                  <a:srgbClr val="9B0A7D"/>
-                </a:solidFill>
-              </a:rPr>
-              <a:t>, </a:t>
-            </a:r>
-            <a:r>
-              <a:rPr lang="de-DE" sz="4000" dirty="0" err="1">
-                <a:solidFill>
-                  <a:srgbClr val="9B0A7D"/>
-                </a:solidFill>
-              </a:rPr>
-              <a:t>avg</a:t>
-            </a:r>
-            <a:r>
-              <a:rPr lang="de-DE" sz="4000" dirty="0">
-                <a:solidFill>
-                  <a:srgbClr val="9B0A7D"/>
-                </a:solidFill>
-              </a:rPr>
-              <a:t>.</a:t>
-            </a:r>
-            <a:endParaRPr lang="en-US" sz="4000" dirty="0">
-              <a:solidFill>
-                <a:srgbClr val="9B0A7D"/>
-              </a:solidFill>
-            </a:endParaRPr>
           </a:p>
         </p:txBody>
       </p:sp>
@@ -4412,7 +4269,7 @@
         </p:nvSpPr>
         <p:spPr>
           <a:xfrm>
-            <a:off x="322615" y="17026630"/>
+            <a:off x="322615" y="15693327"/>
             <a:ext cx="13869651" cy="2862322"/>
           </a:xfrm>
           <a:prstGeom prst="rect">
@@ -4446,6 +4303,41 @@
           </a:p>
         </p:txBody>
       </p:sp>
+      <p:pic>
+        <p:nvPicPr>
+          <p:cNvPr id="9" name="Grafik 8">
+            <a:extLst>
+              <a:ext uri="{FF2B5EF4-FFF2-40B4-BE49-F238E27FC236}">
+                <a16:creationId xmlns:a16="http://schemas.microsoft.com/office/drawing/2014/main" id="{A00E59CC-AEC8-DC98-4F7C-2745EBFB8C93}"/>
+              </a:ext>
+            </a:extLst>
+          </p:cNvPr>
+          <p:cNvPicPr>
+            <a:picLocks noChangeAspect="1"/>
+          </p:cNvPicPr>
+          <p:nvPr/>
+        </p:nvPicPr>
+        <p:blipFill>
+          <a:blip r:embed="rId11">
+            <a:extLst>
+              <a:ext uri="{28A0092B-C50C-407E-A947-70E740481C1C}">
+                <a14:useLocalDpi xmlns:a14="http://schemas.microsoft.com/office/drawing/2010/main" val="0"/>
+              </a:ext>
+            </a:extLst>
+          </a:blip>
+          <a:srcRect t="10394"/>
+          <a:stretch/>
+        </p:blipFill>
+        <p:spPr>
+          <a:xfrm>
+            <a:off x="322615" y="21738306"/>
+            <a:ext cx="10250330" cy="4720467"/>
+          </a:xfrm>
+          <a:prstGeom prst="rect">
+            <a:avLst/>
+          </a:prstGeom>
+        </p:spPr>
+      </p:pic>
     </p:spTree>
     <p:extLst>
       <p:ext uri="{BB962C8B-B14F-4D97-AF65-F5344CB8AC3E}">

--- a/Poster/DSP_POSTER_TEMPLATE.pptx
+++ b/Poster/DSP_POSTER_TEMPLATE.pptx
@@ -4203,7 +4203,7 @@
             <a:pPr algn="just"/>
             <a:r>
               <a:rPr lang="en-GB" sz="3600" noProof="0" dirty="0"/>
-              <a:t>The graphs below shows the player Rob Cross’ performance over the years 2017 to 2024. On the left is the number of throws and check out percentage respective of the double 1. This player is a good example of the phenomenon, where their check out percentage drops and therefore the number of throws on this double drops in a time-shifted manner too. This is because the player noticed that this double field does not work that well for them so they adjust their throws so that they didn't always end up with the previously bad double at the end of a leg anymore. On the right is the gradual average of  Rob Cross.</a:t>
+              <a:t>The graphs below shows the player Rob Cross’ performance over the years 2017 to 2024. On the left is the number of throws and check out percentage respective of the double 1. This player is a good example of the phenomenon, where their check out percentage drops and therefore the number of throws on this double drops in a time-shifted manner too. This is because the player noticed that this double field does not work that well for them, so they adjust their throws so that they didn't always end up with the previously bad double at the end of a leg anymore. On the right is the gradual average of  Rob Cross.</a:t>
             </a:r>
           </a:p>
         </p:txBody>
@@ -4270,7 +4270,7 @@
         <p:spPr>
           <a:xfrm>
             <a:off x="322615" y="15693327"/>
-            <a:ext cx="13869651" cy="2862322"/>
+            <a:ext cx="13869651" cy="6186309"/>
           </a:xfrm>
           <a:prstGeom prst="rect">
             <a:avLst/>
@@ -4293,13 +4293,16 @@
             <a:pPr algn="just"/>
             <a:r>
               <a:rPr lang="en-GB" sz="3600" noProof="0" dirty="0"/>
-              <a:t>better strategies, and better coaching. In this diagram, only the averages of the tournament's winners between 2000 and 2025 were looked </a:t>
-            </a:r>
-            <a:r>
-              <a:rPr lang="en-GB" sz="3600" noProof="0"/>
-              <a:t>at.</a:t>
-            </a:r>
-            <a:endParaRPr lang="en-GB" sz="3600" noProof="0" dirty="0"/>
+              <a:t>better strategies, and better coaching. In this diagram, only the averages of the tournament's winners between 2000 and 2025 were looked at.</a:t>
+            </a:r>
+            <a:endParaRPr lang="en-GB" sz="3600" dirty="0"/>
+          </a:p>
+          <a:p>
+            <a:pPr algn="just"/>
+            <a:r>
+              <a:rPr lang="en-GB" sz="3600" noProof="0" dirty="0"/>
+              <a:t>The World Championship scores demonstrate greater volatility, with notable peaks around 2010 and 2017-2018 where scores exceeded 106. All lines generally show an upward trend over time, which could be seen because of the increasing regression line. The average scores generally range between 94 and 105. This validates the assumption the research came into existence with.</a:t>
+            </a:r>
           </a:p>
         </p:txBody>
       </p:sp>
@@ -4330,8 +4333,8 @@
         </p:blipFill>
         <p:spPr>
           <a:xfrm>
-            <a:off x="322615" y="21738306"/>
-            <a:ext cx="10250330" cy="4720467"/>
+            <a:off x="3873075" y="21978349"/>
+            <a:ext cx="10319191" cy="4752179"/>
           </a:xfrm>
           <a:prstGeom prst="rect">
             <a:avLst/>

--- a/Poster/DSP_POSTER_TEMPLATE.pptx
+++ b/Poster/DSP_POSTER_TEMPLATE.pptx
@@ -3995,42 +3995,6 @@
           </a:prstGeom>
         </p:spPr>
       </p:pic>
-      <p:pic>
-        <p:nvPicPr>
-          <p:cNvPr id="34" name="Grafik 33">
-            <a:extLst>
-              <a:ext uri="{FF2B5EF4-FFF2-40B4-BE49-F238E27FC236}">
-                <a16:creationId xmlns:a16="http://schemas.microsoft.com/office/drawing/2014/main" id="{12302E72-19DC-431A-C21E-68E51AA35168}"/>
-              </a:ext>
-            </a:extLst>
-          </p:cNvPr>
-          <p:cNvPicPr>
-            <a:picLocks noChangeAspect="1"/>
-          </p:cNvPicPr>
-          <p:nvPr/>
-        </p:nvPicPr>
-        <p:blipFill>
-          <a:blip r:embed="rId10">
-            <a:extLst>
-              <a:ext uri="{28A0092B-C50C-407E-A947-70E740481C1C}">
-                <a14:useLocalDpi xmlns:a14="http://schemas.microsoft.com/office/drawing/2010/main" val="0"/>
-              </a:ext>
-            </a:extLst>
-          </a:blip>
-          <a:stretch>
-            <a:fillRect/>
-          </a:stretch>
-        </p:blipFill>
-        <p:spPr>
-          <a:xfrm>
-            <a:off x="23252940" y="21641521"/>
-            <a:ext cx="6263033" cy="4452035"/>
-          </a:xfrm>
-          <a:prstGeom prst="rect">
-            <a:avLst/>
-          </a:prstGeom>
-        </p:spPr>
-      </p:pic>
       <p:sp>
         <p:nvSpPr>
           <p:cNvPr id="37" name="TextBox 12">
@@ -4130,7 +4094,7 @@
         <p:spPr>
           <a:xfrm>
             <a:off x="15002814" y="14642614"/>
-            <a:ext cx="14820022" cy="6740307"/>
+            <a:ext cx="14820022" cy="4524315"/>
           </a:xfrm>
           <a:prstGeom prst="rect">
             <a:avLst/>
@@ -4146,28 +4110,22 @@
             <a:pPr algn="just"/>
             <a:r>
               <a:rPr lang="en-GB" sz="3600" noProof="0" dirty="0"/>
-              <a:t>The graph below shows the player's nationality demographics related to their rankings. The bigger the bubble, the more players belong to that demographic. As we seen, there are a lot of English players which are also very high ranked.</a:t>
+              <a:t>The graph below shows the player's nationality demographics related to their rankings. The bigger the bubble, the more players belong to that demographic. As we seen, there are a lot of English players which are also very high ranked, suggesting that the sport might be better developed there.</a:t>
             </a:r>
           </a:p>
           <a:p>
             <a:pPr algn="just"/>
             <a:r>
               <a:rPr lang="en-GB" sz="3600" noProof="0" dirty="0"/>
-              <a:t>Most top-ranking players come from England, suggesting that the sport might be better developed there.</a:t>
-            </a:r>
-          </a:p>
-          <a:p>
-            <a:pPr algn="just"/>
+              <a:t>It is also seen that there is one player in the Netherlands (Michael van Gerwen) which dominated the darts for a few years and is now </a:t>
+            </a:r>
+            <a:r>
+              <a:rPr lang="en-GB" sz="3600" dirty="0"/>
+              <a:t>also</a:t>
+            </a:r>
             <a:r>
               <a:rPr lang="en-GB" sz="3600" noProof="0" dirty="0"/>
-              <a:t>It is also seen that there is one player in the Netherlands (Michael van Gerwen) which dominated the darts for a few years and is now only on a high-ranking position. Other countries like Germany, Japan, and Australia have representation, but their players are less frequent and frequent lower ranks.</a:t>
-            </a:r>
-          </a:p>
-          <a:p>
-            <a:pPr algn="just"/>
-            <a:r>
-              <a:rPr lang="en-GB" sz="3600" noProof="0" dirty="0"/>
-              <a:t>The map on the right showcases this even more, where the UK and Germany have the highest concentration of tournaments held. Other countries in lighter green like Ireland and the Netherlands have hosted fewer tournaments. </a:t>
+              <a:t> on a high-ranking position. Other countries like Germany, Japan, and Australia have representation, but their players are less frequent and frequent lower ranks.</a:t>
             </a:r>
           </a:p>
         </p:txBody>
@@ -4203,7 +4161,15 @@
             <a:pPr algn="just"/>
             <a:r>
               <a:rPr lang="en-GB" sz="3600" noProof="0" dirty="0"/>
-              <a:t>The graphs below shows the player Rob Cross’ performance over the years 2017 to 2024. On the left is the number of throws and check out percentage respective of the double 1. This player is a good example of the phenomenon, where their check out percentage drops and therefore the number of throws on this double drops in a time-shifted manner too. This is because the player noticed that this double field does not work that well for them, so they adjust their throws so that they didn't always end up with the previously bad double at the end of a leg anymore. On the right is the gradual average of  Rob Cross.</a:t>
+              <a:t>The graphs below shows the player Rob Cross’ performance </a:t>
+            </a:r>
+            <a:r>
+              <a:rPr lang="en-GB" sz="3600" dirty="0"/>
+              <a:t>from</a:t>
+            </a:r>
+            <a:r>
+              <a:rPr lang="en-GB" sz="3600" noProof="0" dirty="0"/>
+              <a:t> 2017 to 2024. On the left is the number of throws and check out percentage respective of the double 1. This player is a good example of the phenomenon, where their check out percentage drops and therefore the number of throws on this double drops in a time-shifted manner, too. This is because the player noticed that this double field does not work that well for them, so they adjust their throws so that they didn't always end up with the previously bad double at the end of a leg anymore. On the right is the gradual average of  Rob Cross.</a:t>
             </a:r>
           </a:p>
         </p:txBody>
@@ -4223,7 +4189,7 @@
         <p:spPr>
           <a:xfrm>
             <a:off x="15002807" y="5016853"/>
-            <a:ext cx="9718014" cy="8956298"/>
+            <a:ext cx="9718014" cy="7848302"/>
           </a:xfrm>
           <a:prstGeom prst="rect">
             <a:avLst/>
@@ -4243,14 +4209,14 @@
             </a:r>
             <a:r>
               <a:rPr lang="en-GB" sz="3600" noProof="0" dirty="0"/>
-              <a:t> leg ends by hitting a double field, called a check out. With these come the statistics of the check out percentage. Other than in the check outs, doubles are usually not targeted. In this context, the distribution of throws and hits on the different double fields was analysed.</a:t>
+              <a:t> leg ends by hitting a double field, called a check out. With these come the statistics of the check out percentage. Other than in the check outs, doubles are usually not targeted. In this context, the distribution of throws on the different double fields was analysed.</a:t>
             </a:r>
           </a:p>
           <a:p>
             <a:pPr algn="just"/>
             <a:r>
               <a:rPr lang="en-GB" sz="3600" noProof="0" dirty="0"/>
-              <a:t>The upper pie chart shows that D20, D16, D10, and D8 are consistently among the most popular double fields for both attempts and successful hits. This makes sense, since if a throw on D20 or D16 fails, the player can target the double field with the value half as big as D10 or D8 to finish the leg with a check out. This can also be seen in the lower chart, where the most player's frequently thrown double field is the D20 for 71.1% and the D16 for 20.1%.</a:t>
+              <a:t>The upper pie chart shows that D20, D16, D10, and D8 are the most popular double fields. This makes sense, since if a throw on D20 or D16 fails, the player can target the double field with the value half as big as D10 or D8 to finish the leg with a check out. This can also be seen in the lower chart, where the most player's frequently thrown double field is the D20 for 71.1% and the D16 for 20.1%.</a:t>
             </a:r>
           </a:p>
         </p:txBody>
@@ -4286,22 +4252,31 @@
             <a:pPr algn="just"/>
             <a:r>
               <a:rPr lang="en-GB" sz="3600" noProof="0" dirty="0"/>
-              <a:t>This question was asked, assuming that over time, the sport will reach a higher maturity level. Meaning the standards for the skill of players participating in the tournaments will rise with better equipment, </a:t>
-            </a:r>
+              <a:t>This question was asked, assuming that over time, the sport </a:t>
+            </a:r>
+            <a:r>
+              <a:rPr lang="en-GB" sz="3600" dirty="0"/>
+              <a:t>have</a:t>
+            </a:r>
+            <a:r>
+              <a:rPr lang="en-GB" sz="3600" noProof="0" dirty="0"/>
+              <a:t> reached a higher maturity level. Meaning the standards for the skill of players participating in the tournaments will rise with better strategies and better coaching. In this diagram, only the averages of the tournament's winners between 2000 and 2025 were looked at.</a:t>
+            </a:r>
+            <a:endParaRPr lang="en-GB" sz="3600" dirty="0"/>
           </a:p>
           <a:p>
             <a:pPr algn="just"/>
             <a:r>
               <a:rPr lang="en-GB" sz="3600" noProof="0" dirty="0"/>
-              <a:t>better strategies, and better coaching. In this diagram, only the averages of the tournament's winners between 2000 and 2025 were looked at.</a:t>
-            </a:r>
-            <a:endParaRPr lang="en-GB" sz="3600" dirty="0"/>
-          </a:p>
-          <a:p>
-            <a:pPr algn="just"/>
+              <a:t>The World Championship scores demonstrate greater volatility, with notable peaks around 2010 and 2017-2018 where </a:t>
+            </a:r>
+            <a:r>
+              <a:rPr lang="en-GB" sz="3600" dirty="0"/>
+              <a:t>an average of 106</a:t>
+            </a:r>
             <a:r>
               <a:rPr lang="en-GB" sz="3600" noProof="0" dirty="0"/>
-              <a:t>The World Championship scores demonstrate greater volatility, with notable peaks around 2010 and 2017-2018 where scores exceeded 106. All lines generally show an upward trend over time, which could be seen because of the increasing regression line. The average scores generally range between 94 and 105. This validates the assumption the research came into existence with.</a:t>
+              <a:t> exceeded. All lines generally show an upward trend over time, which could also be seen because of the increasing regression line. The average scores generally range between 94 and 105. This validates the assumption the research came into existence with.</a:t>
             </a:r>
           </a:p>
         </p:txBody>
@@ -4321,7 +4296,7 @@
           <p:nvPr/>
         </p:nvPicPr>
         <p:blipFill>
-          <a:blip r:embed="rId11">
+          <a:blip r:embed="rId10">
             <a:extLst>
               <a:ext uri="{28A0092B-C50C-407E-A947-70E740481C1C}">
                 <a14:useLocalDpi xmlns:a14="http://schemas.microsoft.com/office/drawing/2010/main" val="0"/>

--- a/Poster/DSP_POSTER_TEMPLATE.pptx
+++ b/Poster/DSP_POSTER_TEMPLATE.pptx
@@ -4145,7 +4145,7 @@
         <p:spPr>
           <a:xfrm>
             <a:off x="14888790" y="26908457"/>
-            <a:ext cx="14820022" cy="4524315"/>
+            <a:ext cx="14820022" cy="5632311"/>
           </a:xfrm>
           <a:prstGeom prst="rect">
             <a:avLst/>
@@ -4169,8 +4169,13 @@
             </a:r>
             <a:r>
               <a:rPr lang="en-GB" sz="3600" noProof="0" dirty="0"/>
-              <a:t> 2017 to 2024. On the left is the number of throws and check out percentage respective of the double 1. This player is a good example of the phenomenon, where their check out percentage drops and therefore the number of throws on this double drops in a time-shifted manner, too. This is because the player noticed that this double field does not work that well for them, so they adjust their throws so that they didn't always end up with the previously bad double at the end of a leg anymore. On the right is the gradual average of  Rob Cross.</a:t>
-            </a:r>
+              <a:t> 2017 to 2024. On the left is the number of throws and check out percentage respective of the double 1. This player is a good example of the phenomenon, where their check out percentage drops and therefore the number of throws on this double drops in a time-shifted manner, too. This is because the player noticed that this double field does not work that well for them, so they adjust their throws so that they didn't always end up with the previously bad double at the end of a leg anymore. On the right is the gradual average of  Rob Cross. The average collapse in 2020 can be explained by problems due to the </a:t>
+            </a:r>
+            <a:r>
+              <a:rPr lang="en-GB" sz="3600" noProof="0"/>
+              <a:t>Corona pandemic.</a:t>
+            </a:r>
+            <a:endParaRPr lang="en-GB" sz="3600" noProof="0" dirty="0"/>
           </a:p>
         </p:txBody>
       </p:sp>

--- a/Poster/DSP_POSTER_TEMPLATE.pptx
+++ b/Poster/DSP_POSTER_TEMPLATE.pptx
@@ -4,6 +4,9 @@
   <p:sldMasterIdLst>
     <p:sldMasterId id="2147483660" r:id="rId1"/>
   </p:sldMasterIdLst>
+  <p:notesMasterIdLst>
+    <p:notesMasterId r:id="rId3"/>
+  </p:notesMasterIdLst>
   <p:sldIdLst>
     <p:sldId id="257" r:id="rId2"/>
   </p:sldIdLst>
@@ -110,6 +113,440 @@
     </p:ext>
   </p:extLst>
 </p:presentation>
+</file>
+
+<file path=ppt/notesMasters/notesMaster1.xml><?xml version="1.0" encoding="utf-8"?>
+<p:notesMaster xmlns:a="http://schemas.openxmlformats.org/drawingml/2006/main" xmlns:r="http://schemas.openxmlformats.org/officeDocument/2006/relationships" xmlns:p="http://schemas.openxmlformats.org/presentationml/2006/main">
+  <p:cSld>
+    <p:bg>
+      <p:bgRef idx="1001">
+        <a:schemeClr val="bg1"/>
+      </p:bgRef>
+    </p:bg>
+    <p:spTree>
+      <p:nvGrpSpPr>
+        <p:cNvPr id="1" name=""/>
+        <p:cNvGrpSpPr/>
+        <p:nvPr/>
+      </p:nvGrpSpPr>
+      <p:grpSpPr>
+        <a:xfrm>
+          <a:off x="0" y="0"/>
+          <a:ext cx="0" cy="0"/>
+          <a:chOff x="0" y="0"/>
+          <a:chExt cx="0" cy="0"/>
+        </a:xfrm>
+      </p:grpSpPr>
+      <p:sp>
+        <p:nvSpPr>
+          <p:cNvPr id="2" name="Kopfzeilenplatzhalter 1"/>
+          <p:cNvSpPr>
+            <a:spLocks noGrp="1"/>
+          </p:cNvSpPr>
+          <p:nvPr>
+            <p:ph type="hdr" sz="quarter"/>
+          </p:nvPr>
+        </p:nvSpPr>
+        <p:spPr>
+          <a:xfrm>
+            <a:off x="0" y="0"/>
+            <a:ext cx="2971800" cy="458788"/>
+          </a:xfrm>
+          <a:prstGeom prst="rect">
+            <a:avLst/>
+          </a:prstGeom>
+        </p:spPr>
+        <p:txBody>
+          <a:bodyPr vert="horz" lIns="91440" tIns="45720" rIns="91440" bIns="45720" rtlCol="0"/>
+          <a:lstStyle>
+            <a:lvl1pPr algn="l">
+              <a:defRPr sz="1200"/>
+            </a:lvl1pPr>
+          </a:lstStyle>
+          <a:p>
+            <a:endParaRPr lang="LID4096"/>
+          </a:p>
+        </p:txBody>
+      </p:sp>
+      <p:sp>
+        <p:nvSpPr>
+          <p:cNvPr id="3" name="Datumsplatzhalter 2"/>
+          <p:cNvSpPr>
+            <a:spLocks noGrp="1"/>
+          </p:cNvSpPr>
+          <p:nvPr>
+            <p:ph type="dt" idx="1"/>
+          </p:nvPr>
+        </p:nvSpPr>
+        <p:spPr>
+          <a:xfrm>
+            <a:off x="3884613" y="0"/>
+            <a:ext cx="2971800" cy="458788"/>
+          </a:xfrm>
+          <a:prstGeom prst="rect">
+            <a:avLst/>
+          </a:prstGeom>
+        </p:spPr>
+        <p:txBody>
+          <a:bodyPr vert="horz" lIns="91440" tIns="45720" rIns="91440" bIns="45720" rtlCol="0"/>
+          <a:lstStyle>
+            <a:lvl1pPr algn="r">
+              <a:defRPr sz="1200"/>
+            </a:lvl1pPr>
+          </a:lstStyle>
+          <a:p>
+            <a:fld id="{4892045E-7EFE-4DAB-BDF8-4B2476C952E6}" type="datetimeFigureOut">
+              <a:rPr lang="LID4096" smtClean="0"/>
+              <a:t>03/25/2025</a:t>
+            </a:fld>
+            <a:endParaRPr lang="LID4096"/>
+          </a:p>
+        </p:txBody>
+      </p:sp>
+      <p:sp>
+        <p:nvSpPr>
+          <p:cNvPr id="4" name="Folienbildplatzhalter 3"/>
+          <p:cNvSpPr>
+            <a:spLocks noGrp="1" noRot="1" noChangeAspect="1"/>
+          </p:cNvSpPr>
+          <p:nvPr>
+            <p:ph type="sldImg" idx="2"/>
+          </p:nvPr>
+        </p:nvSpPr>
+        <p:spPr>
+          <a:xfrm>
+            <a:off x="2338388" y="1143000"/>
+            <a:ext cx="2181225" cy="3086100"/>
+          </a:xfrm>
+          <a:prstGeom prst="rect">
+            <a:avLst/>
+          </a:prstGeom>
+          <a:noFill/>
+          <a:ln w="12700">
+            <a:solidFill>
+              <a:prstClr val="black"/>
+            </a:solidFill>
+          </a:ln>
+        </p:spPr>
+        <p:txBody>
+          <a:bodyPr vert="horz" lIns="91440" tIns="45720" rIns="91440" bIns="45720" rtlCol="0" anchor="ctr"/>
+          <a:lstStyle/>
+          <a:p>
+            <a:endParaRPr lang="LID4096"/>
+          </a:p>
+        </p:txBody>
+      </p:sp>
+      <p:sp>
+        <p:nvSpPr>
+          <p:cNvPr id="5" name="Notizenplatzhalter 4"/>
+          <p:cNvSpPr>
+            <a:spLocks noGrp="1"/>
+          </p:cNvSpPr>
+          <p:nvPr>
+            <p:ph type="body" sz="quarter" idx="3"/>
+          </p:nvPr>
+        </p:nvSpPr>
+        <p:spPr>
+          <a:xfrm>
+            <a:off x="685800" y="4400550"/>
+            <a:ext cx="5486400" cy="3600450"/>
+          </a:xfrm>
+          <a:prstGeom prst="rect">
+            <a:avLst/>
+          </a:prstGeom>
+        </p:spPr>
+        <p:txBody>
+          <a:bodyPr vert="horz" lIns="91440" tIns="45720" rIns="91440" bIns="45720" rtlCol="0"/>
+          <a:lstStyle/>
+          <a:p>
+            <a:pPr lvl="0"/>
+            <a:r>
+              <a:rPr lang="de-DE"/>
+              <a:t>Mastertextformat bearbeiten</a:t>
+            </a:r>
+          </a:p>
+          <a:p>
+            <a:pPr lvl="1"/>
+            <a:r>
+              <a:rPr lang="de-DE"/>
+              <a:t>Zweite Ebene</a:t>
+            </a:r>
+          </a:p>
+          <a:p>
+            <a:pPr lvl="2"/>
+            <a:r>
+              <a:rPr lang="de-DE"/>
+              <a:t>Dritte Ebene</a:t>
+            </a:r>
+          </a:p>
+          <a:p>
+            <a:pPr lvl="3"/>
+            <a:r>
+              <a:rPr lang="de-DE"/>
+              <a:t>Vierte Ebene</a:t>
+            </a:r>
+          </a:p>
+          <a:p>
+            <a:pPr lvl="4"/>
+            <a:r>
+              <a:rPr lang="de-DE"/>
+              <a:t>Fünfte Ebene</a:t>
+            </a:r>
+            <a:endParaRPr lang="LID4096"/>
+          </a:p>
+        </p:txBody>
+      </p:sp>
+      <p:sp>
+        <p:nvSpPr>
+          <p:cNvPr id="6" name="Fußzeilenplatzhalter 5"/>
+          <p:cNvSpPr>
+            <a:spLocks noGrp="1"/>
+          </p:cNvSpPr>
+          <p:nvPr>
+            <p:ph type="ftr" sz="quarter" idx="4"/>
+          </p:nvPr>
+        </p:nvSpPr>
+        <p:spPr>
+          <a:xfrm>
+            <a:off x="0" y="8685213"/>
+            <a:ext cx="2971800" cy="458787"/>
+          </a:xfrm>
+          <a:prstGeom prst="rect">
+            <a:avLst/>
+          </a:prstGeom>
+        </p:spPr>
+        <p:txBody>
+          <a:bodyPr vert="horz" lIns="91440" tIns="45720" rIns="91440" bIns="45720" rtlCol="0" anchor="b"/>
+          <a:lstStyle>
+            <a:lvl1pPr algn="l">
+              <a:defRPr sz="1200"/>
+            </a:lvl1pPr>
+          </a:lstStyle>
+          <a:p>
+            <a:endParaRPr lang="LID4096"/>
+          </a:p>
+        </p:txBody>
+      </p:sp>
+      <p:sp>
+        <p:nvSpPr>
+          <p:cNvPr id="7" name="Foliennummernplatzhalter 6"/>
+          <p:cNvSpPr>
+            <a:spLocks noGrp="1"/>
+          </p:cNvSpPr>
+          <p:nvPr>
+            <p:ph type="sldNum" sz="quarter" idx="5"/>
+          </p:nvPr>
+        </p:nvSpPr>
+        <p:spPr>
+          <a:xfrm>
+            <a:off x="3884613" y="8685213"/>
+            <a:ext cx="2971800" cy="458787"/>
+          </a:xfrm>
+          <a:prstGeom prst="rect">
+            <a:avLst/>
+          </a:prstGeom>
+        </p:spPr>
+        <p:txBody>
+          <a:bodyPr vert="horz" lIns="91440" tIns="45720" rIns="91440" bIns="45720" rtlCol="0" anchor="b"/>
+          <a:lstStyle>
+            <a:lvl1pPr algn="r">
+              <a:defRPr sz="1200"/>
+            </a:lvl1pPr>
+          </a:lstStyle>
+          <a:p>
+            <a:fld id="{273A6EB8-9E45-4C99-8FE5-0C82B101C847}" type="slidenum">
+              <a:rPr lang="LID4096" smtClean="0"/>
+              <a:t>‹Nr.›</a:t>
+            </a:fld>
+            <a:endParaRPr lang="LID4096"/>
+          </a:p>
+        </p:txBody>
+      </p:sp>
+    </p:spTree>
+    <p:extLst>
+      <p:ext uri="{BB962C8B-B14F-4D97-AF65-F5344CB8AC3E}">
+        <p14:creationId xmlns:p14="http://schemas.microsoft.com/office/powerpoint/2010/main" val="54919481"/>
+      </p:ext>
+    </p:extLst>
+  </p:cSld>
+  <p:clrMap bg1="lt1" tx1="dk1" bg2="lt2" tx2="dk2" accent1="accent1" accent2="accent2" accent3="accent3" accent4="accent4" accent5="accent5" accent6="accent6" hlink="hlink" folHlink="folHlink"/>
+  <p:notesStyle>
+    <a:lvl1pPr marL="0" algn="l" defTabSz="914400" rtl="0" eaLnBrk="1" latinLnBrk="0" hangingPunct="1">
+      <a:defRPr sz="1200" kern="1200">
+        <a:solidFill>
+          <a:schemeClr val="tx1"/>
+        </a:solidFill>
+        <a:latin typeface="+mn-lt"/>
+        <a:ea typeface="+mn-ea"/>
+        <a:cs typeface="+mn-cs"/>
+      </a:defRPr>
+    </a:lvl1pPr>
+    <a:lvl2pPr marL="457200" algn="l" defTabSz="914400" rtl="0" eaLnBrk="1" latinLnBrk="0" hangingPunct="1">
+      <a:defRPr sz="1200" kern="1200">
+        <a:solidFill>
+          <a:schemeClr val="tx1"/>
+        </a:solidFill>
+        <a:latin typeface="+mn-lt"/>
+        <a:ea typeface="+mn-ea"/>
+        <a:cs typeface="+mn-cs"/>
+      </a:defRPr>
+    </a:lvl2pPr>
+    <a:lvl3pPr marL="914400" algn="l" defTabSz="914400" rtl="0" eaLnBrk="1" latinLnBrk="0" hangingPunct="1">
+      <a:defRPr sz="1200" kern="1200">
+        <a:solidFill>
+          <a:schemeClr val="tx1"/>
+        </a:solidFill>
+        <a:latin typeface="+mn-lt"/>
+        <a:ea typeface="+mn-ea"/>
+        <a:cs typeface="+mn-cs"/>
+      </a:defRPr>
+    </a:lvl3pPr>
+    <a:lvl4pPr marL="1371600" algn="l" defTabSz="914400" rtl="0" eaLnBrk="1" latinLnBrk="0" hangingPunct="1">
+      <a:defRPr sz="1200" kern="1200">
+        <a:solidFill>
+          <a:schemeClr val="tx1"/>
+        </a:solidFill>
+        <a:latin typeface="+mn-lt"/>
+        <a:ea typeface="+mn-ea"/>
+        <a:cs typeface="+mn-cs"/>
+      </a:defRPr>
+    </a:lvl4pPr>
+    <a:lvl5pPr marL="1828800" algn="l" defTabSz="914400" rtl="0" eaLnBrk="1" latinLnBrk="0" hangingPunct="1">
+      <a:defRPr sz="1200" kern="1200">
+        <a:solidFill>
+          <a:schemeClr val="tx1"/>
+        </a:solidFill>
+        <a:latin typeface="+mn-lt"/>
+        <a:ea typeface="+mn-ea"/>
+        <a:cs typeface="+mn-cs"/>
+      </a:defRPr>
+    </a:lvl5pPr>
+    <a:lvl6pPr marL="2286000" algn="l" defTabSz="914400" rtl="0" eaLnBrk="1" latinLnBrk="0" hangingPunct="1">
+      <a:defRPr sz="1200" kern="1200">
+        <a:solidFill>
+          <a:schemeClr val="tx1"/>
+        </a:solidFill>
+        <a:latin typeface="+mn-lt"/>
+        <a:ea typeface="+mn-ea"/>
+        <a:cs typeface="+mn-cs"/>
+      </a:defRPr>
+    </a:lvl6pPr>
+    <a:lvl7pPr marL="2743200" algn="l" defTabSz="914400" rtl="0" eaLnBrk="1" latinLnBrk="0" hangingPunct="1">
+      <a:defRPr sz="1200" kern="1200">
+        <a:solidFill>
+          <a:schemeClr val="tx1"/>
+        </a:solidFill>
+        <a:latin typeface="+mn-lt"/>
+        <a:ea typeface="+mn-ea"/>
+        <a:cs typeface="+mn-cs"/>
+      </a:defRPr>
+    </a:lvl7pPr>
+    <a:lvl8pPr marL="3200400" algn="l" defTabSz="914400" rtl="0" eaLnBrk="1" latinLnBrk="0" hangingPunct="1">
+      <a:defRPr sz="1200" kern="1200">
+        <a:solidFill>
+          <a:schemeClr val="tx1"/>
+        </a:solidFill>
+        <a:latin typeface="+mn-lt"/>
+        <a:ea typeface="+mn-ea"/>
+        <a:cs typeface="+mn-cs"/>
+      </a:defRPr>
+    </a:lvl8pPr>
+    <a:lvl9pPr marL="3657600" algn="l" defTabSz="914400" rtl="0" eaLnBrk="1" latinLnBrk="0" hangingPunct="1">
+      <a:defRPr sz="1200" kern="1200">
+        <a:solidFill>
+          <a:schemeClr val="tx1"/>
+        </a:solidFill>
+        <a:latin typeface="+mn-lt"/>
+        <a:ea typeface="+mn-ea"/>
+        <a:cs typeface="+mn-cs"/>
+      </a:defRPr>
+    </a:lvl9pPr>
+  </p:notesStyle>
+</p:notesMaster>
+</file>
+
+<file path=ppt/notesSlides/notesSlide1.xml><?xml version="1.0" encoding="utf-8"?>
+<p:notes xmlns:a="http://schemas.openxmlformats.org/drawingml/2006/main" xmlns:r="http://schemas.openxmlformats.org/officeDocument/2006/relationships" xmlns:p="http://schemas.openxmlformats.org/presentationml/2006/main">
+  <p:cSld>
+    <p:spTree>
+      <p:nvGrpSpPr>
+        <p:cNvPr id="1" name=""/>
+        <p:cNvGrpSpPr/>
+        <p:nvPr/>
+      </p:nvGrpSpPr>
+      <p:grpSpPr>
+        <a:xfrm>
+          <a:off x="0" y="0"/>
+          <a:ext cx="0" cy="0"/>
+          <a:chOff x="0" y="0"/>
+          <a:chExt cx="0" cy="0"/>
+        </a:xfrm>
+      </p:grpSpPr>
+      <p:sp>
+        <p:nvSpPr>
+          <p:cNvPr id="2" name="Folienbildplatzhalter 1"/>
+          <p:cNvSpPr>
+            <a:spLocks noGrp="1" noRot="1" noChangeAspect="1"/>
+          </p:cNvSpPr>
+          <p:nvPr>
+            <p:ph type="sldImg"/>
+          </p:nvPr>
+        </p:nvSpPr>
+        <p:spPr/>
+      </p:sp>
+      <p:sp>
+        <p:nvSpPr>
+          <p:cNvPr id="3" name="Notizenplatzhalter 2"/>
+          <p:cNvSpPr>
+            <a:spLocks noGrp="1"/>
+          </p:cNvSpPr>
+          <p:nvPr>
+            <p:ph type="body" idx="1"/>
+          </p:nvPr>
+        </p:nvSpPr>
+        <p:spPr/>
+        <p:txBody>
+          <a:bodyPr/>
+          <a:lstStyle/>
+          <a:p>
+            <a:endParaRPr lang="LID4096" dirty="0"/>
+          </a:p>
+        </p:txBody>
+      </p:sp>
+      <p:sp>
+        <p:nvSpPr>
+          <p:cNvPr id="4" name="Foliennummernplatzhalter 3"/>
+          <p:cNvSpPr>
+            <a:spLocks noGrp="1"/>
+          </p:cNvSpPr>
+          <p:nvPr>
+            <p:ph type="sldNum" sz="quarter" idx="5"/>
+          </p:nvPr>
+        </p:nvSpPr>
+        <p:spPr/>
+        <p:txBody>
+          <a:bodyPr/>
+          <a:lstStyle/>
+          <a:p>
+            <a:fld id="{273A6EB8-9E45-4C99-8FE5-0C82B101C847}" type="slidenum">
+              <a:rPr lang="LID4096" smtClean="0"/>
+              <a:t>1</a:t>
+            </a:fld>
+            <a:endParaRPr lang="LID4096"/>
+          </a:p>
+        </p:txBody>
+      </p:sp>
+    </p:spTree>
+    <p:extLst>
+      <p:ext uri="{BB962C8B-B14F-4D97-AF65-F5344CB8AC3E}">
+        <p14:creationId xmlns:p14="http://schemas.microsoft.com/office/powerpoint/2010/main" val="1457043545"/>
+      </p:ext>
+    </p:extLst>
+  </p:cSld>
+  <p:clrMapOvr>
+    <a:masterClrMapping/>
+  </p:clrMapOvr>
+</p:notes>
 </file>
 
 <file path=ppt/slideLayouts/slideLayout1.xml><?xml version="1.0" encoding="utf-8"?>
@@ -2960,7 +3397,7 @@
     <p:bg>
       <p:bgPr>
         <a:blipFill dpi="0" rotWithShape="1">
-          <a:blip r:embed="rId2">
+          <a:blip r:embed="rId3">
             <a:lum/>
           </a:blip>
           <a:srcRect/>
@@ -3001,7 +3438,7 @@
         </p:nvCxnSpPr>
         <p:spPr>
           <a:xfrm>
-            <a:off x="14582615" y="3011745"/>
+            <a:off x="15133637" y="3013081"/>
             <a:ext cx="0" cy="31546800"/>
           </a:xfrm>
           <a:prstGeom prst="line">
@@ -3096,8 +3533,8 @@
         </p:nvSpPr>
         <p:spPr>
           <a:xfrm>
-            <a:off x="322619" y="3760580"/>
-            <a:ext cx="4121790" cy="769441"/>
+            <a:off x="332240" y="3509836"/>
+            <a:ext cx="4121790" cy="707886"/>
           </a:xfrm>
           <a:prstGeom prst="rect">
             <a:avLst/>
@@ -3111,14 +3548,14 @@
           <a:lstStyle/>
           <a:p>
             <a:r>
-              <a:rPr lang="tr-TR" sz="4400" dirty="0">
+              <a:rPr lang="tr-TR" sz="4000" dirty="0">
                 <a:solidFill>
                   <a:srgbClr val="9B0A7D"/>
                 </a:solidFill>
               </a:rPr>
               <a:t>Introduction</a:t>
             </a:r>
-            <a:endParaRPr lang="en-US" sz="4400" dirty="0">
+            <a:endParaRPr lang="en-US" sz="4000" dirty="0">
               <a:solidFill>
                 <a:srgbClr val="9B0A7D"/>
               </a:solidFill>
@@ -3140,8 +3577,8 @@
         </p:nvSpPr>
         <p:spPr>
           <a:xfrm>
-            <a:off x="322618" y="7613438"/>
-            <a:ext cx="2849452" cy="769441"/>
+            <a:off x="332240" y="6158457"/>
+            <a:ext cx="2849452" cy="707886"/>
           </a:xfrm>
           <a:prstGeom prst="rect">
             <a:avLst/>
@@ -3155,14 +3592,14 @@
           <a:lstStyle/>
           <a:p>
             <a:r>
-              <a:rPr lang="tr-TR" sz="4400" dirty="0">
+              <a:rPr lang="tr-TR" sz="4000" dirty="0">
                 <a:solidFill>
                   <a:srgbClr val="9B0A7D"/>
                 </a:solidFill>
               </a:rPr>
               <a:t>Method</a:t>
             </a:r>
-            <a:endParaRPr lang="en-US" sz="4400" dirty="0">
+            <a:endParaRPr lang="en-US" sz="4000" dirty="0">
               <a:solidFill>
                 <a:srgbClr val="9B0A7D"/>
               </a:solidFill>
@@ -3184,8 +3621,8 @@
         </p:nvSpPr>
         <p:spPr>
           <a:xfrm>
-            <a:off x="322618" y="4534816"/>
-            <a:ext cx="13869655" cy="2862322"/>
+            <a:off x="332240" y="4282524"/>
+            <a:ext cx="13869655" cy="1815882"/>
           </a:xfrm>
           <a:prstGeom prst="rect">
             <a:avLst/>
@@ -3200,7 +3637,7 @@
           <a:p>
             <a:pPr algn="just"/>
             <a:r>
-              <a:rPr lang="en-GB" sz="3600" b="0" i="0" dirty="0">
+              <a:rPr lang="en-GB" sz="2800" b="0" i="0" dirty="0">
                 <a:solidFill>
                   <a:srgbClr val="31333F"/>
                 </a:solidFill>
@@ -3208,7 +3645,7 @@
               </a:rPr>
               <a:t>This project dives into the world of darts using data science techniques to uncover fascinating insights. It aims to transform raw data into structured datasets suitable for visualization and analysis. The goal is to answer predefined research questions by gathering data from multiple sources, processing it, and generating analytical datasets.</a:t>
             </a:r>
-            <a:endParaRPr lang="en-US" sz="3600" dirty="0"/>
+            <a:endParaRPr lang="en-US" sz="2800" dirty="0"/>
           </a:p>
         </p:txBody>
       </p:sp>
@@ -3226,8 +3663,8 @@
         </p:nvSpPr>
         <p:spPr>
           <a:xfrm>
-            <a:off x="322617" y="8376447"/>
-            <a:ext cx="13869651" cy="5632311"/>
+            <a:off x="332241" y="6904148"/>
+            <a:ext cx="13869651" cy="3539430"/>
           </a:xfrm>
           <a:prstGeom prst="rect">
             <a:avLst/>
@@ -3242,15 +3679,15 @@
           <a:p>
             <a:pPr algn="just"/>
             <a:r>
-              <a:rPr lang="en-US" sz="3600" noProof="0" dirty="0"/>
+              <a:rPr lang="en-US" sz="2800" noProof="0" dirty="0"/>
               <a:t>The research questions – of which a few are represented on this poster – were formulated </a:t>
             </a:r>
             <a:r>
-              <a:rPr lang="en-US" sz="3600" dirty="0"/>
+              <a:rPr lang="en-US" sz="2800" dirty="0"/>
               <a:t>while looking ahead at available data sources. </a:t>
             </a:r>
             <a:r>
-              <a:rPr lang="en-GB" sz="3600" b="0" i="0" dirty="0">
+              <a:rPr lang="en-GB" sz="2800" b="0" i="0" dirty="0">
                 <a:solidFill>
                   <a:srgbClr val="31333F"/>
                 </a:solidFill>
@@ -3259,7 +3696,7 @@
               <a:t>Web scraping scripts were then developed and executed to extract structured data. This data consisted of player statistics, match results, and other relevant information. The extracted data was validated, cleaned, and stored in organized CSV files. In the next step, datasets were transformed to ensure correctness and consistency, addressing any missing values or errors manually. The final datasets were then analysed and visualized using appropriate graphical representations, forming the basis for answering the research questions</a:t>
             </a:r>
             <a:r>
-              <a:rPr lang="de-DE" sz="3600" b="0" i="0" dirty="0">
+              <a:rPr lang="de-DE" sz="2800" b="0" i="0" dirty="0">
                 <a:solidFill>
                   <a:srgbClr val="31333F"/>
                 </a:solidFill>
@@ -3267,7 +3704,7 @@
               </a:rPr>
               <a:t>.</a:t>
             </a:r>
-            <a:endParaRPr lang="en-US" sz="3600" noProof="0" dirty="0"/>
+            <a:endParaRPr lang="en-US" sz="2800" noProof="0" dirty="0"/>
           </a:p>
         </p:txBody>
       </p:sp>
@@ -3285,8 +3722,8 @@
         </p:nvSpPr>
         <p:spPr>
           <a:xfrm>
-            <a:off x="322617" y="14105091"/>
-            <a:ext cx="2459119" cy="769441"/>
+            <a:off x="332241" y="10503629"/>
+            <a:ext cx="2459119" cy="707886"/>
           </a:xfrm>
           <a:prstGeom prst="rect">
             <a:avLst/>
@@ -3300,7 +3737,7 @@
           <a:lstStyle/>
           <a:p>
             <a:r>
-              <a:rPr lang="en-US" sz="4400" noProof="0" dirty="0">
+              <a:rPr lang="en-US" sz="4000" noProof="0" dirty="0">
                 <a:solidFill>
                   <a:srgbClr val="9B0A7D"/>
                 </a:solidFill>
@@ -3324,8 +3761,8 @@
         </p:nvSpPr>
         <p:spPr>
           <a:xfrm>
-            <a:off x="322616" y="14988925"/>
-            <a:ext cx="13839798" cy="707886"/>
+            <a:off x="332242" y="11279450"/>
+            <a:ext cx="13839798" cy="646331"/>
           </a:xfrm>
           <a:prstGeom prst="rect">
             <a:avLst/>
@@ -3339,7 +3776,7 @@
           <a:lstStyle/>
           <a:p>
             <a:r>
-              <a:rPr lang="en-GB" sz="4000" dirty="0">
+              <a:rPr lang="en-GB" sz="3600" dirty="0">
                 <a:solidFill>
                   <a:srgbClr val="9B0A7D"/>
                 </a:solidFill>
@@ -3363,8 +3800,8 @@
         </p:nvSpPr>
         <p:spPr>
           <a:xfrm>
-            <a:off x="322616" y="26897882"/>
-            <a:ext cx="13717978" cy="1323439"/>
+            <a:off x="332241" y="22425984"/>
+            <a:ext cx="13717978" cy="646331"/>
           </a:xfrm>
           <a:prstGeom prst="rect">
             <a:avLst/>
@@ -3378,14 +3815,14 @@
           <a:lstStyle/>
           <a:p>
             <a:r>
-              <a:rPr lang="en-GB" sz="4000" dirty="0">
+              <a:rPr lang="en-GB" sz="3600" dirty="0">
                 <a:solidFill>
                   <a:srgbClr val="9B0A7D"/>
                 </a:solidFill>
               </a:rPr>
               <a:t>How does the price money and number of participants vary over time?</a:t>
             </a:r>
-            <a:endParaRPr lang="en-US" sz="4000" dirty="0">
+            <a:endParaRPr lang="en-US" sz="3600" dirty="0">
               <a:solidFill>
                 <a:srgbClr val="9B0A7D"/>
               </a:solidFill>
@@ -3407,8 +3844,8 @@
         </p:nvSpPr>
         <p:spPr>
           <a:xfrm>
-            <a:off x="15002807" y="3732856"/>
-            <a:ext cx="14920824" cy="1323439"/>
+            <a:off x="15577790" y="3622017"/>
+            <a:ext cx="13695885" cy="1200329"/>
           </a:xfrm>
           <a:prstGeom prst="rect">
             <a:avLst/>
@@ -3422,14 +3859,14 @@
           <a:lstStyle/>
           <a:p>
             <a:r>
-              <a:rPr lang="en-GB" sz="4000" dirty="0">
+              <a:rPr lang="en-GB" sz="3600" dirty="0">
                 <a:solidFill>
                   <a:srgbClr val="9B0A7D"/>
                 </a:solidFill>
               </a:rPr>
               <a:t>What are most popular double fields and their corresponding check out quotes?</a:t>
             </a:r>
-            <a:endParaRPr lang="en-US" sz="4000" dirty="0">
+            <a:endParaRPr lang="en-US" sz="3600" dirty="0">
               <a:solidFill>
                 <a:srgbClr val="9B0A7D"/>
               </a:solidFill>
@@ -3494,8 +3931,8 @@
         </p:nvSpPr>
         <p:spPr>
           <a:xfrm>
-            <a:off x="15002814" y="14008758"/>
-            <a:ext cx="15034835" cy="707886"/>
+            <a:off x="15577784" y="14145180"/>
+            <a:ext cx="13810968" cy="646331"/>
           </a:xfrm>
           <a:prstGeom prst="rect">
             <a:avLst/>
@@ -3509,14 +3946,14 @@
           <a:lstStyle/>
           <a:p>
             <a:r>
-              <a:rPr lang="en-GB" sz="4000" dirty="0">
+              <a:rPr lang="en-GB" sz="3600" dirty="0">
                 <a:solidFill>
                   <a:srgbClr val="9B0A7D"/>
                 </a:solidFill>
               </a:rPr>
               <a:t>How does nationality effect the rankings?</a:t>
             </a:r>
-            <a:endParaRPr lang="en-US" sz="4000" dirty="0">
+            <a:endParaRPr lang="en-US" sz="3600" dirty="0">
               <a:solidFill>
                 <a:srgbClr val="9B0A7D"/>
               </a:solidFill>
@@ -3539,7 +3976,7 @@
         <p:spPr>
           <a:xfrm>
             <a:off x="993600" y="36874004"/>
-            <a:ext cx="4065921" cy="1015663"/>
+            <a:ext cx="2772747" cy="707886"/>
           </a:xfrm>
           <a:prstGeom prst="rect">
             <a:avLst/>
@@ -3553,7 +3990,7 @@
           <a:lstStyle/>
           <a:p>
             <a:r>
-              <a:rPr lang="en-US" sz="6000" noProof="0" dirty="0">
+              <a:rPr lang="en-US" sz="4000" noProof="0" dirty="0">
                 <a:solidFill>
                   <a:srgbClr val="9B0A7D"/>
                 </a:solidFill>
@@ -3577,8 +4014,8 @@
         </p:nvSpPr>
         <p:spPr>
           <a:xfrm>
-            <a:off x="993600" y="37889667"/>
-            <a:ext cx="14009215" cy="3785652"/>
+            <a:off x="4428771" y="36842583"/>
+            <a:ext cx="9733643" cy="2677656"/>
           </a:xfrm>
           <a:prstGeom prst="rect">
             <a:avLst/>
@@ -3592,56 +4029,40 @@
           <a:lstStyle/>
           <a:p>
             <a:r>
-              <a:rPr lang="tr-TR" sz="4000" noProof="0" dirty="0"/>
+              <a:rPr lang="tr-TR" sz="2800" noProof="0" dirty="0"/>
               <a:t>https://app.dartsorakel.com/</a:t>
             </a:r>
           </a:p>
           <a:p>
             <a:r>
-              <a:rPr lang="tr-TR" sz="4000" noProof="0" dirty="0"/>
+              <a:rPr lang="tr-TR" sz="2800" noProof="0" dirty="0"/>
               <a:t>https://mastercaller.com/tournaments/pdc-world-championship/</a:t>
             </a:r>
           </a:p>
           <a:p>
             <a:r>
-              <a:rPr lang="tr-TR" sz="4000" noProof="0" dirty="0"/>
+              <a:rPr lang="tr-TR" sz="2800" noProof="0" dirty="0"/>
               <a:t>https://www.dartn.de/Dart-Profis</a:t>
             </a:r>
           </a:p>
           <a:p>
             <a:r>
-              <a:rPr lang="tr-TR" sz="4000" noProof="0" dirty="0">
-                <a:solidFill>
-                  <a:schemeClr val="bg1"/>
-                </a:solidFill>
-              </a:rPr>
+              <a:rPr lang="tr-TR" sz="2800" noProof="0" dirty="0"/>
               <a:t>https://de.wikipedia.org/wiki/Professional_Darts_Corporation</a:t>
             </a:r>
           </a:p>
           <a:p>
             <a:r>
-              <a:rPr lang="tr-TR" sz="4000" noProof="0" dirty="0">
-                <a:solidFill>
-                  <a:schemeClr val="bg1"/>
-                </a:solidFill>
-              </a:rPr>
+              <a:rPr lang="tr-TR" sz="2800" noProof="0" dirty="0"/>
               <a:t>https://de.wikipedia.org/wiki/PDC_World_Darts_Championship</a:t>
             </a:r>
           </a:p>
           <a:p>
             <a:r>
-              <a:rPr lang="tr-TR" sz="4000" noProof="0" dirty="0">
-                <a:solidFill>
-                  <a:schemeClr val="bg1"/>
-                </a:solidFill>
-              </a:rPr>
+              <a:rPr lang="tr-TR" sz="2800" noProof="0" dirty="0"/>
               <a:t>https://www.flashscore.de/</a:t>
             </a:r>
-            <a:endParaRPr lang="en-US" sz="4000" noProof="0" dirty="0">
-              <a:solidFill>
-                <a:schemeClr val="bg1"/>
-              </a:solidFill>
-            </a:endParaRPr>
+            <a:endParaRPr lang="en-US" sz="2800" noProof="0" dirty="0"/>
           </a:p>
         </p:txBody>
       </p:sp>
@@ -3717,8 +4138,8 @@
         </p:nvSpPr>
         <p:spPr>
           <a:xfrm>
-            <a:off x="14787997" y="26293885"/>
-            <a:ext cx="15034830" cy="707886"/>
+            <a:off x="15577784" y="24177261"/>
+            <a:ext cx="15034830" cy="646331"/>
           </a:xfrm>
           <a:prstGeom prst="rect">
             <a:avLst/>
@@ -3732,14 +4153,14 @@
           <a:lstStyle/>
           <a:p>
             <a:r>
-              <a:rPr lang="en-GB" sz="4000" dirty="0">
+              <a:rPr lang="en-GB" sz="3600" dirty="0">
                 <a:solidFill>
                   <a:srgbClr val="9B0A7D"/>
                 </a:solidFill>
               </a:rPr>
               <a:t>How does the performance of individual players change over time?</a:t>
             </a:r>
-            <a:endParaRPr lang="en-US" sz="4000" dirty="0">
+            <a:endParaRPr lang="en-US" sz="3600" dirty="0">
               <a:solidFill>
                 <a:srgbClr val="9B0A7D"/>
               </a:solidFill>
@@ -3753,41 +4174,6 @@
             <a:extLst>
               <a:ext uri="{FF2B5EF4-FFF2-40B4-BE49-F238E27FC236}">
                 <a16:creationId xmlns:a16="http://schemas.microsoft.com/office/drawing/2014/main" id="{AF1ABF3E-6617-07BD-EFAD-9E4A4CD2DA8B}"/>
-              </a:ext>
-            </a:extLst>
-          </p:cNvPr>
-          <p:cNvPicPr>
-            <a:picLocks noChangeAspect="1"/>
-          </p:cNvPicPr>
-          <p:nvPr/>
-        </p:nvPicPr>
-        <p:blipFill>
-          <a:blip r:embed="rId3">
-            <a:extLst>
-              <a:ext uri="{28A0092B-C50C-407E-A947-70E740481C1C}">
-                <a14:useLocalDpi xmlns:a14="http://schemas.microsoft.com/office/drawing/2010/main" val="0"/>
-              </a:ext>
-            </a:extLst>
-          </a:blip>
-          <a:srcRect l="6993" t="8637" r="7303" b="7884"/>
-          <a:stretch/>
-        </p:blipFill>
-        <p:spPr>
-          <a:xfrm>
-            <a:off x="24970965" y="38274280"/>
-            <a:ext cx="3690520" cy="3594662"/>
-          </a:xfrm>
-          <a:prstGeom prst="rect">
-            <a:avLst/>
-          </a:prstGeom>
-        </p:spPr>
-      </p:pic>
-      <p:pic>
-        <p:nvPicPr>
-          <p:cNvPr id="6" name="Grafik 5">
-            <a:extLst>
-              <a:ext uri="{FF2B5EF4-FFF2-40B4-BE49-F238E27FC236}">
-                <a16:creationId xmlns:a16="http://schemas.microsoft.com/office/drawing/2014/main" id="{7E382A02-4DF1-DDA2-3E3E-663E673B3461}"/>
               </a:ext>
             </a:extLst>
           </p:cNvPr>
@@ -3804,13 +4190,13 @@
               </a:ext>
             </a:extLst>
           </a:blip>
-          <a:srcRect b="2714"/>
+          <a:srcRect l="6993" t="8637" r="7303" b="7884"/>
           <a:stretch/>
         </p:blipFill>
         <p:spPr>
           <a:xfrm>
-            <a:off x="6620385" y="27652915"/>
-            <a:ext cx="7726392" cy="4398793"/>
+            <a:off x="24970965" y="38274280"/>
+            <a:ext cx="3690520" cy="3594662"/>
           </a:xfrm>
           <a:prstGeom prst="rect">
             <a:avLst/>
@@ -3819,10 +4205,10 @@
       </p:pic>
       <p:pic>
         <p:nvPicPr>
-          <p:cNvPr id="10" name="Grafik 9">
+          <p:cNvPr id="22" name="Grafik 21">
             <a:extLst>
               <a:ext uri="{FF2B5EF4-FFF2-40B4-BE49-F238E27FC236}">
-                <a16:creationId xmlns:a16="http://schemas.microsoft.com/office/drawing/2014/main" id="{40B89DDD-9679-C5C2-3697-F9A848A643E0}"/>
+                <a16:creationId xmlns:a16="http://schemas.microsoft.com/office/drawing/2014/main" id="{2FED093D-4F5C-1881-B265-095E75FBABE6}"/>
               </a:ext>
             </a:extLst>
           </p:cNvPr>
@@ -3839,13 +4225,14 @@
               </a:ext>
             </a:extLst>
           </a:blip>
-          <a:srcRect l="4049" t="2620" b="6201"/>
-          <a:stretch/>
+          <a:stretch>
+            <a:fillRect/>
+          </a:stretch>
         </p:blipFill>
         <p:spPr>
           <a:xfrm>
-            <a:off x="24720822" y="4466715"/>
-            <a:ext cx="5316827" cy="4425229"/>
+            <a:off x="17152634" y="28356785"/>
+            <a:ext cx="10546190" cy="6896718"/>
           </a:xfrm>
           <a:prstGeom prst="rect">
             <a:avLst/>
@@ -3854,10 +4241,10 @@
       </p:pic>
       <p:pic>
         <p:nvPicPr>
-          <p:cNvPr id="19" name="Grafik 18">
+          <p:cNvPr id="32" name="Grafik 31">
             <a:extLst>
               <a:ext uri="{FF2B5EF4-FFF2-40B4-BE49-F238E27FC236}">
-                <a16:creationId xmlns:a16="http://schemas.microsoft.com/office/drawing/2014/main" id="{3C16E54E-48BE-2311-CB17-F97AE1A78C7C}"/>
+                <a16:creationId xmlns:a16="http://schemas.microsoft.com/office/drawing/2014/main" id="{8C7686EC-6397-4082-6CFC-2DCD1EC51A50}"/>
               </a:ext>
             </a:extLst>
           </p:cNvPr>
@@ -3874,25 +4261,268 @@
               </a:ext>
             </a:extLst>
           </a:blip>
-          <a:srcRect l="10556" b="4495"/>
+          <a:srcRect t="8073"/>
           <a:stretch/>
         </p:blipFill>
         <p:spPr>
           <a:xfrm>
-            <a:off x="24720822" y="8891944"/>
-            <a:ext cx="5316828" cy="4425229"/>
+            <a:off x="16724769" y="18389139"/>
+            <a:ext cx="11001195" cy="5788122"/>
           </a:xfrm>
           <a:prstGeom prst="rect">
             <a:avLst/>
           </a:prstGeom>
         </p:spPr>
       </p:pic>
+      <p:sp>
+        <p:nvSpPr>
+          <p:cNvPr id="37" name="TextBox 12">
+            <a:extLst>
+              <a:ext uri="{FF2B5EF4-FFF2-40B4-BE49-F238E27FC236}">
+                <a16:creationId xmlns:a16="http://schemas.microsoft.com/office/drawing/2014/main" id="{DCA07421-F0DC-D9B9-E726-1464D30ED90B}"/>
+              </a:ext>
+            </a:extLst>
+          </p:cNvPr>
+          <p:cNvSpPr txBox="1"/>
+          <p:nvPr/>
+        </p:nvSpPr>
+        <p:spPr>
+          <a:xfrm>
+            <a:off x="332242" y="23122057"/>
+            <a:ext cx="13869650" cy="2677656"/>
+          </a:xfrm>
+          <a:prstGeom prst="rect">
+            <a:avLst/>
+          </a:prstGeom>
+          <a:noFill/>
+        </p:spPr>
+        <p:txBody>
+          <a:bodyPr wrap="square" rtlCol="0">
+            <a:spAutoFit/>
+          </a:bodyPr>
+          <a:lstStyle/>
+          <a:p>
+            <a:pPr algn="just"/>
+            <a:r>
+              <a:rPr lang="en-GB" sz="2800" noProof="0" dirty="0"/>
+              <a:t>For this question, only the  data for the PDC World Championship was analysed. In this graph, the prize money</a:t>
+            </a:r>
+            <a:r>
+              <a:rPr lang="en-GB" sz="2800" dirty="0"/>
+              <a:t> and number of participants is rising. The coloured stacked bars indicate prize allocation by tournament stage, while the red line shows the increasing participant numbers. There's a clear correlation between participant numbers and prize money: Major increases in participants typically coincided with significant prize money increases. The graphs show that while the total prize pool has increased, the distribution maintains a similar structure.</a:t>
+            </a:r>
+            <a:endParaRPr lang="LID4096" sz="2800" dirty="0"/>
+          </a:p>
+        </p:txBody>
+      </p:sp>
+      <p:sp>
+        <p:nvSpPr>
+          <p:cNvPr id="39" name="TextBox 12">
+            <a:extLst>
+              <a:ext uri="{FF2B5EF4-FFF2-40B4-BE49-F238E27FC236}">
+                <a16:creationId xmlns:a16="http://schemas.microsoft.com/office/drawing/2014/main" id="{0BF47DE2-DBC3-C822-5E3E-66D521DA0E5F}"/>
+              </a:ext>
+            </a:extLst>
+          </p:cNvPr>
+          <p:cNvSpPr txBox="1"/>
+          <p:nvPr/>
+        </p:nvSpPr>
+        <p:spPr>
+          <a:xfrm>
+            <a:off x="15577784" y="14849709"/>
+            <a:ext cx="13717975" cy="3539430"/>
+          </a:xfrm>
+          <a:prstGeom prst="rect">
+            <a:avLst/>
+          </a:prstGeom>
+          <a:noFill/>
+        </p:spPr>
+        <p:txBody>
+          <a:bodyPr wrap="square" rtlCol="0">
+            <a:spAutoFit/>
+          </a:bodyPr>
+          <a:lstStyle/>
+          <a:p>
+            <a:pPr algn="just"/>
+            <a:r>
+              <a:rPr lang="en-GB" sz="2800" noProof="0" dirty="0"/>
+              <a:t>The graph below shows the player's nationality demographics related to their rankings. The bigger the bubble, the more players belong to that demographic. As we seen, there are a lot of English players which are also very high ranked, suggesting that the sport might be better developed there.</a:t>
+            </a:r>
+          </a:p>
+          <a:p>
+            <a:pPr algn="just"/>
+            <a:r>
+              <a:rPr lang="en-GB" sz="2800" noProof="0" dirty="0"/>
+              <a:t>It is also seen that there is one player in the Netherlands (Michael van Gerwen) which dominated the darts for a few years and is now </a:t>
+            </a:r>
+            <a:r>
+              <a:rPr lang="en-GB" sz="2800" dirty="0"/>
+              <a:t>also</a:t>
+            </a:r>
+            <a:r>
+              <a:rPr lang="en-GB" sz="2800" noProof="0" dirty="0"/>
+              <a:t> on a high-ranking position. Other countries like Germany, Japan, and Australia have representation, but their players are less frequent and frequent lower ranks.</a:t>
+            </a:r>
+          </a:p>
+        </p:txBody>
+      </p:sp>
+      <p:sp>
+        <p:nvSpPr>
+          <p:cNvPr id="40" name="TextBox 12">
+            <a:extLst>
+              <a:ext uri="{FF2B5EF4-FFF2-40B4-BE49-F238E27FC236}">
+                <a16:creationId xmlns:a16="http://schemas.microsoft.com/office/drawing/2014/main" id="{63BB22EC-8D4B-A18D-B295-4FF506706057}"/>
+              </a:ext>
+            </a:extLst>
+          </p:cNvPr>
+          <p:cNvSpPr txBox="1"/>
+          <p:nvPr/>
+        </p:nvSpPr>
+        <p:spPr>
+          <a:xfrm>
+            <a:off x="15577783" y="24823592"/>
+            <a:ext cx="13810951" cy="3539430"/>
+          </a:xfrm>
+          <a:prstGeom prst="rect">
+            <a:avLst/>
+          </a:prstGeom>
+          <a:noFill/>
+        </p:spPr>
+        <p:txBody>
+          <a:bodyPr wrap="square" rtlCol="0">
+            <a:spAutoFit/>
+          </a:bodyPr>
+          <a:lstStyle/>
+          <a:p>
+            <a:pPr algn="just"/>
+            <a:r>
+              <a:rPr lang="en-GB" sz="2800" noProof="0" dirty="0"/>
+              <a:t>The graphs below shows the player Rob Cross’ performance </a:t>
+            </a:r>
+            <a:r>
+              <a:rPr lang="en-GB" sz="2800" dirty="0"/>
+              <a:t>from</a:t>
+            </a:r>
+            <a:r>
+              <a:rPr lang="en-GB" sz="2800" noProof="0" dirty="0"/>
+              <a:t> 2017 to 2024. On the left is the number of throws and check out percentage respective of the double 1. This player is a good example of the phenomenon, where their check out percentage drops and therefore the number of throws on this double drops in a time-shifted manner, too. This is because the player noticed that this double field does not work that well for them, so they adjust their throws so that they didn't always end up with the previously bad double at the end of a leg anymore. On the right is the gradual average of Rob Cross. The average collapse in 2020 can be explained by problems due to the Corona pandemic.</a:t>
+            </a:r>
+          </a:p>
+        </p:txBody>
+      </p:sp>
+      <p:sp>
+        <p:nvSpPr>
+          <p:cNvPr id="41" name="TextBox 12">
+            <a:extLst>
+              <a:ext uri="{FF2B5EF4-FFF2-40B4-BE49-F238E27FC236}">
+                <a16:creationId xmlns:a16="http://schemas.microsoft.com/office/drawing/2014/main" id="{5BE7297E-3034-BD2E-6B8F-DF1DC7731827}"/>
+              </a:ext>
+            </a:extLst>
+          </p:cNvPr>
+          <p:cNvSpPr txBox="1"/>
+          <p:nvPr/>
+        </p:nvSpPr>
+        <p:spPr>
+          <a:xfrm>
+            <a:off x="15577789" y="4816109"/>
+            <a:ext cx="13695881" cy="3539430"/>
+          </a:xfrm>
+          <a:prstGeom prst="rect">
+            <a:avLst/>
+          </a:prstGeom>
+          <a:noFill/>
+        </p:spPr>
+        <p:txBody>
+          <a:bodyPr wrap="square" rtlCol="0">
+            <a:spAutoFit/>
+          </a:bodyPr>
+          <a:lstStyle/>
+          <a:p>
+            <a:pPr algn="just"/>
+            <a:r>
+              <a:rPr lang="en-GB" sz="2800" dirty="0"/>
+              <a:t>A</a:t>
+            </a:r>
+            <a:r>
+              <a:rPr lang="en-GB" sz="2800" noProof="0" dirty="0"/>
+              <a:t> leg ends by hitting a double field, called a check out. With these come the statistics of the check out percentage. Other than in the check outs, doubles are usually not targeted. In this context, the distribution of throws on the different double fields was analysed.</a:t>
+            </a:r>
+          </a:p>
+          <a:p>
+            <a:pPr algn="just"/>
+            <a:r>
+              <a:rPr lang="en-GB" sz="2800" noProof="0" dirty="0"/>
+              <a:t>The upper pie chart shows that D20, D16, D10, and D8 are the most popular double fields. This makes sense, since if a throw on D20 or D16 fails, the player can target the double field with the value half as big as D10 or D8 to finish the leg with a check out. This can also be seen in the lower chart, where the most player's frequently thrown double field is the D20 for 71.1% and the D16 for 20.1%.</a:t>
+            </a:r>
+          </a:p>
+        </p:txBody>
+      </p:sp>
+      <p:sp>
+        <p:nvSpPr>
+          <p:cNvPr id="42" name="TextBox 12">
+            <a:extLst>
+              <a:ext uri="{FF2B5EF4-FFF2-40B4-BE49-F238E27FC236}">
+                <a16:creationId xmlns:a16="http://schemas.microsoft.com/office/drawing/2014/main" id="{7AFA065E-FC8B-3DF3-93B2-32320716FA2A}"/>
+              </a:ext>
+            </a:extLst>
+          </p:cNvPr>
+          <p:cNvSpPr txBox="1"/>
+          <p:nvPr/>
+        </p:nvSpPr>
+        <p:spPr>
+          <a:xfrm>
+            <a:off x="332241" y="11979111"/>
+            <a:ext cx="13869651" cy="3970318"/>
+          </a:xfrm>
+          <a:prstGeom prst="rect">
+            <a:avLst/>
+          </a:prstGeom>
+          <a:noFill/>
+        </p:spPr>
+        <p:txBody>
+          <a:bodyPr wrap="square" rtlCol="0">
+            <a:spAutoFit/>
+          </a:bodyPr>
+          <a:lstStyle/>
+          <a:p>
+            <a:pPr algn="just"/>
+            <a:r>
+              <a:rPr lang="en-GB" sz="2800" noProof="0" dirty="0"/>
+              <a:t>This question was asked, assuming that over time, the sport </a:t>
+            </a:r>
+            <a:r>
+              <a:rPr lang="en-GB" sz="2800" dirty="0"/>
+              <a:t>have</a:t>
+            </a:r>
+            <a:r>
+              <a:rPr lang="en-GB" sz="2800" noProof="0" dirty="0"/>
+              <a:t> reached a higher maturity level. Meaning the standards for the skill of players participating in the tournaments will rise with better strategies and better coaching. In this diagram, only the averages of the tournament's winners between 2000 and 2025 were looked at.</a:t>
+            </a:r>
+            <a:endParaRPr lang="en-GB" sz="2800" dirty="0"/>
+          </a:p>
+          <a:p>
+            <a:pPr algn="just"/>
+            <a:r>
+              <a:rPr lang="en-GB" sz="2800" noProof="0" dirty="0"/>
+              <a:t>The World Championship scores demonstrate greater volatility, with notable peaks around 2010 and 2017-2018 where </a:t>
+            </a:r>
+            <a:r>
+              <a:rPr lang="en-GB" sz="2800" dirty="0"/>
+              <a:t>an average of 106</a:t>
+            </a:r>
+            <a:r>
+              <a:rPr lang="en-GB" sz="2800" noProof="0" dirty="0"/>
+              <a:t> exceeded. All lines generally show an upward trend over time, which could also be seen because of the increasing regression line. The average scores generally range between 94 and 105. This validates the assumption the research came into existence with.</a:t>
+            </a:r>
+          </a:p>
+        </p:txBody>
+      </p:sp>
       <p:pic>
         <p:nvPicPr>
-          <p:cNvPr id="22" name="Grafik 21">
+          <p:cNvPr id="9" name="Grafik 8">
             <a:extLst>
               <a:ext uri="{FF2B5EF4-FFF2-40B4-BE49-F238E27FC236}">
-                <a16:creationId xmlns:a16="http://schemas.microsoft.com/office/drawing/2014/main" id="{2FED093D-4F5C-1881-B265-095E75FBABE6}"/>
+                <a16:creationId xmlns:a16="http://schemas.microsoft.com/office/drawing/2014/main" id="{A00E59CC-AEC8-DC98-4F7C-2745EBFB8C93}"/>
               </a:ext>
             </a:extLst>
           </p:cNvPr>
@@ -3909,412 +4539,13 @@
               </a:ext>
             </a:extLst>
           </a:blip>
-          <a:stretch>
-            <a:fillRect/>
-          </a:stretch>
-        </p:blipFill>
-        <p:spPr>
-          <a:xfrm>
-            <a:off x="14888798" y="31630960"/>
-            <a:ext cx="6615169" cy="4326013"/>
-          </a:xfrm>
-          <a:prstGeom prst="rect">
-            <a:avLst/>
-          </a:prstGeom>
-        </p:spPr>
-      </p:pic>
-      <p:pic>
-        <p:nvPicPr>
-          <p:cNvPr id="25" name="Grafik 24">
-            <a:extLst>
-              <a:ext uri="{FF2B5EF4-FFF2-40B4-BE49-F238E27FC236}">
-                <a16:creationId xmlns:a16="http://schemas.microsoft.com/office/drawing/2014/main" id="{1AC9B1FD-91B3-22EE-E5D2-B878DB980BC4}"/>
-              </a:ext>
-            </a:extLst>
-          </p:cNvPr>
-          <p:cNvPicPr>
-            <a:picLocks noChangeAspect="1"/>
-          </p:cNvPicPr>
-          <p:nvPr/>
-        </p:nvPicPr>
-        <p:blipFill>
-          <a:blip r:embed="rId8">
-            <a:extLst>
-              <a:ext uri="{28A0092B-C50C-407E-A947-70E740481C1C}">
-                <a14:useLocalDpi xmlns:a14="http://schemas.microsoft.com/office/drawing/2010/main" val="0"/>
-              </a:ext>
-            </a:extLst>
-          </a:blip>
-          <a:stretch>
-            <a:fillRect/>
-          </a:stretch>
-        </p:blipFill>
-        <p:spPr>
-          <a:xfrm>
-            <a:off x="21469133" y="31630959"/>
-            <a:ext cx="8568507" cy="4424721"/>
-          </a:xfrm>
-          <a:prstGeom prst="rect">
-            <a:avLst/>
-          </a:prstGeom>
-        </p:spPr>
-      </p:pic>
-      <p:pic>
-        <p:nvPicPr>
-          <p:cNvPr id="32" name="Grafik 31">
-            <a:extLst>
-              <a:ext uri="{FF2B5EF4-FFF2-40B4-BE49-F238E27FC236}">
-                <a16:creationId xmlns:a16="http://schemas.microsoft.com/office/drawing/2014/main" id="{8C7686EC-6397-4082-6CFC-2DCD1EC51A50}"/>
-              </a:ext>
-            </a:extLst>
-          </p:cNvPr>
-          <p:cNvPicPr>
-            <a:picLocks noChangeAspect="1"/>
-          </p:cNvPicPr>
-          <p:nvPr/>
-        </p:nvPicPr>
-        <p:blipFill>
-          <a:blip r:embed="rId9">
-            <a:extLst>
-              <a:ext uri="{28A0092B-C50C-407E-A947-70E740481C1C}">
-                <a14:useLocalDpi xmlns:a14="http://schemas.microsoft.com/office/drawing/2010/main" val="0"/>
-              </a:ext>
-            </a:extLst>
-          </a:blip>
-          <a:stretch>
-            <a:fillRect/>
-          </a:stretch>
-        </p:blipFill>
-        <p:spPr>
-          <a:xfrm>
-            <a:off x="14888798" y="21481634"/>
-            <a:ext cx="8057952" cy="4611923"/>
-          </a:xfrm>
-          <a:prstGeom prst="rect">
-            <a:avLst/>
-          </a:prstGeom>
-        </p:spPr>
-      </p:pic>
-      <p:sp>
-        <p:nvSpPr>
-          <p:cNvPr id="37" name="TextBox 12">
-            <a:extLst>
-              <a:ext uri="{FF2B5EF4-FFF2-40B4-BE49-F238E27FC236}">
-                <a16:creationId xmlns:a16="http://schemas.microsoft.com/office/drawing/2014/main" id="{DCA07421-F0DC-D9B9-E726-1464D30ED90B}"/>
-              </a:ext>
-            </a:extLst>
-          </p:cNvPr>
-          <p:cNvSpPr txBox="1"/>
-          <p:nvPr/>
-        </p:nvSpPr>
-        <p:spPr>
-          <a:xfrm>
-            <a:off x="322615" y="28320034"/>
-            <a:ext cx="5991579" cy="3970318"/>
-          </a:xfrm>
-          <a:prstGeom prst="rect">
-            <a:avLst/>
-          </a:prstGeom>
-          <a:noFill/>
-        </p:spPr>
-        <p:txBody>
-          <a:bodyPr wrap="square" rtlCol="0">
-            <a:spAutoFit/>
-          </a:bodyPr>
-          <a:lstStyle/>
-          <a:p>
-            <a:pPr algn="just"/>
-            <a:r>
-              <a:rPr lang="en-GB" sz="3600" noProof="0" dirty="0"/>
-              <a:t>For this question, only the  data for the PDC World Championship was analysed.</a:t>
-            </a:r>
-          </a:p>
-          <a:p>
-            <a:pPr algn="just"/>
-            <a:r>
-              <a:rPr lang="en-GB" sz="3600" noProof="0" dirty="0"/>
-              <a:t>In this graph, the prize money</a:t>
-            </a:r>
-            <a:r>
-              <a:rPr lang="en-GB" sz="3600" dirty="0"/>
-              <a:t> and number of participants is rising. The coloured stacked bars indicate prize allocation</a:t>
-            </a:r>
-            <a:endParaRPr lang="en-GB" sz="3600" noProof="0" dirty="0"/>
-          </a:p>
-        </p:txBody>
-      </p:sp>
-      <p:sp>
-        <p:nvSpPr>
-          <p:cNvPr id="38" name="Textfeld 37">
-            <a:extLst>
-              <a:ext uri="{FF2B5EF4-FFF2-40B4-BE49-F238E27FC236}">
-                <a16:creationId xmlns:a16="http://schemas.microsoft.com/office/drawing/2014/main" id="{37E7BD97-682B-1C0A-3080-AF30298392C3}"/>
-              </a:ext>
-            </a:extLst>
-          </p:cNvPr>
-          <p:cNvSpPr txBox="1"/>
-          <p:nvPr/>
-        </p:nvSpPr>
-        <p:spPr>
-          <a:xfrm>
-            <a:off x="322615" y="32150421"/>
-            <a:ext cx="13953810" cy="2862322"/>
-          </a:xfrm>
-          <a:prstGeom prst="rect">
-            <a:avLst/>
-          </a:prstGeom>
-          <a:noFill/>
-        </p:spPr>
-        <p:txBody>
-          <a:bodyPr wrap="square" rtlCol="0">
-            <a:spAutoFit/>
-          </a:bodyPr>
-          <a:lstStyle/>
-          <a:p>
-            <a:r>
-              <a:rPr lang="en-GB" sz="3600" dirty="0"/>
-              <a:t>by tournament stage, while the red line shows the increasing participant numbers. There's a clear correlation between participant numbers and prize money: Major increases in participants typically coincided with significant prize money increases. The graphs show that while the total prize pool has increased, the distribution maintains a similar structure.</a:t>
-            </a:r>
-            <a:endParaRPr lang="LID4096" sz="3600" dirty="0"/>
-          </a:p>
-        </p:txBody>
-      </p:sp>
-      <p:sp>
-        <p:nvSpPr>
-          <p:cNvPr id="39" name="TextBox 12">
-            <a:extLst>
-              <a:ext uri="{FF2B5EF4-FFF2-40B4-BE49-F238E27FC236}">
-                <a16:creationId xmlns:a16="http://schemas.microsoft.com/office/drawing/2014/main" id="{0BF47DE2-DBC3-C822-5E3E-66D521DA0E5F}"/>
-              </a:ext>
-            </a:extLst>
-          </p:cNvPr>
-          <p:cNvSpPr txBox="1"/>
-          <p:nvPr/>
-        </p:nvSpPr>
-        <p:spPr>
-          <a:xfrm>
-            <a:off x="15002814" y="14642614"/>
-            <a:ext cx="14820022" cy="4524315"/>
-          </a:xfrm>
-          <a:prstGeom prst="rect">
-            <a:avLst/>
-          </a:prstGeom>
-          <a:noFill/>
-        </p:spPr>
-        <p:txBody>
-          <a:bodyPr wrap="square" rtlCol="0">
-            <a:spAutoFit/>
-          </a:bodyPr>
-          <a:lstStyle/>
-          <a:p>
-            <a:pPr algn="just"/>
-            <a:r>
-              <a:rPr lang="en-GB" sz="3600" noProof="0" dirty="0"/>
-              <a:t>The graph below shows the player's nationality demographics related to their rankings. The bigger the bubble, the more players belong to that demographic. As we seen, there are a lot of English players which are also very high ranked, suggesting that the sport might be better developed there.</a:t>
-            </a:r>
-          </a:p>
-          <a:p>
-            <a:pPr algn="just"/>
-            <a:r>
-              <a:rPr lang="en-GB" sz="3600" noProof="0" dirty="0"/>
-              <a:t>It is also seen that there is one player in the Netherlands (Michael van Gerwen) which dominated the darts for a few years and is now </a:t>
-            </a:r>
-            <a:r>
-              <a:rPr lang="en-GB" sz="3600" dirty="0"/>
-              <a:t>also</a:t>
-            </a:r>
-            <a:r>
-              <a:rPr lang="en-GB" sz="3600" noProof="0" dirty="0"/>
-              <a:t> on a high-ranking position. Other countries like Germany, Japan, and Australia have representation, but their players are less frequent and frequent lower ranks.</a:t>
-            </a:r>
-          </a:p>
-        </p:txBody>
-      </p:sp>
-      <p:sp>
-        <p:nvSpPr>
-          <p:cNvPr id="40" name="TextBox 12">
-            <a:extLst>
-              <a:ext uri="{FF2B5EF4-FFF2-40B4-BE49-F238E27FC236}">
-                <a16:creationId xmlns:a16="http://schemas.microsoft.com/office/drawing/2014/main" id="{63BB22EC-8D4B-A18D-B295-4FF506706057}"/>
-              </a:ext>
-            </a:extLst>
-          </p:cNvPr>
-          <p:cNvSpPr txBox="1"/>
-          <p:nvPr/>
-        </p:nvSpPr>
-        <p:spPr>
-          <a:xfrm>
-            <a:off x="14888790" y="26908457"/>
-            <a:ext cx="14820022" cy="5632311"/>
-          </a:xfrm>
-          <a:prstGeom prst="rect">
-            <a:avLst/>
-          </a:prstGeom>
-          <a:noFill/>
-        </p:spPr>
-        <p:txBody>
-          <a:bodyPr wrap="square" rtlCol="0">
-            <a:spAutoFit/>
-          </a:bodyPr>
-          <a:lstStyle/>
-          <a:p>
-            <a:pPr algn="just"/>
-            <a:r>
-              <a:rPr lang="en-GB" sz="3600" noProof="0" dirty="0"/>
-              <a:t>The graphs below shows the player Rob Cross’ performance </a:t>
-            </a:r>
-            <a:r>
-              <a:rPr lang="en-GB" sz="3600" dirty="0"/>
-              <a:t>from</a:t>
-            </a:r>
-            <a:r>
-              <a:rPr lang="en-GB" sz="3600" noProof="0" dirty="0"/>
-              <a:t> 2017 to 2024. On the left is the number of throws and check out percentage respective of the double 1. This player is a good example of the phenomenon, where their check out percentage drops and therefore the number of throws on this double drops in a time-shifted manner, too. This is because the player noticed that this double field does not work that well for them, so they adjust their throws so that they didn't always end up with the previously bad double at the end of a leg anymore. On the right is the gradual average of  Rob Cross. The average collapse in 2020 can be explained by problems due to the </a:t>
-            </a:r>
-            <a:r>
-              <a:rPr lang="en-GB" sz="3600" noProof="0"/>
-              <a:t>Corona pandemic.</a:t>
-            </a:r>
-            <a:endParaRPr lang="en-GB" sz="3600" noProof="0" dirty="0"/>
-          </a:p>
-        </p:txBody>
-      </p:sp>
-      <p:sp>
-        <p:nvSpPr>
-          <p:cNvPr id="41" name="TextBox 12">
-            <a:extLst>
-              <a:ext uri="{FF2B5EF4-FFF2-40B4-BE49-F238E27FC236}">
-                <a16:creationId xmlns:a16="http://schemas.microsoft.com/office/drawing/2014/main" id="{5BE7297E-3034-BD2E-6B8F-DF1DC7731827}"/>
-              </a:ext>
-            </a:extLst>
-          </p:cNvPr>
-          <p:cNvSpPr txBox="1"/>
-          <p:nvPr/>
-        </p:nvSpPr>
-        <p:spPr>
-          <a:xfrm>
-            <a:off x="15002807" y="5016853"/>
-            <a:ext cx="9718014" cy="7848302"/>
-          </a:xfrm>
-          <a:prstGeom prst="rect">
-            <a:avLst/>
-          </a:prstGeom>
-          <a:noFill/>
-        </p:spPr>
-        <p:txBody>
-          <a:bodyPr wrap="square" rtlCol="0">
-            <a:spAutoFit/>
-          </a:bodyPr>
-          <a:lstStyle/>
-          <a:p>
-            <a:pPr algn="just"/>
-            <a:r>
-              <a:rPr lang="en-GB" sz="3600" dirty="0"/>
-              <a:t>A</a:t>
-            </a:r>
-            <a:r>
-              <a:rPr lang="en-GB" sz="3600" noProof="0" dirty="0"/>
-              <a:t> leg ends by hitting a double field, called a check out. With these come the statistics of the check out percentage. Other than in the check outs, doubles are usually not targeted. In this context, the distribution of throws on the different double fields was analysed.</a:t>
-            </a:r>
-          </a:p>
-          <a:p>
-            <a:pPr algn="just"/>
-            <a:r>
-              <a:rPr lang="en-GB" sz="3600" noProof="0" dirty="0"/>
-              <a:t>The upper pie chart shows that D20, D16, D10, and D8 are the most popular double fields. This makes sense, since if a throw on D20 or D16 fails, the player can target the double field with the value half as big as D10 or D8 to finish the leg with a check out. This can also be seen in the lower chart, where the most player's frequently thrown double field is the D20 for 71.1% and the D16 for 20.1%.</a:t>
-            </a:r>
-          </a:p>
-        </p:txBody>
-      </p:sp>
-      <p:sp>
-        <p:nvSpPr>
-          <p:cNvPr id="42" name="TextBox 12">
-            <a:extLst>
-              <a:ext uri="{FF2B5EF4-FFF2-40B4-BE49-F238E27FC236}">
-                <a16:creationId xmlns:a16="http://schemas.microsoft.com/office/drawing/2014/main" id="{7AFA065E-FC8B-3DF3-93B2-32320716FA2A}"/>
-              </a:ext>
-            </a:extLst>
-          </p:cNvPr>
-          <p:cNvSpPr txBox="1"/>
-          <p:nvPr/>
-        </p:nvSpPr>
-        <p:spPr>
-          <a:xfrm>
-            <a:off x="322615" y="15693327"/>
-            <a:ext cx="13869651" cy="6186309"/>
-          </a:xfrm>
-          <a:prstGeom prst="rect">
-            <a:avLst/>
-          </a:prstGeom>
-          <a:noFill/>
-        </p:spPr>
-        <p:txBody>
-          <a:bodyPr wrap="square" rtlCol="0">
-            <a:spAutoFit/>
-          </a:bodyPr>
-          <a:lstStyle/>
-          <a:p>
-            <a:pPr algn="just"/>
-            <a:r>
-              <a:rPr lang="en-GB" sz="3600" noProof="0" dirty="0"/>
-              <a:t>This question was asked, assuming that over time, the sport </a:t>
-            </a:r>
-            <a:r>
-              <a:rPr lang="en-GB" sz="3600" dirty="0"/>
-              <a:t>have</a:t>
-            </a:r>
-            <a:r>
-              <a:rPr lang="en-GB" sz="3600" noProof="0" dirty="0"/>
-              <a:t> reached a higher maturity level. Meaning the standards for the skill of players participating in the tournaments will rise with better strategies and better coaching. In this diagram, only the averages of the tournament's winners between 2000 and 2025 were looked at.</a:t>
-            </a:r>
-            <a:endParaRPr lang="en-GB" sz="3600" dirty="0"/>
-          </a:p>
-          <a:p>
-            <a:pPr algn="just"/>
-            <a:r>
-              <a:rPr lang="en-GB" sz="3600" noProof="0" dirty="0"/>
-              <a:t>The World Championship scores demonstrate greater volatility, with notable peaks around 2010 and 2017-2018 where </a:t>
-            </a:r>
-            <a:r>
-              <a:rPr lang="en-GB" sz="3600" dirty="0"/>
-              <a:t>an average of 106</a:t>
-            </a:r>
-            <a:r>
-              <a:rPr lang="en-GB" sz="3600" noProof="0" dirty="0"/>
-              <a:t> exceeded. All lines generally show an upward trend over time, which could also be seen because of the increasing regression line. The average scores generally range between 94 and 105. This validates the assumption the research came into existence with.</a:t>
-            </a:r>
-          </a:p>
-        </p:txBody>
-      </p:sp>
-      <p:pic>
-        <p:nvPicPr>
-          <p:cNvPr id="9" name="Grafik 8">
-            <a:extLst>
-              <a:ext uri="{FF2B5EF4-FFF2-40B4-BE49-F238E27FC236}">
-                <a16:creationId xmlns:a16="http://schemas.microsoft.com/office/drawing/2014/main" id="{A00E59CC-AEC8-DC98-4F7C-2745EBFB8C93}"/>
-              </a:ext>
-            </a:extLst>
-          </p:cNvPr>
-          <p:cNvPicPr>
-            <a:picLocks noChangeAspect="1"/>
-          </p:cNvPicPr>
-          <p:nvPr/>
-        </p:nvPicPr>
-        <p:blipFill>
-          <a:blip r:embed="rId10">
-            <a:extLst>
-              <a:ext uri="{28A0092B-C50C-407E-A947-70E740481C1C}">
-                <a14:useLocalDpi xmlns:a14="http://schemas.microsoft.com/office/drawing/2010/main" val="0"/>
-              </a:ext>
-            </a:extLst>
-          </a:blip>
-          <a:srcRect t="10394"/>
+          <a:srcRect l="880" t="10394" r="1185"/>
           <a:stretch/>
         </p:blipFill>
         <p:spPr>
           <a:xfrm>
-            <a:off x="3873075" y="21978349"/>
-            <a:ext cx="10319191" cy="4752179"/>
+            <a:off x="332241" y="15945475"/>
+            <a:ext cx="13839792" cy="6507905"/>
           </a:xfrm>
           <a:prstGeom prst="rect">
             <a:avLst/>
@@ -4593,4 +4824,319 @@
     </a:ext>
   </a:extLst>
 </a:theme>
+</file>
+
+<file path=ppt/theme/theme2.xml><?xml version="1.0" encoding="utf-8"?>
+<a:theme xmlns:a="http://schemas.openxmlformats.org/drawingml/2006/main" name="Office">
+  <a:themeElements>
+    <a:clrScheme name="Office">
+      <a:dk1>
+        <a:sysClr val="windowText" lastClr="000000"/>
+      </a:dk1>
+      <a:lt1>
+        <a:sysClr val="window" lastClr="FFFFFF"/>
+      </a:lt1>
+      <a:dk2>
+        <a:srgbClr val="0E2841"/>
+      </a:dk2>
+      <a:lt2>
+        <a:srgbClr val="E8E8E8"/>
+      </a:lt2>
+      <a:accent1>
+        <a:srgbClr val="156082"/>
+      </a:accent1>
+      <a:accent2>
+        <a:srgbClr val="E97132"/>
+      </a:accent2>
+      <a:accent3>
+        <a:srgbClr val="196B24"/>
+      </a:accent3>
+      <a:accent4>
+        <a:srgbClr val="0F9ED5"/>
+      </a:accent4>
+      <a:accent5>
+        <a:srgbClr val="A02B93"/>
+      </a:accent5>
+      <a:accent6>
+        <a:srgbClr val="4EA72E"/>
+      </a:accent6>
+      <a:hlink>
+        <a:srgbClr val="467886"/>
+      </a:hlink>
+      <a:folHlink>
+        <a:srgbClr val="96607D"/>
+      </a:folHlink>
+    </a:clrScheme>
+    <a:fontScheme name="Office">
+      <a:majorFont>
+        <a:latin typeface="Aptos Display" panose="02110004020202020204"/>
+        <a:ea typeface=""/>
+        <a:cs typeface=""/>
+        <a:font script="Jpan" typeface="游ゴシック Light"/>
+        <a:font script="Hang" typeface="맑은 고딕"/>
+        <a:font script="Hans" typeface="等线 Light"/>
+        <a:font script="Hant" typeface="新細明體"/>
+        <a:font script="Arab" typeface="Times New Roman"/>
+        <a:font script="Hebr" typeface="Times New Roman"/>
+        <a:font script="Thai" typeface="Angsana New"/>
+        <a:font script="Ethi" typeface="Nyala"/>
+        <a:font script="Beng" typeface="Vrinda"/>
+        <a:font script="Gujr" typeface="Shruti"/>
+        <a:font script="Khmr" typeface="MoolBoran"/>
+        <a:font script="Knda" typeface="Tunga"/>
+        <a:font script="Guru" typeface="Raavi"/>
+        <a:font script="Cans" typeface="Euphemia"/>
+        <a:font script="Cher" typeface="Plantagenet Cherokee"/>
+        <a:font script="Yiii" typeface="Microsoft Yi Baiti"/>
+        <a:font script="Tibt" typeface="Microsoft Himalaya"/>
+        <a:font script="Thaa" typeface="MV Boli"/>
+        <a:font script="Deva" typeface="Mangal"/>
+        <a:font script="Telu" typeface="Gautami"/>
+        <a:font script="Taml" typeface="Latha"/>
+        <a:font script="Syrc" typeface="Estrangelo Edessa"/>
+        <a:font script="Orya" typeface="Kalinga"/>
+        <a:font script="Mlym" typeface="Kartika"/>
+        <a:font script="Laoo" typeface="DokChampa"/>
+        <a:font script="Sinh" typeface="Iskoola Pota"/>
+        <a:font script="Mong" typeface="Mongolian Baiti"/>
+        <a:font script="Viet" typeface="Times New Roman"/>
+        <a:font script="Uigh" typeface="Microsoft Uighur"/>
+        <a:font script="Geor" typeface="Sylfaen"/>
+        <a:font script="Armn" typeface="Arial"/>
+        <a:font script="Bugi" typeface="Leelawadee UI"/>
+        <a:font script="Bopo" typeface="Microsoft JhengHei"/>
+        <a:font script="Java" typeface="Javanese Text"/>
+        <a:font script="Lisu" typeface="Segoe UI"/>
+        <a:font script="Mymr" typeface="Myanmar Text"/>
+        <a:font script="Nkoo" typeface="Ebrima"/>
+        <a:font script="Olck" typeface="Nirmala UI"/>
+        <a:font script="Osma" typeface="Ebrima"/>
+        <a:font script="Phag" typeface="Phagspa"/>
+        <a:font script="Syrn" typeface="Estrangelo Edessa"/>
+        <a:font script="Syrj" typeface="Estrangelo Edessa"/>
+        <a:font script="Syre" typeface="Estrangelo Edessa"/>
+        <a:font script="Sora" typeface="Nirmala UI"/>
+        <a:font script="Tale" typeface="Microsoft Tai Le"/>
+        <a:font script="Talu" typeface="Microsoft New Tai Lue"/>
+        <a:font script="Tfng" typeface="Ebrima"/>
+      </a:majorFont>
+      <a:minorFont>
+        <a:latin typeface="Aptos" panose="02110004020202020204"/>
+        <a:ea typeface=""/>
+        <a:cs typeface=""/>
+        <a:font script="Jpan" typeface="游ゴシック"/>
+        <a:font script="Hang" typeface="맑은 고딕"/>
+        <a:font script="Hans" typeface="等线"/>
+        <a:font script="Hant" typeface="新細明體"/>
+        <a:font script="Arab" typeface="Arial"/>
+        <a:font script="Hebr" typeface="Arial"/>
+        <a:font script="Thai" typeface="Cordia New"/>
+        <a:font script="Ethi" typeface="Nyala"/>
+        <a:font script="Beng" typeface="Vrinda"/>
+        <a:font script="Gujr" typeface="Shruti"/>
+        <a:font script="Khmr" typeface="DaunPenh"/>
+        <a:font script="Knda" typeface="Tunga"/>
+        <a:font script="Guru" typeface="Raavi"/>
+        <a:font script="Cans" typeface="Euphemia"/>
+        <a:font script="Cher" typeface="Plantagenet Cherokee"/>
+        <a:font script="Yiii" typeface="Microsoft Yi Baiti"/>
+        <a:font script="Tibt" typeface="Microsoft Himalaya"/>
+        <a:font script="Thaa" typeface="MV Boli"/>
+        <a:font script="Deva" typeface="Mangal"/>
+        <a:font script="Telu" typeface="Gautami"/>
+        <a:font script="Taml" typeface="Latha"/>
+        <a:font script="Syrc" typeface="Estrangelo Edessa"/>
+        <a:font script="Orya" typeface="Kalinga"/>
+        <a:font script="Mlym" typeface="Kartika"/>
+        <a:font script="Laoo" typeface="DokChampa"/>
+        <a:font script="Sinh" typeface="Iskoola Pota"/>
+        <a:font script="Mong" typeface="Mongolian Baiti"/>
+        <a:font script="Viet" typeface="Arial"/>
+        <a:font script="Uigh" typeface="Microsoft Uighur"/>
+        <a:font script="Geor" typeface="Sylfaen"/>
+        <a:font script="Armn" typeface="Arial"/>
+        <a:font script="Bugi" typeface="Leelawadee UI"/>
+        <a:font script="Bopo" typeface="Microsoft JhengHei"/>
+        <a:font script="Java" typeface="Javanese Text"/>
+        <a:font script="Lisu" typeface="Segoe UI"/>
+        <a:font script="Mymr" typeface="Myanmar Text"/>
+        <a:font script="Nkoo" typeface="Ebrima"/>
+        <a:font script="Olck" typeface="Nirmala UI"/>
+        <a:font script="Osma" typeface="Ebrima"/>
+        <a:font script="Phag" typeface="Phagspa"/>
+        <a:font script="Syrn" typeface="Estrangelo Edessa"/>
+        <a:font script="Syrj" typeface="Estrangelo Edessa"/>
+        <a:font script="Syre" typeface="Estrangelo Edessa"/>
+        <a:font script="Sora" typeface="Nirmala UI"/>
+        <a:font script="Tale" typeface="Microsoft Tai Le"/>
+        <a:font script="Talu" typeface="Microsoft New Tai Lue"/>
+        <a:font script="Tfng" typeface="Ebrima"/>
+      </a:minorFont>
+    </a:fontScheme>
+    <a:fmtScheme name="Office">
+      <a:fillStyleLst>
+        <a:solidFill>
+          <a:schemeClr val="phClr"/>
+        </a:solidFill>
+        <a:gradFill rotWithShape="1">
+          <a:gsLst>
+            <a:gs pos="0">
+              <a:schemeClr val="phClr">
+                <a:lumMod val="110000"/>
+                <a:satMod val="105000"/>
+                <a:tint val="67000"/>
+              </a:schemeClr>
+            </a:gs>
+            <a:gs pos="50000">
+              <a:schemeClr val="phClr">
+                <a:lumMod val="105000"/>
+                <a:satMod val="103000"/>
+                <a:tint val="73000"/>
+              </a:schemeClr>
+            </a:gs>
+            <a:gs pos="100000">
+              <a:schemeClr val="phClr">
+                <a:lumMod val="105000"/>
+                <a:satMod val="109000"/>
+                <a:tint val="81000"/>
+              </a:schemeClr>
+            </a:gs>
+          </a:gsLst>
+          <a:lin ang="5400000" scaled="0"/>
+        </a:gradFill>
+        <a:gradFill rotWithShape="1">
+          <a:gsLst>
+            <a:gs pos="0">
+              <a:schemeClr val="phClr">
+                <a:satMod val="103000"/>
+                <a:lumMod val="102000"/>
+                <a:tint val="94000"/>
+              </a:schemeClr>
+            </a:gs>
+            <a:gs pos="50000">
+              <a:schemeClr val="phClr">
+                <a:satMod val="110000"/>
+                <a:lumMod val="100000"/>
+                <a:shade val="100000"/>
+              </a:schemeClr>
+            </a:gs>
+            <a:gs pos="100000">
+              <a:schemeClr val="phClr">
+                <a:lumMod val="99000"/>
+                <a:satMod val="120000"/>
+                <a:shade val="78000"/>
+              </a:schemeClr>
+            </a:gs>
+          </a:gsLst>
+          <a:lin ang="5400000" scaled="0"/>
+        </a:gradFill>
+      </a:fillStyleLst>
+      <a:lnStyleLst>
+        <a:ln w="12700" cap="flat" cmpd="sng" algn="ctr">
+          <a:solidFill>
+            <a:schemeClr val="phClr"/>
+          </a:solidFill>
+          <a:prstDash val="solid"/>
+          <a:miter lim="800000"/>
+        </a:ln>
+        <a:ln w="19050" cap="flat" cmpd="sng" algn="ctr">
+          <a:solidFill>
+            <a:schemeClr val="phClr"/>
+          </a:solidFill>
+          <a:prstDash val="solid"/>
+          <a:miter lim="800000"/>
+        </a:ln>
+        <a:ln w="25400" cap="flat" cmpd="sng" algn="ctr">
+          <a:solidFill>
+            <a:schemeClr val="phClr"/>
+          </a:solidFill>
+          <a:prstDash val="solid"/>
+          <a:miter lim="800000"/>
+        </a:ln>
+      </a:lnStyleLst>
+      <a:effectStyleLst>
+        <a:effectStyle>
+          <a:effectLst/>
+        </a:effectStyle>
+        <a:effectStyle>
+          <a:effectLst/>
+        </a:effectStyle>
+        <a:effectStyle>
+          <a:effectLst>
+            <a:outerShdw blurRad="57150" dist="19050" dir="5400000" algn="ctr" rotWithShape="0">
+              <a:srgbClr val="000000">
+                <a:alpha val="63000"/>
+              </a:srgbClr>
+            </a:outerShdw>
+          </a:effectLst>
+        </a:effectStyle>
+      </a:effectStyleLst>
+      <a:bgFillStyleLst>
+        <a:solidFill>
+          <a:schemeClr val="phClr"/>
+        </a:solidFill>
+        <a:solidFill>
+          <a:schemeClr val="phClr">
+            <a:tint val="95000"/>
+            <a:satMod val="170000"/>
+          </a:schemeClr>
+        </a:solidFill>
+        <a:gradFill rotWithShape="1">
+          <a:gsLst>
+            <a:gs pos="0">
+              <a:schemeClr val="phClr">
+                <a:tint val="93000"/>
+                <a:satMod val="150000"/>
+                <a:shade val="98000"/>
+                <a:lumMod val="102000"/>
+              </a:schemeClr>
+            </a:gs>
+            <a:gs pos="50000">
+              <a:schemeClr val="phClr">
+                <a:tint val="98000"/>
+                <a:satMod val="130000"/>
+                <a:shade val="90000"/>
+                <a:lumMod val="103000"/>
+              </a:schemeClr>
+            </a:gs>
+            <a:gs pos="100000">
+              <a:schemeClr val="phClr">
+                <a:shade val="63000"/>
+                <a:satMod val="120000"/>
+              </a:schemeClr>
+            </a:gs>
+          </a:gsLst>
+          <a:lin ang="5400000" scaled="0"/>
+        </a:gradFill>
+      </a:bgFillStyleLst>
+    </a:fmtScheme>
+  </a:themeElements>
+  <a:objectDefaults>
+    <a:lnDef>
+      <a:spPr/>
+      <a:bodyPr/>
+      <a:lstStyle/>
+      <a:style>
+        <a:lnRef idx="2">
+          <a:schemeClr val="accent1"/>
+        </a:lnRef>
+        <a:fillRef idx="0">
+          <a:schemeClr val="accent1"/>
+        </a:fillRef>
+        <a:effectRef idx="1">
+          <a:schemeClr val="accent1"/>
+        </a:effectRef>
+        <a:fontRef idx="minor">
+          <a:schemeClr val="tx1"/>
+        </a:fontRef>
+      </a:style>
+    </a:lnDef>
+  </a:objectDefaults>
+  <a:extraClrSchemeLst/>
+  <a:extLst>
+    <a:ext uri="{05A4C25C-085E-4340-85A3-A5531E510DB2}">
+      <thm15:themeFamily xmlns:thm15="http://schemas.microsoft.com/office/thememl/2012/main" name="Office Theme" id="{2E142A2C-CD16-42D6-873A-C26D2A0506FA}" vid="{1BDDFF52-6CD6-40A5-AB3C-68EB2F1E4D0A}"/>
+    </a:ext>
+  </a:extLst>
+</a:theme>
 </file>
--- a/Poster/DSP_POSTER_TEMPLATE.pptx
+++ b/Poster/DSP_POSTER_TEMPLATE.pptx
@@ -3533,7 +3533,7 @@
         </p:nvSpPr>
         <p:spPr>
           <a:xfrm>
-            <a:off x="332240" y="3509836"/>
+            <a:off x="332240" y="3640464"/>
             <a:ext cx="4121790" cy="707886"/>
           </a:xfrm>
           <a:prstGeom prst="rect">
@@ -3577,7 +3577,7 @@
         </p:nvSpPr>
         <p:spPr>
           <a:xfrm>
-            <a:off x="332240" y="6158457"/>
+            <a:off x="332240" y="6289085"/>
             <a:ext cx="2849452" cy="707886"/>
           </a:xfrm>
           <a:prstGeom prst="rect">
@@ -3621,7 +3621,7 @@
         </p:nvSpPr>
         <p:spPr>
           <a:xfrm>
-            <a:off x="332240" y="4282524"/>
+            <a:off x="332240" y="4413152"/>
             <a:ext cx="13869655" cy="1815882"/>
           </a:xfrm>
           <a:prstGeom prst="rect">
@@ -3663,7 +3663,7 @@
         </p:nvSpPr>
         <p:spPr>
           <a:xfrm>
-            <a:off x="332241" y="6904148"/>
+            <a:off x="332241" y="7034776"/>
             <a:ext cx="13869651" cy="3539430"/>
           </a:xfrm>
           <a:prstGeom prst="rect">
@@ -3722,7 +3722,7 @@
         </p:nvSpPr>
         <p:spPr>
           <a:xfrm>
-            <a:off x="332241" y="10503629"/>
+            <a:off x="332241" y="10634257"/>
             <a:ext cx="2459119" cy="707886"/>
           </a:xfrm>
           <a:prstGeom prst="rect">
@@ -3761,7 +3761,7 @@
         </p:nvSpPr>
         <p:spPr>
           <a:xfrm>
-            <a:off x="332242" y="11279450"/>
+            <a:off x="332242" y="11410078"/>
             <a:ext cx="13839798" cy="646331"/>
           </a:xfrm>
           <a:prstGeom prst="rect">
@@ -3800,7 +3800,7 @@
         </p:nvSpPr>
         <p:spPr>
           <a:xfrm>
-            <a:off x="332241" y="22425984"/>
+            <a:off x="332241" y="22556612"/>
             <a:ext cx="13717978" cy="646331"/>
           </a:xfrm>
           <a:prstGeom prst="rect">
@@ -3844,7 +3844,7 @@
         </p:nvSpPr>
         <p:spPr>
           <a:xfrm>
-            <a:off x="15577790" y="3622017"/>
+            <a:off x="15577790" y="3752645"/>
             <a:ext cx="13695885" cy="1200329"/>
           </a:xfrm>
           <a:prstGeom prst="rect">
@@ -3890,7 +3890,7 @@
         </p:nvCxnSpPr>
         <p:spPr>
           <a:xfrm>
-            <a:off x="1029640" y="36469674"/>
+            <a:off x="1029640" y="35881848"/>
             <a:ext cx="27946350" cy="0"/>
           </a:xfrm>
           <a:prstGeom prst="line">
@@ -3931,8 +3931,8 @@
         </p:nvSpPr>
         <p:spPr>
           <a:xfrm>
-            <a:off x="15577784" y="14145180"/>
-            <a:ext cx="13810968" cy="646331"/>
+            <a:off x="15577782" y="13436381"/>
+            <a:ext cx="13695877" cy="646331"/>
           </a:xfrm>
           <a:prstGeom prst="rect">
             <a:avLst/>
@@ -3975,7 +3975,7 @@
         </p:nvSpPr>
         <p:spPr>
           <a:xfrm>
-            <a:off x="993600" y="36874004"/>
+            <a:off x="993600" y="36514777"/>
             <a:ext cx="2772747" cy="707886"/>
           </a:xfrm>
           <a:prstGeom prst="rect">
@@ -4014,7 +4014,7 @@
         </p:nvSpPr>
         <p:spPr>
           <a:xfrm>
-            <a:off x="4428771" y="36842583"/>
+            <a:off x="4428771" y="36483356"/>
             <a:ext cx="9733643" cy="2677656"/>
           </a:xfrm>
           <a:prstGeom prst="rect">
@@ -4138,8 +4138,8 @@
         </p:nvSpPr>
         <p:spPr>
           <a:xfrm>
-            <a:off x="15577784" y="24177261"/>
-            <a:ext cx="15034830" cy="646331"/>
+            <a:off x="15577782" y="23468462"/>
+            <a:ext cx="13717975" cy="646331"/>
           </a:xfrm>
           <a:prstGeom prst="rect">
             <a:avLst/>
@@ -4231,7 +4231,7 @@
         </p:blipFill>
         <p:spPr>
           <a:xfrm>
-            <a:off x="17152634" y="28356785"/>
+            <a:off x="17152632" y="27647986"/>
             <a:ext cx="10546190" cy="6896718"/>
           </a:xfrm>
           <a:prstGeom prst="rect">
@@ -4266,7 +4266,7 @@
         </p:blipFill>
         <p:spPr>
           <a:xfrm>
-            <a:off x="16724769" y="18389139"/>
+            <a:off x="16724767" y="17680340"/>
             <a:ext cx="11001195" cy="5788122"/>
           </a:xfrm>
           <a:prstGeom prst="rect">
@@ -4288,7 +4288,7 @@
         </p:nvSpPr>
         <p:spPr>
           <a:xfrm>
-            <a:off x="332242" y="23122057"/>
+            <a:off x="332242" y="23252685"/>
             <a:ext cx="13869650" cy="2677656"/>
           </a:xfrm>
           <a:prstGeom prst="rect">
@@ -4329,7 +4329,7 @@
         </p:nvSpPr>
         <p:spPr>
           <a:xfrm>
-            <a:off x="15577784" y="14849709"/>
+            <a:off x="15577782" y="14140910"/>
             <a:ext cx="13717975" cy="3539430"/>
           </a:xfrm>
           <a:prstGeom prst="rect">
@@ -4380,7 +4380,7 @@
         </p:nvSpPr>
         <p:spPr>
           <a:xfrm>
-            <a:off x="15577783" y="24823592"/>
+            <a:off x="15577781" y="24114793"/>
             <a:ext cx="13810951" cy="3539430"/>
           </a:xfrm>
           <a:prstGeom prst="rect">
@@ -4424,7 +4424,7 @@
         </p:nvSpPr>
         <p:spPr>
           <a:xfrm>
-            <a:off x="15577789" y="4816109"/>
+            <a:off x="15577789" y="4946737"/>
             <a:ext cx="13695881" cy="3539430"/>
           </a:xfrm>
           <a:prstGeom prst="rect">
@@ -4471,7 +4471,7 @@
         </p:nvSpPr>
         <p:spPr>
           <a:xfrm>
-            <a:off x="332241" y="11979111"/>
+            <a:off x="332241" y="12109739"/>
             <a:ext cx="13869651" cy="3970318"/>
           </a:xfrm>
           <a:prstGeom prst="rect">
@@ -4544,8 +4544,44 @@
         </p:blipFill>
         <p:spPr>
           <a:xfrm>
-            <a:off x="332241" y="15945475"/>
+            <a:off x="332241" y="16076103"/>
             <a:ext cx="13839792" cy="6507905"/>
+          </a:xfrm>
+          <a:prstGeom prst="rect">
+            <a:avLst/>
+          </a:prstGeom>
+        </p:spPr>
+      </p:pic>
+      <p:pic>
+        <p:nvPicPr>
+          <p:cNvPr id="6" name="Grafik 5">
+            <a:extLst>
+              <a:ext uri="{FF2B5EF4-FFF2-40B4-BE49-F238E27FC236}">
+                <a16:creationId xmlns:a16="http://schemas.microsoft.com/office/drawing/2014/main" id="{8D03429D-6AAA-FD14-4C3F-5EA124CEB207}"/>
+              </a:ext>
+            </a:extLst>
+          </p:cNvPr>
+          <p:cNvPicPr>
+            <a:picLocks noChangeAspect="1"/>
+          </p:cNvPicPr>
+          <p:nvPr/>
+        </p:nvPicPr>
+        <p:blipFill>
+          <a:blip r:embed="rId8">
+            <a:extLst>
+              <a:ext uri="{28A0092B-C50C-407E-A947-70E740481C1C}">
+                <a14:useLocalDpi xmlns:a14="http://schemas.microsoft.com/office/drawing/2010/main" val="0"/>
+              </a:ext>
+            </a:extLst>
+          </a:blip>
+          <a:stretch>
+            <a:fillRect/>
+          </a:stretch>
+        </p:blipFill>
+        <p:spPr>
+          <a:xfrm>
+            <a:off x="15577781" y="8468831"/>
+            <a:ext cx="13695879" cy="4868837"/>
           </a:xfrm>
           <a:prstGeom prst="rect">
             <a:avLst/>

--- a/Poster/DSP_POSTER_TEMPLATE.pptx
+++ b/Poster/DSP_POSTER_TEMPLATE.pptx
@@ -3533,7 +3533,7 @@
         </p:nvSpPr>
         <p:spPr>
           <a:xfrm>
-            <a:off x="332240" y="3640464"/>
+            <a:off x="330324" y="3827883"/>
             <a:ext cx="4121790" cy="707886"/>
           </a:xfrm>
           <a:prstGeom prst="rect">
@@ -3577,7 +3577,7 @@
         </p:nvSpPr>
         <p:spPr>
           <a:xfrm>
-            <a:off x="332240" y="6289085"/>
+            <a:off x="330324" y="9188062"/>
             <a:ext cx="2849452" cy="707886"/>
           </a:xfrm>
           <a:prstGeom prst="rect">
@@ -3621,7 +3621,7 @@
         </p:nvSpPr>
         <p:spPr>
           <a:xfrm>
-            <a:off x="332240" y="4413152"/>
+            <a:off x="330324" y="4600571"/>
             <a:ext cx="13869655" cy="1815882"/>
           </a:xfrm>
           <a:prstGeom prst="rect">
@@ -3663,7 +3663,7 @@
         </p:nvSpPr>
         <p:spPr>
           <a:xfrm>
-            <a:off x="332241" y="7034776"/>
+            <a:off x="330325" y="9933753"/>
             <a:ext cx="13869651" cy="3539430"/>
           </a:xfrm>
           <a:prstGeom prst="rect">
@@ -3722,7 +3722,7 @@
         </p:nvSpPr>
         <p:spPr>
           <a:xfrm>
-            <a:off x="332241" y="10634257"/>
+            <a:off x="330325" y="13533234"/>
             <a:ext cx="2459119" cy="707886"/>
           </a:xfrm>
           <a:prstGeom prst="rect">
@@ -3761,7 +3761,7 @@
         </p:nvSpPr>
         <p:spPr>
           <a:xfrm>
-            <a:off x="332242" y="11410078"/>
+            <a:off x="330326" y="14309055"/>
             <a:ext cx="13839798" cy="646331"/>
           </a:xfrm>
           <a:prstGeom prst="rect">
@@ -3800,7 +3800,7 @@
         </p:nvSpPr>
         <p:spPr>
           <a:xfrm>
-            <a:off x="332241" y="22556612"/>
+            <a:off x="330325" y="25889326"/>
             <a:ext cx="13717978" cy="646331"/>
           </a:xfrm>
           <a:prstGeom prst="rect">
@@ -3844,7 +3844,7 @@
         </p:nvSpPr>
         <p:spPr>
           <a:xfrm>
-            <a:off x="15577790" y="3752645"/>
+            <a:off x="15577790" y="3850616"/>
             <a:ext cx="13695885" cy="1200329"/>
           </a:xfrm>
           <a:prstGeom prst="rect">
@@ -3890,7 +3890,7 @@
         </p:nvCxnSpPr>
         <p:spPr>
           <a:xfrm>
-            <a:off x="1029640" y="35881848"/>
+            <a:off x="993600" y="36240710"/>
             <a:ext cx="27946350" cy="0"/>
           </a:xfrm>
           <a:prstGeom prst="line">
@@ -3931,7 +3931,7 @@
         </p:nvSpPr>
         <p:spPr>
           <a:xfrm>
-            <a:off x="15577782" y="13436381"/>
+            <a:off x="15577782" y="13534352"/>
             <a:ext cx="13695877" cy="646331"/>
           </a:xfrm>
           <a:prstGeom prst="rect">
@@ -3975,7 +3975,7 @@
         </p:nvSpPr>
         <p:spPr>
           <a:xfrm>
-            <a:off x="993600" y="36514777"/>
+            <a:off x="957560" y="36775668"/>
             <a:ext cx="2772747" cy="707886"/>
           </a:xfrm>
           <a:prstGeom prst="rect">
@@ -4014,7 +4014,7 @@
         </p:nvSpPr>
         <p:spPr>
           <a:xfrm>
-            <a:off x="4428771" y="36483356"/>
+            <a:off x="4392731" y="36744247"/>
             <a:ext cx="9733643" cy="2677656"/>
           </a:xfrm>
           <a:prstGeom prst="rect">
@@ -4138,7 +4138,7 @@
         </p:nvSpPr>
         <p:spPr>
           <a:xfrm>
-            <a:off x="15577782" y="23468462"/>
+            <a:off x="15577782" y="23566433"/>
             <a:ext cx="13717975" cy="646331"/>
           </a:xfrm>
           <a:prstGeom prst="rect">
@@ -4231,7 +4231,7 @@
         </p:blipFill>
         <p:spPr>
           <a:xfrm>
-            <a:off x="17152632" y="27647986"/>
+            <a:off x="17152632" y="27745957"/>
             <a:ext cx="10546190" cy="6896718"/>
           </a:xfrm>
           <a:prstGeom prst="rect">
@@ -4266,7 +4266,7 @@
         </p:blipFill>
         <p:spPr>
           <a:xfrm>
-            <a:off x="16724767" y="17680340"/>
+            <a:off x="16724767" y="17778311"/>
             <a:ext cx="11001195" cy="5788122"/>
           </a:xfrm>
           <a:prstGeom prst="rect">
@@ -4288,7 +4288,7 @@
         </p:nvSpPr>
         <p:spPr>
           <a:xfrm>
-            <a:off x="332242" y="23252685"/>
+            <a:off x="330326" y="26585399"/>
             <a:ext cx="13869650" cy="2677656"/>
           </a:xfrm>
           <a:prstGeom prst="rect">
@@ -4329,7 +4329,7 @@
         </p:nvSpPr>
         <p:spPr>
           <a:xfrm>
-            <a:off x="15577782" y="14140910"/>
+            <a:off x="15577782" y="14238881"/>
             <a:ext cx="13717975" cy="3539430"/>
           </a:xfrm>
           <a:prstGeom prst="rect">
@@ -4380,7 +4380,7 @@
         </p:nvSpPr>
         <p:spPr>
           <a:xfrm>
-            <a:off x="15577781" y="24114793"/>
+            <a:off x="15577781" y="24212764"/>
             <a:ext cx="13810951" cy="3539430"/>
           </a:xfrm>
           <a:prstGeom prst="rect">
@@ -4424,7 +4424,7 @@
         </p:nvSpPr>
         <p:spPr>
           <a:xfrm>
-            <a:off x="15577789" y="4946737"/>
+            <a:off x="15577789" y="5044708"/>
             <a:ext cx="13695881" cy="3539430"/>
           </a:xfrm>
           <a:prstGeom prst="rect">
@@ -4471,7 +4471,7 @@
         </p:nvSpPr>
         <p:spPr>
           <a:xfrm>
-            <a:off x="332241" y="12109739"/>
+            <a:off x="330325" y="15008716"/>
             <a:ext cx="13869651" cy="3970318"/>
           </a:xfrm>
           <a:prstGeom prst="rect">
@@ -4544,8 +4544,8 @@
         </p:blipFill>
         <p:spPr>
           <a:xfrm>
-            <a:off x="332241" y="16076103"/>
-            <a:ext cx="13839792" cy="6507905"/>
+            <a:off x="400762" y="19016149"/>
+            <a:ext cx="14510803" cy="6823435"/>
           </a:xfrm>
           <a:prstGeom prst="rect">
             <a:avLst/>
@@ -4580,8 +4580,44 @@
         </p:blipFill>
         <p:spPr>
           <a:xfrm>
-            <a:off x="15577781" y="8468831"/>
+            <a:off x="15577781" y="8566802"/>
             <a:ext cx="13695879" cy="4868837"/>
+          </a:xfrm>
+          <a:prstGeom prst="rect">
+            <a:avLst/>
+          </a:prstGeom>
+        </p:spPr>
+      </p:pic>
+      <p:pic>
+        <p:nvPicPr>
+          <p:cNvPr id="17" name="Grafik 16">
+            <a:extLst>
+              <a:ext uri="{FF2B5EF4-FFF2-40B4-BE49-F238E27FC236}">
+                <a16:creationId xmlns:a16="http://schemas.microsoft.com/office/drawing/2014/main" id="{4AFDDE6E-A053-97F2-69E9-EE7ABC1D5251}"/>
+              </a:ext>
+            </a:extLst>
+          </p:cNvPr>
+          <p:cNvPicPr>
+            <a:picLocks noChangeAspect="1"/>
+          </p:cNvPicPr>
+          <p:nvPr/>
+        </p:nvPicPr>
+        <p:blipFill>
+          <a:blip r:embed="rId9">
+            <a:extLst>
+              <a:ext uri="{28A0092B-C50C-407E-A947-70E740481C1C}">
+                <a14:useLocalDpi xmlns:a14="http://schemas.microsoft.com/office/drawing/2010/main" val="0"/>
+              </a:ext>
+            </a:extLst>
+          </a:blip>
+          <a:stretch>
+            <a:fillRect/>
+          </a:stretch>
+        </p:blipFill>
+        <p:spPr>
+          <a:xfrm>
+            <a:off x="330324" y="29301052"/>
+            <a:ext cx="13837816" cy="6191637"/>
           </a:xfrm>
           <a:prstGeom prst="rect">
             <a:avLst/>

--- a/Poster/DSP_POSTER_TEMPLATE.pptx
+++ b/Poster/DSP_POSTER_TEMPLATE.pptx
@@ -3422,6 +3422,41 @@
           <a:chExt cx="0" cy="0"/>
         </a:xfrm>
       </p:grpSpPr>
+      <p:pic>
+        <p:nvPicPr>
+          <p:cNvPr id="10" name="Grafik 9" descr="Ein Bild, das Karte, Text, Atlas enthält.&#10;&#10;KI-generierte Inhalte können fehlerhaft sein.">
+            <a:extLst>
+              <a:ext uri="{FF2B5EF4-FFF2-40B4-BE49-F238E27FC236}">
+                <a16:creationId xmlns:a16="http://schemas.microsoft.com/office/drawing/2014/main" id="{76B00B40-A79E-732F-5B4A-C840034D7D77}"/>
+              </a:ext>
+            </a:extLst>
+          </p:cNvPr>
+          <p:cNvPicPr>
+            <a:picLocks noChangeAspect="1"/>
+          </p:cNvPicPr>
+          <p:nvPr/>
+        </p:nvPicPr>
+        <p:blipFill>
+          <a:blip r:embed="rId4">
+            <a:extLst>
+              <a:ext uri="{28A0092B-C50C-407E-A947-70E740481C1C}">
+                <a14:useLocalDpi xmlns:a14="http://schemas.microsoft.com/office/drawing/2010/main" val="0"/>
+              </a:ext>
+            </a:extLst>
+          </a:blip>
+          <a:srcRect l="8376" t="3385" r="1575" b="6993"/>
+          <a:stretch/>
+        </p:blipFill>
+        <p:spPr>
+          <a:xfrm>
+            <a:off x="6778247" y="10140382"/>
+            <a:ext cx="7270056" cy="5143368"/>
+          </a:xfrm>
+          <a:prstGeom prst="rect">
+            <a:avLst/>
+          </a:prstGeom>
+        </p:spPr>
+      </p:pic>
       <p:cxnSp>
         <p:nvCxnSpPr>
           <p:cNvPr id="3" name="Straight Connector 2">
@@ -3533,7 +3568,7 @@
         </p:nvSpPr>
         <p:spPr>
           <a:xfrm>
-            <a:off x="330324" y="3827883"/>
+            <a:off x="330324" y="3319883"/>
             <a:ext cx="4121790" cy="707886"/>
           </a:xfrm>
           <a:prstGeom prst="rect">
@@ -3577,7 +3612,7 @@
         </p:nvSpPr>
         <p:spPr>
           <a:xfrm>
-            <a:off x="330324" y="9188062"/>
+            <a:off x="330324" y="5921050"/>
             <a:ext cx="2849452" cy="707886"/>
           </a:xfrm>
           <a:prstGeom prst="rect">
@@ -3621,7 +3656,7 @@
         </p:nvSpPr>
         <p:spPr>
           <a:xfrm>
-            <a:off x="330324" y="4600571"/>
+            <a:off x="330324" y="4092571"/>
             <a:ext cx="13869655" cy="1815882"/>
           </a:xfrm>
           <a:prstGeom prst="rect">
@@ -3663,7 +3698,7 @@
         </p:nvSpPr>
         <p:spPr>
           <a:xfrm>
-            <a:off x="330325" y="9933753"/>
+            <a:off x="330325" y="6666741"/>
             <a:ext cx="13869651" cy="3539430"/>
           </a:xfrm>
           <a:prstGeom prst="rect">
@@ -3693,7 +3728,24 @@
                 </a:solidFill>
                 <a:effectLst/>
               </a:rPr>
-              <a:t>Web scraping scripts were then developed and executed to extract structured data. This data consisted of player statistics, match results, and other relevant information. The extracted data was validated, cleaned, and stored in organized CSV files. In the next step, datasets were transformed to ensure correctness and consistency, addressing any missing values or errors manually. The final datasets were then analysed and visualized using appropriate graphical representations, forming the basis for answering the research questions</a:t>
+              <a:t>Web scraping scripts were then developed and executed to </a:t>
+            </a:r>
+            <a:r>
+              <a:rPr lang="en-GB" sz="2800" dirty="0">
+                <a:solidFill>
+                  <a:srgbClr val="31333F"/>
+                </a:solidFill>
+              </a:rPr>
+              <a:t>extract structured data. This data consisted of player statistics, match results, and other relevant information. The extracted data was validated, cleaned, and stored in organized CSV files. In the next step, datasets were transformed to ensure correctness and consistency, addressing any missing values or errors manually. The final datasets were then analysed and visualized using appropriate graphical representations, forming the basis for answering the research </a:t>
+            </a:r>
+            <a:r>
+              <a:rPr lang="en-GB" sz="2800" b="0" i="0" dirty="0">
+                <a:solidFill>
+                  <a:srgbClr val="31333F"/>
+                </a:solidFill>
+                <a:effectLst/>
+              </a:rPr>
+              <a:t>questions</a:t>
             </a:r>
             <a:r>
               <a:rPr lang="de-DE" sz="2800" b="0" i="0" dirty="0">
@@ -3722,7 +3774,7 @@
         </p:nvSpPr>
         <p:spPr>
           <a:xfrm>
-            <a:off x="330325" y="13533234"/>
+            <a:off x="330325" y="10293729"/>
             <a:ext cx="2459119" cy="707886"/>
           </a:xfrm>
           <a:prstGeom prst="rect">
@@ -3761,7 +3813,7 @@
         </p:nvSpPr>
         <p:spPr>
           <a:xfrm>
-            <a:off x="330326" y="14309055"/>
+            <a:off x="330326" y="15337080"/>
             <a:ext cx="13839798" cy="646331"/>
           </a:xfrm>
           <a:prstGeom prst="rect">
@@ -3800,7 +3852,7 @@
         </p:nvSpPr>
         <p:spPr>
           <a:xfrm>
-            <a:off x="330325" y="25889326"/>
+            <a:off x="330325" y="26536351"/>
             <a:ext cx="13717978" cy="646331"/>
           </a:xfrm>
           <a:prstGeom prst="rect">
@@ -3844,7 +3896,7 @@
         </p:nvSpPr>
         <p:spPr>
           <a:xfrm>
-            <a:off x="15577790" y="3850616"/>
+            <a:off x="15577790" y="3342616"/>
             <a:ext cx="13695885" cy="1200329"/>
           </a:xfrm>
           <a:prstGeom prst="rect">
@@ -3931,7 +3983,7 @@
         </p:nvSpPr>
         <p:spPr>
           <a:xfrm>
-            <a:off x="15577782" y="13534352"/>
+            <a:off x="15577782" y="13026352"/>
             <a:ext cx="13695877" cy="646331"/>
           </a:xfrm>
           <a:prstGeom prst="rect">
@@ -4138,7 +4190,7 @@
         </p:nvSpPr>
         <p:spPr>
           <a:xfrm>
-            <a:off x="15577782" y="23566433"/>
+            <a:off x="15577782" y="24533278"/>
             <a:ext cx="13717975" cy="646331"/>
           </a:xfrm>
           <a:prstGeom prst="rect">
@@ -4183,7 +4235,7 @@
           <p:nvPr/>
         </p:nvPicPr>
         <p:blipFill>
-          <a:blip r:embed="rId4">
+          <a:blip r:embed="rId5">
             <a:extLst>
               <a:ext uri="{28A0092B-C50C-407E-A947-70E740481C1C}">
                 <a14:useLocalDpi xmlns:a14="http://schemas.microsoft.com/office/drawing/2010/main" val="0"/>
@@ -4218,7 +4270,7 @@
           <p:nvPr/>
         </p:nvPicPr>
         <p:blipFill>
-          <a:blip r:embed="rId5">
+          <a:blip r:embed="rId6">
             <a:extLst>
               <a:ext uri="{28A0092B-C50C-407E-A947-70E740481C1C}">
                 <a14:useLocalDpi xmlns:a14="http://schemas.microsoft.com/office/drawing/2010/main" val="0"/>
@@ -4231,8 +4283,8 @@
         </p:blipFill>
         <p:spPr>
           <a:xfrm>
-            <a:off x="17152632" y="27745957"/>
-            <a:ext cx="10546190" cy="6896718"/>
+            <a:off x="16710176" y="28329340"/>
+            <a:ext cx="11597344" cy="7584124"/>
           </a:xfrm>
           <a:prstGeom prst="rect">
             <a:avLst/>
@@ -4254,7 +4306,7 @@
           <p:nvPr/>
         </p:nvPicPr>
         <p:blipFill>
-          <a:blip r:embed="rId6">
+          <a:blip r:embed="rId7">
             <a:extLst>
               <a:ext uri="{28A0092B-C50C-407E-A947-70E740481C1C}">
                 <a14:useLocalDpi xmlns:a14="http://schemas.microsoft.com/office/drawing/2010/main" val="0"/>
@@ -4266,8 +4318,8 @@
         </p:blipFill>
         <p:spPr>
           <a:xfrm>
-            <a:off x="16724767" y="17778311"/>
-            <a:ext cx="11001195" cy="5788122"/>
+            <a:off x="15810359" y="17388298"/>
+            <a:ext cx="13312899" cy="7004392"/>
           </a:xfrm>
           <a:prstGeom prst="rect">
             <a:avLst/>
@@ -4288,7 +4340,7 @@
         </p:nvSpPr>
         <p:spPr>
           <a:xfrm>
-            <a:off x="330326" y="26585399"/>
+            <a:off x="330326" y="27232424"/>
             <a:ext cx="13869650" cy="2677656"/>
           </a:xfrm>
           <a:prstGeom prst="rect">
@@ -4329,7 +4381,7 @@
         </p:nvSpPr>
         <p:spPr>
           <a:xfrm>
-            <a:off x="15577782" y="14238881"/>
+            <a:off x="15577782" y="13730881"/>
             <a:ext cx="13717975" cy="3539430"/>
           </a:xfrm>
           <a:prstGeom prst="rect">
@@ -4380,8 +4432,8 @@
         </p:nvSpPr>
         <p:spPr>
           <a:xfrm>
-            <a:off x="15577781" y="24212764"/>
-            <a:ext cx="13810951" cy="3539430"/>
+            <a:off x="15577781" y="25179609"/>
+            <a:ext cx="13810951" cy="3108543"/>
           </a:xfrm>
           <a:prstGeom prst="rect">
             <a:avLst/>
@@ -4405,7 +4457,7 @@
             </a:r>
             <a:r>
               <a:rPr lang="en-GB" sz="2800" noProof="0" dirty="0"/>
-              <a:t> 2017 to 2024. On the left is the number of throws and check out percentage respective of the double 1. This player is a good example of the phenomenon, where their check out percentage drops and therefore the number of throws on this double drops in a time-shifted manner, too. This is because the player noticed that this double field does not work that well for them, so they adjust their throws so that they didn't always end up with the previously bad double at the end of a leg anymore. On the right is the gradual average of Rob Cross. The average collapse in 2020 can be explained by problems due to the Corona pandemic.</a:t>
+              <a:t> 2017 to 2024. On the left is the number of throws and check out percentage respective of the double 1. This player is a good example of the phenomenon, where their check out percentage drops and therefore the number of throws on this double drops in a time-shifted manner, too. This is because the player noticed that this double field does not work that well for them, so they adjust their throws so that they didn't always end up with the previously bad double at the end of a leg anymore. On the right is the gradual average of Rob Cross.</a:t>
             </a:r>
           </a:p>
         </p:txBody>
@@ -4424,7 +4476,7 @@
         </p:nvSpPr>
         <p:spPr>
           <a:xfrm>
-            <a:off x="15577789" y="5044708"/>
+            <a:off x="15577789" y="4536708"/>
             <a:ext cx="13695881" cy="3539430"/>
           </a:xfrm>
           <a:prstGeom prst="rect">
@@ -4471,7 +4523,7 @@
         </p:nvSpPr>
         <p:spPr>
           <a:xfrm>
-            <a:off x="330325" y="15008716"/>
+            <a:off x="330325" y="16036741"/>
             <a:ext cx="13869651" cy="3970318"/>
           </a:xfrm>
           <a:prstGeom prst="rect">
@@ -4523,41 +4575,6 @@
             <a:extLst>
               <a:ext uri="{FF2B5EF4-FFF2-40B4-BE49-F238E27FC236}">
                 <a16:creationId xmlns:a16="http://schemas.microsoft.com/office/drawing/2014/main" id="{A00E59CC-AEC8-DC98-4F7C-2745EBFB8C93}"/>
-              </a:ext>
-            </a:extLst>
-          </p:cNvPr>
-          <p:cNvPicPr>
-            <a:picLocks noChangeAspect="1"/>
-          </p:cNvPicPr>
-          <p:nvPr/>
-        </p:nvPicPr>
-        <p:blipFill>
-          <a:blip r:embed="rId7">
-            <a:extLst>
-              <a:ext uri="{28A0092B-C50C-407E-A947-70E740481C1C}">
-                <a14:useLocalDpi xmlns:a14="http://schemas.microsoft.com/office/drawing/2010/main" val="0"/>
-              </a:ext>
-            </a:extLst>
-          </a:blip>
-          <a:srcRect l="880" t="10394" r="1185"/>
-          <a:stretch/>
-        </p:blipFill>
-        <p:spPr>
-          <a:xfrm>
-            <a:off x="400762" y="19016149"/>
-            <a:ext cx="14510803" cy="6823435"/>
-          </a:xfrm>
-          <a:prstGeom prst="rect">
-            <a:avLst/>
-          </a:prstGeom>
-        </p:spPr>
-      </p:pic>
-      <p:pic>
-        <p:nvPicPr>
-          <p:cNvPr id="6" name="Grafik 5">
-            <a:extLst>
-              <a:ext uri="{FF2B5EF4-FFF2-40B4-BE49-F238E27FC236}">
-                <a16:creationId xmlns:a16="http://schemas.microsoft.com/office/drawing/2014/main" id="{8D03429D-6AAA-FD14-4C3F-5EA124CEB207}"/>
               </a:ext>
             </a:extLst>
           </p:cNvPr>
@@ -4574,14 +4591,13 @@
               </a:ext>
             </a:extLst>
           </a:blip>
-          <a:stretch>
-            <a:fillRect/>
-          </a:stretch>
+          <a:srcRect l="880" t="10394" r="1185"/>
+          <a:stretch/>
         </p:blipFill>
         <p:spPr>
           <a:xfrm>
-            <a:off x="15577781" y="8566802"/>
-            <a:ext cx="13695879" cy="4868837"/>
+            <a:off x="400763" y="19964663"/>
+            <a:ext cx="13869650" cy="6521945"/>
           </a:xfrm>
           <a:prstGeom prst="rect">
             <a:avLst/>
@@ -4590,10 +4606,10 @@
       </p:pic>
       <p:pic>
         <p:nvPicPr>
-          <p:cNvPr id="17" name="Grafik 16">
+          <p:cNvPr id="6" name="Grafik 5">
             <a:extLst>
               <a:ext uri="{FF2B5EF4-FFF2-40B4-BE49-F238E27FC236}">
-                <a16:creationId xmlns:a16="http://schemas.microsoft.com/office/drawing/2014/main" id="{4AFDDE6E-A053-97F2-69E9-EE7ABC1D5251}"/>
+                <a16:creationId xmlns:a16="http://schemas.microsoft.com/office/drawing/2014/main" id="{8D03429D-6AAA-FD14-4C3F-5EA124CEB207}"/>
               </a:ext>
             </a:extLst>
           </p:cNvPr>
@@ -4616,14 +4632,134 @@
         </p:blipFill>
         <p:spPr>
           <a:xfrm>
-            <a:off x="330324" y="29301052"/>
-            <a:ext cx="13837816" cy="6191637"/>
+            <a:off x="15577781" y="8058802"/>
+            <a:ext cx="13695879" cy="4868837"/>
           </a:xfrm>
           <a:prstGeom prst="rect">
             <a:avLst/>
           </a:prstGeom>
         </p:spPr>
       </p:pic>
+      <p:pic>
+        <p:nvPicPr>
+          <p:cNvPr id="17" name="Grafik 16">
+            <a:extLst>
+              <a:ext uri="{FF2B5EF4-FFF2-40B4-BE49-F238E27FC236}">
+                <a16:creationId xmlns:a16="http://schemas.microsoft.com/office/drawing/2014/main" id="{4AFDDE6E-A053-97F2-69E9-EE7ABC1D5251}"/>
+              </a:ext>
+            </a:extLst>
+          </p:cNvPr>
+          <p:cNvPicPr>
+            <a:picLocks noChangeAspect="1"/>
+          </p:cNvPicPr>
+          <p:nvPr/>
+        </p:nvPicPr>
+        <p:blipFill>
+          <a:blip r:embed="rId10">
+            <a:extLst>
+              <a:ext uri="{28A0092B-C50C-407E-A947-70E740481C1C}">
+                <a14:useLocalDpi xmlns:a14="http://schemas.microsoft.com/office/drawing/2010/main" val="0"/>
+              </a:ext>
+            </a:extLst>
+          </a:blip>
+          <a:stretch>
+            <a:fillRect/>
+          </a:stretch>
+        </p:blipFill>
+        <p:spPr>
+          <a:xfrm>
+            <a:off x="330324" y="29948077"/>
+            <a:ext cx="13837816" cy="6191637"/>
+          </a:xfrm>
+          <a:prstGeom prst="rect">
+            <a:avLst/>
+          </a:prstGeom>
+        </p:spPr>
+      </p:pic>
+      <p:sp>
+        <p:nvSpPr>
+          <p:cNvPr id="19" name="TextBox 11">
+            <a:extLst>
+              <a:ext uri="{FF2B5EF4-FFF2-40B4-BE49-F238E27FC236}">
+                <a16:creationId xmlns:a16="http://schemas.microsoft.com/office/drawing/2014/main" id="{192578EF-F9AF-6473-80A5-228C699551E6}"/>
+              </a:ext>
+            </a:extLst>
+          </p:cNvPr>
+          <p:cNvSpPr txBox="1"/>
+          <p:nvPr/>
+        </p:nvSpPr>
+        <p:spPr>
+          <a:xfrm>
+            <a:off x="400763" y="12190525"/>
+            <a:ext cx="5787121" cy="3108543"/>
+          </a:xfrm>
+          <a:prstGeom prst="rect">
+            <a:avLst/>
+          </a:prstGeom>
+          <a:noFill/>
+        </p:spPr>
+        <p:txBody>
+          <a:bodyPr wrap="square" rtlCol="0">
+            <a:spAutoFit/>
+          </a:bodyPr>
+          <a:lstStyle/>
+          <a:p>
+            <a:pPr algn="just"/>
+            <a:r>
+              <a:rPr lang="en-US" sz="2800" dirty="0">
+                <a:solidFill>
+                  <a:srgbClr val="31333F"/>
+                </a:solidFill>
+              </a:rPr>
+              <a:t>There is a big discrepancy of tournaments held in the United Kingdom and Germany in comparison to the other countries. This shows that there is a much bigger influence on darts in Europe than in the rest of the world.</a:t>
+            </a:r>
+          </a:p>
+        </p:txBody>
+      </p:sp>
+      <p:sp>
+        <p:nvSpPr>
+          <p:cNvPr id="20" name="TextBox 14">
+            <a:extLst>
+              <a:ext uri="{FF2B5EF4-FFF2-40B4-BE49-F238E27FC236}">
+                <a16:creationId xmlns:a16="http://schemas.microsoft.com/office/drawing/2014/main" id="{F71A404E-7EBB-6320-25EB-062964C1496E}"/>
+              </a:ext>
+            </a:extLst>
+          </p:cNvPr>
+          <p:cNvSpPr txBox="1"/>
+          <p:nvPr/>
+        </p:nvSpPr>
+        <p:spPr>
+          <a:xfrm>
+            <a:off x="345251" y="11089173"/>
+            <a:ext cx="6777444" cy="1044581"/>
+          </a:xfrm>
+          <a:prstGeom prst="rect">
+            <a:avLst/>
+          </a:prstGeom>
+          <a:noFill/>
+        </p:spPr>
+        <p:txBody>
+          <a:bodyPr wrap="square" rtlCol="0">
+            <a:spAutoFit/>
+          </a:bodyPr>
+          <a:lstStyle/>
+          <a:p>
+            <a:pPr>
+              <a:lnSpc>
+                <a:spcPts val="3700"/>
+              </a:lnSpc>
+            </a:pPr>
+            <a:r>
+              <a:rPr lang="en-GB" sz="3600" dirty="0">
+                <a:solidFill>
+                  <a:srgbClr val="9B0A7D"/>
+                </a:solidFill>
+              </a:rPr>
+              <a:t>How do the tournament’s locations are distributed?</a:t>
+            </a:r>
+          </a:p>
+        </p:txBody>
+      </p:sp>
     </p:spTree>
     <p:extLst>
       <p:ext uri="{BB962C8B-B14F-4D97-AF65-F5344CB8AC3E}">

--- a/Poster/DSP_POSTER_TEMPLATE.pptx
+++ b/Poster/DSP_POSTER_TEMPLATE.pptx
@@ -3449,7 +3449,7 @@
         </p:blipFill>
         <p:spPr>
           <a:xfrm>
-            <a:off x="6778247" y="10140382"/>
+            <a:off x="6944850" y="10140382"/>
             <a:ext cx="7270056" cy="5143368"/>
           </a:xfrm>
           <a:prstGeom prst="rect">
@@ -3612,7 +3612,7 @@
         </p:nvSpPr>
         <p:spPr>
           <a:xfrm>
-            <a:off x="330324" y="5921050"/>
+            <a:off x="400763" y="5920925"/>
             <a:ext cx="2849452" cy="707886"/>
           </a:xfrm>
           <a:prstGeom prst="rect">
@@ -3656,7 +3656,7 @@
         </p:nvSpPr>
         <p:spPr>
           <a:xfrm>
-            <a:off x="330324" y="4092571"/>
+            <a:off x="345251" y="4076783"/>
             <a:ext cx="13869655" cy="1815882"/>
           </a:xfrm>
           <a:prstGeom prst="rect">
@@ -3698,7 +3698,7 @@
         </p:nvSpPr>
         <p:spPr>
           <a:xfrm>
-            <a:off x="330325" y="6666741"/>
+            <a:off x="400762" y="6666741"/>
             <a:ext cx="13869651" cy="3539430"/>
           </a:xfrm>
           <a:prstGeom prst="rect">
@@ -3774,7 +3774,7 @@
         </p:nvSpPr>
         <p:spPr>
           <a:xfrm>
-            <a:off x="330325" y="10293729"/>
+            <a:off x="400762" y="10293729"/>
             <a:ext cx="2459119" cy="707886"/>
           </a:xfrm>
           <a:prstGeom prst="rect">
@@ -3813,7 +3813,7 @@
         </p:nvSpPr>
         <p:spPr>
           <a:xfrm>
-            <a:off x="330326" y="15337080"/>
+            <a:off x="345252" y="15339912"/>
             <a:ext cx="13839798" cy="646331"/>
           </a:xfrm>
           <a:prstGeom prst="rect">
@@ -3852,7 +3852,7 @@
         </p:nvSpPr>
         <p:spPr>
           <a:xfrm>
-            <a:off x="330325" y="26536351"/>
+            <a:off x="345251" y="26536350"/>
             <a:ext cx="13717978" cy="646331"/>
           </a:xfrm>
           <a:prstGeom prst="rect">
@@ -4340,7 +4340,7 @@
         </p:nvSpPr>
         <p:spPr>
           <a:xfrm>
-            <a:off x="330326" y="27232424"/>
+            <a:off x="345256" y="27229649"/>
             <a:ext cx="13869650" cy="2677656"/>
           </a:xfrm>
           <a:prstGeom prst="rect">
@@ -4523,8 +4523,8 @@
         </p:nvSpPr>
         <p:spPr>
           <a:xfrm>
-            <a:off x="330325" y="16036741"/>
-            <a:ext cx="13869651" cy="3970318"/>
+            <a:off x="345251" y="16035985"/>
+            <a:ext cx="13940086" cy="3970318"/>
           </a:xfrm>
           <a:prstGeom prst="rect">
             <a:avLst/>
@@ -4668,7 +4668,7 @@
         </p:blipFill>
         <p:spPr>
           <a:xfrm>
-            <a:off x="330324" y="29948077"/>
+            <a:off x="396386" y="29941882"/>
             <a:ext cx="13837816" cy="6191637"/>
           </a:xfrm>
           <a:prstGeom prst="rect">
@@ -4690,8 +4690,8 @@
         </p:nvSpPr>
         <p:spPr>
           <a:xfrm>
-            <a:off x="400763" y="12190525"/>
-            <a:ext cx="5787121" cy="3108543"/>
+            <a:off x="400764" y="12133754"/>
+            <a:ext cx="6155373" cy="2677656"/>
           </a:xfrm>
           <a:prstGeom prst="rect">
             <a:avLst/>
@@ -4730,7 +4730,7 @@
         </p:nvSpPr>
         <p:spPr>
           <a:xfrm>
-            <a:off x="345251" y="11089173"/>
+            <a:off x="391687" y="11089173"/>
             <a:ext cx="6777444" cy="1044581"/>
           </a:xfrm>
           <a:prstGeom prst="rect">

--- a/Poster/DSP_POSTER_TEMPLATE.pptx
+++ b/Poster/DSP_POSTER_TEMPLATE.pptx
@@ -3422,12 +3422,775 @@
           <a:chExt cx="0" cy="0"/>
         </a:xfrm>
       </p:grpSpPr>
+      <p:cxnSp>
+        <p:nvCxnSpPr>
+          <p:cNvPr id="3" name="Straight Connector 2">
+            <a:extLst>
+              <a:ext uri="{FF2B5EF4-FFF2-40B4-BE49-F238E27FC236}">
+                <a16:creationId xmlns:a16="http://schemas.microsoft.com/office/drawing/2014/main" id="{42387B42-F36C-836F-9ED8-B95945B739B5}"/>
+              </a:ext>
+            </a:extLst>
+          </p:cNvPr>
+          <p:cNvCxnSpPr>
+            <a:cxnSpLocks/>
+          </p:cNvCxnSpPr>
+          <p:nvPr/>
+        </p:nvCxnSpPr>
+        <p:spPr>
+          <a:xfrm>
+            <a:off x="15133637" y="3013081"/>
+            <a:ext cx="0" cy="31546800"/>
+          </a:xfrm>
+          <a:prstGeom prst="line">
+            <a:avLst/>
+          </a:prstGeom>
+          <a:ln w="76200">
+            <a:solidFill>
+              <a:schemeClr val="tx1"/>
+            </a:solidFill>
+          </a:ln>
+        </p:spPr>
+        <p:style>
+          <a:lnRef idx="1">
+            <a:schemeClr val="accent1"/>
+          </a:lnRef>
+          <a:fillRef idx="0">
+            <a:schemeClr val="accent1"/>
+          </a:fillRef>
+          <a:effectRef idx="0">
+            <a:schemeClr val="accent1"/>
+          </a:effectRef>
+          <a:fontRef idx="minor">
+            <a:schemeClr val="tx1"/>
+          </a:fontRef>
+        </p:style>
+      </p:cxnSp>
+      <p:sp>
+        <p:nvSpPr>
+          <p:cNvPr id="7" name="TextBox 6">
+            <a:extLst>
+              <a:ext uri="{FF2B5EF4-FFF2-40B4-BE49-F238E27FC236}">
+                <a16:creationId xmlns:a16="http://schemas.microsoft.com/office/drawing/2014/main" id="{E2201D5D-7820-9E1D-677F-49898A114032}"/>
+              </a:ext>
+            </a:extLst>
+          </p:cNvPr>
+          <p:cNvSpPr txBox="1"/>
+          <p:nvPr/>
+        </p:nvSpPr>
+        <p:spPr>
+          <a:xfrm>
+            <a:off x="993600" y="457200"/>
+            <a:ext cx="20151900" cy="2092881"/>
+          </a:xfrm>
+          <a:prstGeom prst="rect">
+            <a:avLst/>
+          </a:prstGeom>
+          <a:noFill/>
+        </p:spPr>
+        <p:txBody>
+          <a:bodyPr wrap="square" rtlCol="0">
+            <a:spAutoFit/>
+          </a:bodyPr>
+          <a:lstStyle/>
+          <a:p>
+            <a:r>
+              <a:rPr lang="en-US" sz="8000" b="1" dirty="0">
+                <a:solidFill>
+                  <a:schemeClr val="bg1"/>
+                </a:solidFill>
+              </a:rPr>
+              <a:t>Data Science Project - Darts</a:t>
+            </a:r>
+          </a:p>
+          <a:p>
+            <a:r>
+              <a:rPr lang="en-US" sz="5000" b="1" dirty="0">
+                <a:solidFill>
+                  <a:schemeClr val="bg1"/>
+                </a:solidFill>
+              </a:rPr>
+              <a:t>Emilie Terhaar, Sara Rolfs, Tyra Kausch</a:t>
+            </a:r>
+            <a:endParaRPr lang="en-US" sz="5000" b="1" noProof="0" dirty="0">
+              <a:solidFill>
+                <a:schemeClr val="bg1"/>
+              </a:solidFill>
+            </a:endParaRPr>
+          </a:p>
+        </p:txBody>
+      </p:sp>
+      <p:sp>
+        <p:nvSpPr>
+          <p:cNvPr id="8" name="TextBox 7">
+            <a:extLst>
+              <a:ext uri="{FF2B5EF4-FFF2-40B4-BE49-F238E27FC236}">
+                <a16:creationId xmlns:a16="http://schemas.microsoft.com/office/drawing/2014/main" id="{158C8AA4-8D9F-2515-7738-19AD15C39734}"/>
+              </a:ext>
+            </a:extLst>
+          </p:cNvPr>
+          <p:cNvSpPr txBox="1"/>
+          <p:nvPr/>
+        </p:nvSpPr>
+        <p:spPr>
+          <a:xfrm>
+            <a:off x="330324" y="3319883"/>
+            <a:ext cx="4121790" cy="707886"/>
+          </a:xfrm>
+          <a:prstGeom prst="rect">
+            <a:avLst/>
+          </a:prstGeom>
+          <a:noFill/>
+        </p:spPr>
+        <p:txBody>
+          <a:bodyPr wrap="square" rtlCol="0">
+            <a:spAutoFit/>
+          </a:bodyPr>
+          <a:lstStyle/>
+          <a:p>
+            <a:r>
+              <a:rPr lang="tr-TR" sz="4000" dirty="0">
+                <a:solidFill>
+                  <a:srgbClr val="9B0A7D"/>
+                </a:solidFill>
+              </a:rPr>
+              <a:t>Introduction</a:t>
+            </a:r>
+            <a:endParaRPr lang="en-US" sz="4000" dirty="0">
+              <a:solidFill>
+                <a:srgbClr val="9B0A7D"/>
+              </a:solidFill>
+            </a:endParaRPr>
+          </a:p>
+        </p:txBody>
+      </p:sp>
+      <p:sp>
+        <p:nvSpPr>
+          <p:cNvPr id="11" name="TextBox 10">
+            <a:extLst>
+              <a:ext uri="{FF2B5EF4-FFF2-40B4-BE49-F238E27FC236}">
+                <a16:creationId xmlns:a16="http://schemas.microsoft.com/office/drawing/2014/main" id="{1BA2113C-060E-3D4A-50AD-BE40CF2F9BC2}"/>
+              </a:ext>
+            </a:extLst>
+          </p:cNvPr>
+          <p:cNvSpPr txBox="1"/>
+          <p:nvPr/>
+        </p:nvSpPr>
+        <p:spPr>
+          <a:xfrm>
+            <a:off x="400763" y="5920925"/>
+            <a:ext cx="2849452" cy="707886"/>
+          </a:xfrm>
+          <a:prstGeom prst="rect">
+            <a:avLst/>
+          </a:prstGeom>
+          <a:noFill/>
+        </p:spPr>
+        <p:txBody>
+          <a:bodyPr wrap="square" rtlCol="0">
+            <a:spAutoFit/>
+          </a:bodyPr>
+          <a:lstStyle/>
+          <a:p>
+            <a:r>
+              <a:rPr lang="tr-TR" sz="4000" dirty="0">
+                <a:solidFill>
+                  <a:srgbClr val="9B0A7D"/>
+                </a:solidFill>
+              </a:rPr>
+              <a:t>Method</a:t>
+            </a:r>
+            <a:endParaRPr lang="en-US" sz="4000" dirty="0">
+              <a:solidFill>
+                <a:srgbClr val="9B0A7D"/>
+              </a:solidFill>
+            </a:endParaRPr>
+          </a:p>
+        </p:txBody>
+      </p:sp>
+      <p:sp>
+        <p:nvSpPr>
+          <p:cNvPr id="12" name="TextBox 11">
+            <a:extLst>
+              <a:ext uri="{FF2B5EF4-FFF2-40B4-BE49-F238E27FC236}">
+                <a16:creationId xmlns:a16="http://schemas.microsoft.com/office/drawing/2014/main" id="{D3DEFD8F-C82F-AC12-F9CB-C102D2395058}"/>
+              </a:ext>
+            </a:extLst>
+          </p:cNvPr>
+          <p:cNvSpPr txBox="1"/>
+          <p:nvPr/>
+        </p:nvSpPr>
+        <p:spPr>
+          <a:xfrm>
+            <a:off x="345251" y="4076783"/>
+            <a:ext cx="13869655" cy="1815882"/>
+          </a:xfrm>
+          <a:prstGeom prst="rect">
+            <a:avLst/>
+          </a:prstGeom>
+          <a:noFill/>
+        </p:spPr>
+        <p:txBody>
+          <a:bodyPr wrap="square" rtlCol="0">
+            <a:spAutoFit/>
+          </a:bodyPr>
+          <a:lstStyle/>
+          <a:p>
+            <a:pPr algn="just"/>
+            <a:r>
+              <a:rPr lang="en-GB" sz="2800" b="0" i="0" dirty="0">
+                <a:solidFill>
+                  <a:srgbClr val="31333F"/>
+                </a:solidFill>
+                <a:effectLst/>
+              </a:rPr>
+              <a:t>This project dives into the world of darts using data science techniques to uncover fascinating insights. It aims to transform raw data into structured datasets suitable for visualization and analysis. The goal is to answer predefined research questions by gathering data from multiple sources, processing it, and generating analytical datasets.</a:t>
+            </a:r>
+            <a:endParaRPr lang="en-US" sz="2800" dirty="0"/>
+          </a:p>
+        </p:txBody>
+      </p:sp>
+      <p:sp>
+        <p:nvSpPr>
+          <p:cNvPr id="13" name="TextBox 12">
+            <a:extLst>
+              <a:ext uri="{FF2B5EF4-FFF2-40B4-BE49-F238E27FC236}">
+                <a16:creationId xmlns:a16="http://schemas.microsoft.com/office/drawing/2014/main" id="{CAD1F969-B5D1-7AB9-F03F-8C847A83CE31}"/>
+              </a:ext>
+            </a:extLst>
+          </p:cNvPr>
+          <p:cNvSpPr txBox="1"/>
+          <p:nvPr/>
+        </p:nvSpPr>
+        <p:spPr>
+          <a:xfrm>
+            <a:off x="400762" y="6666741"/>
+            <a:ext cx="13869651" cy="3539430"/>
+          </a:xfrm>
+          <a:prstGeom prst="rect">
+            <a:avLst/>
+          </a:prstGeom>
+          <a:noFill/>
+        </p:spPr>
+        <p:txBody>
+          <a:bodyPr wrap="square" rtlCol="0">
+            <a:spAutoFit/>
+          </a:bodyPr>
+          <a:lstStyle/>
+          <a:p>
+            <a:pPr algn="just"/>
+            <a:r>
+              <a:rPr lang="en-US" sz="2800" noProof="0" dirty="0"/>
+              <a:t>The research questions – of which a few are represented on this poster – were formulated </a:t>
+            </a:r>
+            <a:r>
+              <a:rPr lang="en-US" sz="2800" dirty="0"/>
+              <a:t>while looking ahead at available data sources. </a:t>
+            </a:r>
+            <a:r>
+              <a:rPr lang="en-GB" sz="2800" b="0" i="0" dirty="0">
+                <a:solidFill>
+                  <a:srgbClr val="31333F"/>
+                </a:solidFill>
+                <a:effectLst/>
+              </a:rPr>
+              <a:t>Web scraping scripts were then developed and executed to </a:t>
+            </a:r>
+            <a:r>
+              <a:rPr lang="en-GB" sz="2800" dirty="0">
+                <a:solidFill>
+                  <a:srgbClr val="31333F"/>
+                </a:solidFill>
+              </a:rPr>
+              <a:t>extract structured data. This data consisted of player statistics, match results, and other relevant information. The extracted data was validated, cleaned, and stored in organized CSV files. In the next step, datasets were transformed to ensure correctness and consistency, addressing any missing values or errors manually. The final datasets were then analysed and visualized using appropriate graphical representations, forming the basis for answering the research </a:t>
+            </a:r>
+            <a:r>
+              <a:rPr lang="en-GB" sz="2800" b="0" i="0" dirty="0">
+                <a:solidFill>
+                  <a:srgbClr val="31333F"/>
+                </a:solidFill>
+                <a:effectLst/>
+              </a:rPr>
+              <a:t>questions</a:t>
+            </a:r>
+            <a:r>
+              <a:rPr lang="de-DE" sz="2800" b="0" i="0" dirty="0">
+                <a:solidFill>
+                  <a:srgbClr val="31333F"/>
+                </a:solidFill>
+                <a:effectLst/>
+              </a:rPr>
+              <a:t>.</a:t>
+            </a:r>
+            <a:endParaRPr lang="en-US" sz="2800" noProof="0" dirty="0"/>
+          </a:p>
+        </p:txBody>
+      </p:sp>
+      <p:sp>
+        <p:nvSpPr>
+          <p:cNvPr id="14" name="TextBox 13">
+            <a:extLst>
+              <a:ext uri="{FF2B5EF4-FFF2-40B4-BE49-F238E27FC236}">
+                <a16:creationId xmlns:a16="http://schemas.microsoft.com/office/drawing/2014/main" id="{62BCA018-BED0-5C5D-F19F-9189EA766555}"/>
+              </a:ext>
+            </a:extLst>
+          </p:cNvPr>
+          <p:cNvSpPr txBox="1"/>
+          <p:nvPr/>
+        </p:nvSpPr>
+        <p:spPr>
+          <a:xfrm>
+            <a:off x="400762" y="10293729"/>
+            <a:ext cx="2459119" cy="707886"/>
+          </a:xfrm>
+          <a:prstGeom prst="rect">
+            <a:avLst/>
+          </a:prstGeom>
+          <a:noFill/>
+        </p:spPr>
+        <p:txBody>
+          <a:bodyPr wrap="square" rtlCol="0">
+            <a:spAutoFit/>
+          </a:bodyPr>
+          <a:lstStyle/>
+          <a:p>
+            <a:r>
+              <a:rPr lang="en-US" sz="4000" noProof="0" dirty="0">
+                <a:solidFill>
+                  <a:srgbClr val="9B0A7D"/>
+                </a:solidFill>
+              </a:rPr>
+              <a:t>Results</a:t>
+            </a:r>
+          </a:p>
+        </p:txBody>
+      </p:sp>
+      <p:sp>
+        <p:nvSpPr>
+          <p:cNvPr id="15" name="TextBox 14">
+            <a:extLst>
+              <a:ext uri="{FF2B5EF4-FFF2-40B4-BE49-F238E27FC236}">
+                <a16:creationId xmlns:a16="http://schemas.microsoft.com/office/drawing/2014/main" id="{ACAC31C4-0EA6-5C4E-7D4B-E44ADEBDE47C}"/>
+              </a:ext>
+            </a:extLst>
+          </p:cNvPr>
+          <p:cNvSpPr txBox="1"/>
+          <p:nvPr/>
+        </p:nvSpPr>
+        <p:spPr>
+          <a:xfrm>
+            <a:off x="345252" y="15339912"/>
+            <a:ext cx="13839798" cy="646331"/>
+          </a:xfrm>
+          <a:prstGeom prst="rect">
+            <a:avLst/>
+          </a:prstGeom>
+          <a:noFill/>
+        </p:spPr>
+        <p:txBody>
+          <a:bodyPr wrap="square" rtlCol="0">
+            <a:spAutoFit/>
+          </a:bodyPr>
+          <a:lstStyle/>
+          <a:p>
+            <a:r>
+              <a:rPr lang="en-GB" sz="3600" dirty="0">
+                <a:solidFill>
+                  <a:srgbClr val="9B0A7D"/>
+                </a:solidFill>
+              </a:rPr>
+              <a:t>How do the averages of tournaments vary over time?</a:t>
+            </a:r>
+          </a:p>
+        </p:txBody>
+      </p:sp>
+      <p:sp>
+        <p:nvSpPr>
+          <p:cNvPr id="16" name="TextBox 15">
+            <a:extLst>
+              <a:ext uri="{FF2B5EF4-FFF2-40B4-BE49-F238E27FC236}">
+                <a16:creationId xmlns:a16="http://schemas.microsoft.com/office/drawing/2014/main" id="{667F1B69-13CB-EC38-84B0-878285BD80EE}"/>
+              </a:ext>
+            </a:extLst>
+          </p:cNvPr>
+          <p:cNvSpPr txBox="1"/>
+          <p:nvPr/>
+        </p:nvSpPr>
+        <p:spPr>
+          <a:xfrm>
+            <a:off x="345251" y="26536350"/>
+            <a:ext cx="13717978" cy="646331"/>
+          </a:xfrm>
+          <a:prstGeom prst="rect">
+            <a:avLst/>
+          </a:prstGeom>
+          <a:noFill/>
+        </p:spPr>
+        <p:txBody>
+          <a:bodyPr wrap="square" rtlCol="0">
+            <a:spAutoFit/>
+          </a:bodyPr>
+          <a:lstStyle/>
+          <a:p>
+            <a:r>
+              <a:rPr lang="en-GB" sz="3600" dirty="0">
+                <a:solidFill>
+                  <a:srgbClr val="9B0A7D"/>
+                </a:solidFill>
+              </a:rPr>
+              <a:t>How does the price money and number of participants vary over time?</a:t>
+            </a:r>
+            <a:endParaRPr lang="en-US" sz="3600" dirty="0">
+              <a:solidFill>
+                <a:srgbClr val="9B0A7D"/>
+              </a:solidFill>
+            </a:endParaRPr>
+          </a:p>
+        </p:txBody>
+      </p:sp>
+      <p:sp>
+        <p:nvSpPr>
+          <p:cNvPr id="18" name="TextBox 17">
+            <a:extLst>
+              <a:ext uri="{FF2B5EF4-FFF2-40B4-BE49-F238E27FC236}">
+                <a16:creationId xmlns:a16="http://schemas.microsoft.com/office/drawing/2014/main" id="{096C9BA3-FD49-49BF-F12C-F32440558CFC}"/>
+              </a:ext>
+            </a:extLst>
+          </p:cNvPr>
+          <p:cNvSpPr txBox="1"/>
+          <p:nvPr/>
+        </p:nvSpPr>
+        <p:spPr>
+          <a:xfrm>
+            <a:off x="15577790" y="3342616"/>
+            <a:ext cx="13695885" cy="1200329"/>
+          </a:xfrm>
+          <a:prstGeom prst="rect">
+            <a:avLst/>
+          </a:prstGeom>
+          <a:noFill/>
+        </p:spPr>
+        <p:txBody>
+          <a:bodyPr wrap="square" rtlCol="0">
+            <a:spAutoFit/>
+          </a:bodyPr>
+          <a:lstStyle/>
+          <a:p>
+            <a:r>
+              <a:rPr lang="en-GB" sz="3600" dirty="0">
+                <a:solidFill>
+                  <a:srgbClr val="9B0A7D"/>
+                </a:solidFill>
+              </a:rPr>
+              <a:t>What are most popular double fields and their corresponding check out quotes?</a:t>
+            </a:r>
+            <a:endParaRPr lang="en-US" sz="3600" dirty="0">
+              <a:solidFill>
+                <a:srgbClr val="9B0A7D"/>
+              </a:solidFill>
+            </a:endParaRPr>
+          </a:p>
+        </p:txBody>
+      </p:sp>
+      <p:cxnSp>
+        <p:nvCxnSpPr>
+          <p:cNvPr id="23" name="Straight Connector 22">
+            <a:extLst>
+              <a:ext uri="{FF2B5EF4-FFF2-40B4-BE49-F238E27FC236}">
+                <a16:creationId xmlns:a16="http://schemas.microsoft.com/office/drawing/2014/main" id="{E0E88A3C-992B-15A2-B79A-95D725C7994D}"/>
+              </a:ext>
+            </a:extLst>
+          </p:cNvPr>
+          <p:cNvCxnSpPr>
+            <a:cxnSpLocks/>
+          </p:cNvCxnSpPr>
+          <p:nvPr/>
+        </p:nvCxnSpPr>
+        <p:spPr>
+          <a:xfrm>
+            <a:off x="993600" y="36400730"/>
+            <a:ext cx="27946350" cy="0"/>
+          </a:xfrm>
+          <a:prstGeom prst="line">
+            <a:avLst/>
+          </a:prstGeom>
+          <a:ln w="76200">
+            <a:solidFill>
+              <a:schemeClr val="tx1"/>
+            </a:solidFill>
+          </a:ln>
+        </p:spPr>
+        <p:style>
+          <a:lnRef idx="1">
+            <a:schemeClr val="accent1"/>
+          </a:lnRef>
+          <a:fillRef idx="0">
+            <a:schemeClr val="accent1"/>
+          </a:fillRef>
+          <a:effectRef idx="0">
+            <a:schemeClr val="accent1"/>
+          </a:effectRef>
+          <a:fontRef idx="minor">
+            <a:schemeClr val="tx1"/>
+          </a:fontRef>
+        </p:style>
+      </p:cxnSp>
+      <p:sp>
+        <p:nvSpPr>
+          <p:cNvPr id="26" name="TextBox 25">
+            <a:extLst>
+              <a:ext uri="{FF2B5EF4-FFF2-40B4-BE49-F238E27FC236}">
+                <a16:creationId xmlns:a16="http://schemas.microsoft.com/office/drawing/2014/main" id="{C3AFD558-B8B0-7725-F15B-92724854A99E}"/>
+              </a:ext>
+            </a:extLst>
+          </p:cNvPr>
+          <p:cNvSpPr txBox="1"/>
+          <p:nvPr/>
+        </p:nvSpPr>
+        <p:spPr>
+          <a:xfrm>
+            <a:off x="15577782" y="13026352"/>
+            <a:ext cx="13695877" cy="646331"/>
+          </a:xfrm>
+          <a:prstGeom prst="rect">
+            <a:avLst/>
+          </a:prstGeom>
+          <a:noFill/>
+        </p:spPr>
+        <p:txBody>
+          <a:bodyPr wrap="square" rtlCol="0">
+            <a:spAutoFit/>
+          </a:bodyPr>
+          <a:lstStyle/>
+          <a:p>
+            <a:r>
+              <a:rPr lang="en-GB" sz="3600" dirty="0">
+                <a:solidFill>
+                  <a:srgbClr val="9B0A7D"/>
+                </a:solidFill>
+              </a:rPr>
+              <a:t>How does nationality effect the rankings?</a:t>
+            </a:r>
+            <a:endParaRPr lang="en-US" sz="3600" dirty="0">
+              <a:solidFill>
+                <a:srgbClr val="9B0A7D"/>
+              </a:solidFill>
+            </a:endParaRPr>
+          </a:p>
+        </p:txBody>
+      </p:sp>
+      <p:sp>
+        <p:nvSpPr>
+          <p:cNvPr id="27" name="TextBox 26">
+            <a:extLst>
+              <a:ext uri="{FF2B5EF4-FFF2-40B4-BE49-F238E27FC236}">
+                <a16:creationId xmlns:a16="http://schemas.microsoft.com/office/drawing/2014/main" id="{E15F7094-02FE-49E9-92D3-3CCC6B1995F7}"/>
+              </a:ext>
+            </a:extLst>
+          </p:cNvPr>
+          <p:cNvSpPr txBox="1"/>
+          <p:nvPr/>
+        </p:nvSpPr>
+        <p:spPr>
+          <a:xfrm>
+            <a:off x="957560" y="36958548"/>
+            <a:ext cx="2772747" cy="707886"/>
+          </a:xfrm>
+          <a:prstGeom prst="rect">
+            <a:avLst/>
+          </a:prstGeom>
+          <a:noFill/>
+        </p:spPr>
+        <p:txBody>
+          <a:bodyPr wrap="none" rtlCol="0">
+            <a:spAutoFit/>
+          </a:bodyPr>
+          <a:lstStyle/>
+          <a:p>
+            <a:r>
+              <a:rPr lang="en-US" sz="4000" noProof="0" dirty="0">
+                <a:solidFill>
+                  <a:srgbClr val="9B0A7D"/>
+                </a:solidFill>
+              </a:rPr>
+              <a:t>Bibliography</a:t>
+            </a:r>
+          </a:p>
+        </p:txBody>
+      </p:sp>
+      <p:sp>
+        <p:nvSpPr>
+          <p:cNvPr id="28" name="TextBox 27">
+            <a:extLst>
+              <a:ext uri="{FF2B5EF4-FFF2-40B4-BE49-F238E27FC236}">
+                <a16:creationId xmlns:a16="http://schemas.microsoft.com/office/drawing/2014/main" id="{A07AEBF1-63E1-D616-EAE2-D492B7BAC1B5}"/>
+              </a:ext>
+            </a:extLst>
+          </p:cNvPr>
+          <p:cNvSpPr txBox="1"/>
+          <p:nvPr/>
+        </p:nvSpPr>
+        <p:spPr>
+          <a:xfrm>
+            <a:off x="4392731" y="36927127"/>
+            <a:ext cx="9733643" cy="2677656"/>
+          </a:xfrm>
+          <a:prstGeom prst="rect">
+            <a:avLst/>
+          </a:prstGeom>
+          <a:noFill/>
+        </p:spPr>
+        <p:txBody>
+          <a:bodyPr wrap="square" rtlCol="0">
+            <a:spAutoFit/>
+          </a:bodyPr>
+          <a:lstStyle/>
+          <a:p>
+            <a:r>
+              <a:rPr lang="tr-TR" sz="2800" noProof="0" dirty="0"/>
+              <a:t>https://app.dartsorakel.com/</a:t>
+            </a:r>
+          </a:p>
+          <a:p>
+            <a:r>
+              <a:rPr lang="tr-TR" sz="2800" noProof="0" dirty="0"/>
+              <a:t>https://mastercaller.com/tournaments/pdc-world-championship/</a:t>
+            </a:r>
+          </a:p>
+          <a:p>
+            <a:r>
+              <a:rPr lang="tr-TR" sz="2800" noProof="0" dirty="0"/>
+              <a:t>https://www.dartn.de/Dart-Profis</a:t>
+            </a:r>
+          </a:p>
+          <a:p>
+            <a:r>
+              <a:rPr lang="tr-TR" sz="2800" noProof="0" dirty="0"/>
+              <a:t>https://de.wikipedia.org/wiki/Professional_Darts_Corporation</a:t>
+            </a:r>
+          </a:p>
+          <a:p>
+            <a:r>
+              <a:rPr lang="tr-TR" sz="2800" noProof="0" dirty="0"/>
+              <a:t>https://de.wikipedia.org/wiki/PDC_World_Darts_Championship</a:t>
+            </a:r>
+          </a:p>
+          <a:p>
+            <a:r>
+              <a:rPr lang="tr-TR" sz="2800" noProof="0" dirty="0"/>
+              <a:t>https://www.flashscore.de/</a:t>
+            </a:r>
+            <a:endParaRPr lang="en-US" sz="2800" noProof="0" dirty="0"/>
+          </a:p>
+        </p:txBody>
+      </p:sp>
+      <p:sp>
+        <p:nvSpPr>
+          <p:cNvPr id="29" name="Rectangle 28">
+            <a:extLst>
+              <a:ext uri="{FF2B5EF4-FFF2-40B4-BE49-F238E27FC236}">
+                <a16:creationId xmlns:a16="http://schemas.microsoft.com/office/drawing/2014/main" id="{D9DD4779-BB22-CFED-CC32-5477604ABDBB}"/>
+              </a:ext>
+            </a:extLst>
+          </p:cNvPr>
+          <p:cNvSpPr/>
+          <p:nvPr/>
+        </p:nvSpPr>
+        <p:spPr>
+          <a:xfrm>
+            <a:off x="24358775" y="38175567"/>
+            <a:ext cx="4914900" cy="3792088"/>
+          </a:xfrm>
+          <a:prstGeom prst="rect">
+            <a:avLst/>
+          </a:prstGeom>
+          <a:solidFill>
+            <a:srgbClr val="FFFFFF"/>
+          </a:solidFill>
+          <a:ln>
+            <a:solidFill>
+              <a:srgbClr val="9B0A7D"/>
+            </a:solidFill>
+          </a:ln>
+        </p:spPr>
+        <p:style>
+          <a:lnRef idx="2">
+            <a:schemeClr val="accent1">
+              <a:shade val="15000"/>
+            </a:schemeClr>
+          </a:lnRef>
+          <a:fillRef idx="1">
+            <a:schemeClr val="accent1"/>
+          </a:fillRef>
+          <a:effectRef idx="0">
+            <a:schemeClr val="accent1"/>
+          </a:effectRef>
+          <a:fontRef idx="minor">
+            <a:schemeClr val="lt1"/>
+          </a:fontRef>
+        </p:style>
+        <p:txBody>
+          <a:bodyPr rtlCol="0" anchor="ctr"/>
+          <a:lstStyle/>
+          <a:p>
+            <a:pPr algn="ctr"/>
+            <a:endParaRPr lang="en-US" sz="8000" dirty="0">
+              <a:solidFill>
+                <a:schemeClr val="tx1"/>
+              </a:solidFill>
+            </a:endParaRPr>
+          </a:p>
+        </p:txBody>
+      </p:sp>
+      <p:sp>
+        <p:nvSpPr>
+          <p:cNvPr id="2" name="TextBox 25">
+            <a:extLst>
+              <a:ext uri="{FF2B5EF4-FFF2-40B4-BE49-F238E27FC236}">
+                <a16:creationId xmlns:a16="http://schemas.microsoft.com/office/drawing/2014/main" id="{0065BF61-98DC-B7C2-AB39-FEB14B562B4E}"/>
+              </a:ext>
+            </a:extLst>
+          </p:cNvPr>
+          <p:cNvSpPr txBox="1"/>
+          <p:nvPr/>
+        </p:nvSpPr>
+        <p:spPr>
+          <a:xfrm>
+            <a:off x="15577782" y="24533278"/>
+            <a:ext cx="13717975" cy="646331"/>
+          </a:xfrm>
+          <a:prstGeom prst="rect">
+            <a:avLst/>
+          </a:prstGeom>
+          <a:noFill/>
+        </p:spPr>
+        <p:txBody>
+          <a:bodyPr wrap="square" rtlCol="0">
+            <a:spAutoFit/>
+          </a:bodyPr>
+          <a:lstStyle/>
+          <a:p>
+            <a:r>
+              <a:rPr lang="en-GB" sz="3600" dirty="0">
+                <a:solidFill>
+                  <a:srgbClr val="9B0A7D"/>
+                </a:solidFill>
+              </a:rPr>
+              <a:t>How does the performance of individual players change over time?</a:t>
+            </a:r>
+            <a:endParaRPr lang="en-US" sz="3600" dirty="0">
+              <a:solidFill>
+                <a:srgbClr val="9B0A7D"/>
+              </a:solidFill>
+            </a:endParaRPr>
+          </a:p>
+        </p:txBody>
+      </p:sp>
       <p:pic>
         <p:nvPicPr>
-          <p:cNvPr id="10" name="Grafik 9" descr="Ein Bild, das Karte, Text, Atlas enthält.&#10;&#10;KI-generierte Inhalte können fehlerhaft sein.">
+          <p:cNvPr id="5" name="Grafik 4" descr="Ein Bild, das Muster, Grafiken, Pixel, Design enthält.&#10;&#10;KI-generierte Inhalte können fehlerhaft sein.">
             <a:extLst>
               <a:ext uri="{FF2B5EF4-FFF2-40B4-BE49-F238E27FC236}">
-                <a16:creationId xmlns:a16="http://schemas.microsoft.com/office/drawing/2014/main" id="{76B00B40-A79E-732F-5B4A-C840034D7D77}"/>
+                <a16:creationId xmlns:a16="http://schemas.microsoft.com/office/drawing/2014/main" id="{AF1ABF3E-6617-07BD-EFAD-9E4A4CD2DA8B}"/>
               </a:ext>
             </a:extLst>
           </p:cNvPr>
@@ -3444,68 +4207,25 @@
               </a:ext>
             </a:extLst>
           </a:blip>
-          <a:srcRect l="8376" t="3385" r="1575" b="6993"/>
+          <a:srcRect l="6993" t="8637" r="7303" b="7884"/>
           <a:stretch/>
         </p:blipFill>
         <p:spPr>
           <a:xfrm>
-            <a:off x="6944850" y="10140382"/>
-            <a:ext cx="7270056" cy="5143368"/>
+            <a:off x="24970965" y="38274280"/>
+            <a:ext cx="3690520" cy="3594662"/>
           </a:xfrm>
           <a:prstGeom prst="rect">
             <a:avLst/>
           </a:prstGeom>
         </p:spPr>
       </p:pic>
-      <p:cxnSp>
-        <p:nvCxnSpPr>
-          <p:cNvPr id="3" name="Straight Connector 2">
+      <p:sp>
+        <p:nvSpPr>
+          <p:cNvPr id="37" name="TextBox 12">
             <a:extLst>
               <a:ext uri="{FF2B5EF4-FFF2-40B4-BE49-F238E27FC236}">
-                <a16:creationId xmlns:a16="http://schemas.microsoft.com/office/drawing/2014/main" id="{42387B42-F36C-836F-9ED8-B95945B739B5}"/>
-              </a:ext>
-            </a:extLst>
-          </p:cNvPr>
-          <p:cNvCxnSpPr>
-            <a:cxnSpLocks/>
-          </p:cNvCxnSpPr>
-          <p:nvPr/>
-        </p:nvCxnSpPr>
-        <p:spPr>
-          <a:xfrm>
-            <a:off x="15133637" y="3013081"/>
-            <a:ext cx="0" cy="31546800"/>
-          </a:xfrm>
-          <a:prstGeom prst="line">
-            <a:avLst/>
-          </a:prstGeom>
-          <a:ln w="76200">
-            <a:solidFill>
-              <a:schemeClr val="tx1"/>
-            </a:solidFill>
-          </a:ln>
-        </p:spPr>
-        <p:style>
-          <a:lnRef idx="1">
-            <a:schemeClr val="accent1"/>
-          </a:lnRef>
-          <a:fillRef idx="0">
-            <a:schemeClr val="accent1"/>
-          </a:fillRef>
-          <a:effectRef idx="0">
-            <a:schemeClr val="accent1"/>
-          </a:effectRef>
-          <a:fontRef idx="minor">
-            <a:schemeClr val="tx1"/>
-          </a:fontRef>
-        </p:style>
-      </p:cxnSp>
-      <p:sp>
-        <p:nvSpPr>
-          <p:cNvPr id="7" name="TextBox 6">
-            <a:extLst>
-              <a:ext uri="{FF2B5EF4-FFF2-40B4-BE49-F238E27FC236}">
-                <a16:creationId xmlns:a16="http://schemas.microsoft.com/office/drawing/2014/main" id="{E2201D5D-7820-9E1D-677F-49898A114032}"/>
+                <a16:creationId xmlns:a16="http://schemas.microsoft.com/office/drawing/2014/main" id="{DCA07421-F0DC-D9B9-E726-1464D30ED90B}"/>
               </a:ext>
             </a:extLst>
           </p:cNvPr>
@@ -3514,8 +4234,8 @@
         </p:nvSpPr>
         <p:spPr>
           <a:xfrm>
-            <a:off x="993600" y="457200"/>
-            <a:ext cx="20151900" cy="2092881"/>
+            <a:off x="345256" y="27229649"/>
+            <a:ext cx="13869650" cy="2677656"/>
           </a:xfrm>
           <a:prstGeom prst="rect">
             <a:avLst/>
@@ -3528,38 +4248,25 @@
           </a:bodyPr>
           <a:lstStyle/>
           <a:p>
-            <a:r>
-              <a:rPr lang="en-US" sz="8000" b="1" dirty="0">
-                <a:solidFill>
-                  <a:schemeClr val="bg1"/>
-                </a:solidFill>
-              </a:rPr>
-              <a:t>Data Science Project - Darts</a:t>
-            </a:r>
-          </a:p>
-          <a:p>
-            <a:r>
-              <a:rPr lang="en-US" sz="5000" b="1" dirty="0">
-                <a:solidFill>
-                  <a:schemeClr val="bg1"/>
-                </a:solidFill>
-              </a:rPr>
-              <a:t>Emilie Terhaar, Sara Rolfs, Tyra Kausch</a:t>
-            </a:r>
-            <a:endParaRPr lang="en-US" sz="5000" b="1" noProof="0" dirty="0">
-              <a:solidFill>
-                <a:schemeClr val="bg1"/>
-              </a:solidFill>
-            </a:endParaRPr>
-          </a:p>
-        </p:txBody>
-      </p:sp>
-      <p:sp>
-        <p:nvSpPr>
-          <p:cNvPr id="8" name="TextBox 7">
+            <a:pPr algn="just"/>
+            <a:r>
+              <a:rPr lang="en-GB" sz="2800" noProof="0" dirty="0"/>
+              <a:t>For this question, only the  data for the PDC World Championship was analysed. In this graph, the prize money</a:t>
+            </a:r>
+            <a:r>
+              <a:rPr lang="en-GB" sz="2800" dirty="0"/>
+              <a:t> and number of participants is rising. The coloured stacked bars indicate prize allocation by tournament stage, while the red line shows the increasing participant numbers. There's a clear correlation between participant numbers and prize money: Major increases in participants typically coincided with significant prize money increases. The graphs show that while the total prize pool has increased, the distribution maintains a similar structure.</a:t>
+            </a:r>
+            <a:endParaRPr lang="LID4096" sz="2800" dirty="0"/>
+          </a:p>
+        </p:txBody>
+      </p:sp>
+      <p:sp>
+        <p:nvSpPr>
+          <p:cNvPr id="39" name="TextBox 12">
             <a:extLst>
               <a:ext uri="{FF2B5EF4-FFF2-40B4-BE49-F238E27FC236}">
-                <a16:creationId xmlns:a16="http://schemas.microsoft.com/office/drawing/2014/main" id="{158C8AA4-8D9F-2515-7738-19AD15C39734}"/>
+                <a16:creationId xmlns:a16="http://schemas.microsoft.com/office/drawing/2014/main" id="{0BF47DE2-DBC3-C822-5E3E-66D521DA0E5F}"/>
               </a:ext>
             </a:extLst>
           </p:cNvPr>
@@ -3568,8 +4275,8 @@
         </p:nvSpPr>
         <p:spPr>
           <a:xfrm>
-            <a:off x="330324" y="3319883"/>
-            <a:ext cx="4121790" cy="707886"/>
+            <a:off x="15577782" y="13730881"/>
+            <a:ext cx="13717975" cy="3539430"/>
           </a:xfrm>
           <a:prstGeom prst="rect">
             <a:avLst/>
@@ -3582,28 +4289,35 @@
           </a:bodyPr>
           <a:lstStyle/>
           <a:p>
-            <a:r>
-              <a:rPr lang="tr-TR" sz="4000" dirty="0">
-                <a:solidFill>
-                  <a:srgbClr val="9B0A7D"/>
-                </a:solidFill>
-              </a:rPr>
-              <a:t>Introduction</a:t>
-            </a:r>
-            <a:endParaRPr lang="en-US" sz="4000" dirty="0">
-              <a:solidFill>
-                <a:srgbClr val="9B0A7D"/>
-              </a:solidFill>
-            </a:endParaRPr>
-          </a:p>
-        </p:txBody>
-      </p:sp>
-      <p:sp>
-        <p:nvSpPr>
-          <p:cNvPr id="11" name="TextBox 10">
+            <a:pPr algn="just"/>
+            <a:r>
+              <a:rPr lang="en-GB" sz="2800" noProof="0" dirty="0"/>
+              <a:t>The graph below shows the player's nationality demographics related to their rankings. The bigger the bubble, the more players belong to that demographic. As we seen, there are a lot of English players which are also very high ranked, suggesting that the sport might be better developed there.</a:t>
+            </a:r>
+          </a:p>
+          <a:p>
+            <a:pPr algn="just"/>
+            <a:r>
+              <a:rPr lang="en-GB" sz="2800" noProof="0" dirty="0"/>
+              <a:t>It is also seen that there is one player in the Netherlands (Michael van Gerwen) which dominated the darts for a few years and is now </a:t>
+            </a:r>
+            <a:r>
+              <a:rPr lang="en-GB" sz="2800" dirty="0"/>
+              <a:t>also</a:t>
+            </a:r>
+            <a:r>
+              <a:rPr lang="en-GB" sz="2800" noProof="0" dirty="0"/>
+              <a:t> on a high-ranking position. Other countries like Germany, Japan, and Australia have representation, but their players are less frequent and frequent lower ranks.</a:t>
+            </a:r>
+          </a:p>
+        </p:txBody>
+      </p:sp>
+      <p:sp>
+        <p:nvSpPr>
+          <p:cNvPr id="40" name="TextBox 12">
             <a:extLst>
               <a:ext uri="{FF2B5EF4-FFF2-40B4-BE49-F238E27FC236}">
-                <a16:creationId xmlns:a16="http://schemas.microsoft.com/office/drawing/2014/main" id="{1BA2113C-060E-3D4A-50AD-BE40CF2F9BC2}"/>
+                <a16:creationId xmlns:a16="http://schemas.microsoft.com/office/drawing/2014/main" id="{63BB22EC-8D4B-A18D-B295-4FF506706057}"/>
               </a:ext>
             </a:extLst>
           </p:cNvPr>
@@ -3612,8 +4326,8 @@
         </p:nvSpPr>
         <p:spPr>
           <a:xfrm>
-            <a:off x="400763" y="5920925"/>
-            <a:ext cx="2849452" cy="707886"/>
+            <a:off x="15577781" y="25179609"/>
+            <a:ext cx="13810951" cy="3108543"/>
           </a:xfrm>
           <a:prstGeom prst="rect">
             <a:avLst/>
@@ -3626,28 +4340,28 @@
           </a:bodyPr>
           <a:lstStyle/>
           <a:p>
-            <a:r>
-              <a:rPr lang="tr-TR" sz="4000" dirty="0">
-                <a:solidFill>
-                  <a:srgbClr val="9B0A7D"/>
-                </a:solidFill>
-              </a:rPr>
-              <a:t>Method</a:t>
-            </a:r>
-            <a:endParaRPr lang="en-US" sz="4000" dirty="0">
-              <a:solidFill>
-                <a:srgbClr val="9B0A7D"/>
-              </a:solidFill>
-            </a:endParaRPr>
-          </a:p>
-        </p:txBody>
-      </p:sp>
-      <p:sp>
-        <p:nvSpPr>
-          <p:cNvPr id="12" name="TextBox 11">
+            <a:pPr algn="just"/>
+            <a:r>
+              <a:rPr lang="en-GB" sz="2800" noProof="0" dirty="0"/>
+              <a:t>The graphs below shows the player Rob Cross’ performance </a:t>
+            </a:r>
+            <a:r>
+              <a:rPr lang="en-GB" sz="2800" dirty="0"/>
+              <a:t>from</a:t>
+            </a:r>
+            <a:r>
+              <a:rPr lang="en-GB" sz="2800" noProof="0" dirty="0"/>
+              <a:t> 2017 to 2024. On the left is the number of throws and check out percentage respective of the double 1. This player is a good example of the phenomenon, where their check out percentage drops and therefore the number of throws on this double drops in a time-shifted manner, too. This is because the player noticed that this double field does not work that well for them, so they adjust their throws so that they didn't always end up with the previously bad double at the end of a leg anymore. On the right is the gradual average of Rob Cross.</a:t>
+            </a:r>
+          </a:p>
+        </p:txBody>
+      </p:sp>
+      <p:sp>
+        <p:nvSpPr>
+          <p:cNvPr id="41" name="TextBox 12">
             <a:extLst>
               <a:ext uri="{FF2B5EF4-FFF2-40B4-BE49-F238E27FC236}">
-                <a16:creationId xmlns:a16="http://schemas.microsoft.com/office/drawing/2014/main" id="{D3DEFD8F-C82F-AC12-F9CB-C102D2395058}"/>
+                <a16:creationId xmlns:a16="http://schemas.microsoft.com/office/drawing/2014/main" id="{5BE7297E-3034-BD2E-6B8F-DF1DC7731827}"/>
               </a:ext>
             </a:extLst>
           </p:cNvPr>
@@ -3656,8 +4370,8 @@
         </p:nvSpPr>
         <p:spPr>
           <a:xfrm>
-            <a:off x="345251" y="4076783"/>
-            <a:ext cx="13869655" cy="1815882"/>
+            <a:off x="15577789" y="4536708"/>
+            <a:ext cx="13695881" cy="3539430"/>
           </a:xfrm>
           <a:prstGeom prst="rect">
             <a:avLst/>
@@ -3672,24 +4386,29 @@
           <a:p>
             <a:pPr algn="just"/>
             <a:r>
-              <a:rPr lang="en-GB" sz="2800" b="0" i="0" dirty="0">
-                <a:solidFill>
-                  <a:srgbClr val="31333F"/>
-                </a:solidFill>
-                <a:effectLst/>
-              </a:rPr>
-              <a:t>This project dives into the world of darts using data science techniques to uncover fascinating insights. It aims to transform raw data into structured datasets suitable for visualization and analysis. The goal is to answer predefined research questions by gathering data from multiple sources, processing it, and generating analytical datasets.</a:t>
-            </a:r>
-            <a:endParaRPr lang="en-US" sz="2800" dirty="0"/>
-          </a:p>
-        </p:txBody>
-      </p:sp>
-      <p:sp>
-        <p:nvSpPr>
-          <p:cNvPr id="13" name="TextBox 12">
+              <a:rPr lang="en-GB" sz="2800" dirty="0"/>
+              <a:t>A</a:t>
+            </a:r>
+            <a:r>
+              <a:rPr lang="en-GB" sz="2800" noProof="0" dirty="0"/>
+              <a:t> leg ends by hitting a double field, called a check out. With these come the statistics of the check out percentage. Other than in the check outs, doubles are usually not targeted. In this context, the distribution of throws on the different double fields was analysed.</a:t>
+            </a:r>
+          </a:p>
+          <a:p>
+            <a:pPr algn="just"/>
+            <a:r>
+              <a:rPr lang="en-GB" sz="2800" noProof="0" dirty="0"/>
+              <a:t>The upper pie chart shows that D20, D16, D10, and D8 are the most popular double fields. This makes sense, since if a throw on D20 or D16 fails, the player can target the double field with the value half as big as D10 or D8 to finish the leg with a check out. This can also be seen in the lower chart, where the most player's frequently thrown double field is the D20 for 71.1% and the D16 for 20.1%.</a:t>
+            </a:r>
+          </a:p>
+        </p:txBody>
+      </p:sp>
+      <p:sp>
+        <p:nvSpPr>
+          <p:cNvPr id="42" name="TextBox 12">
             <a:extLst>
               <a:ext uri="{FF2B5EF4-FFF2-40B4-BE49-F238E27FC236}">
-                <a16:creationId xmlns:a16="http://schemas.microsoft.com/office/drawing/2014/main" id="{CAD1F969-B5D1-7AB9-F03F-8C847A83CE31}"/>
+                <a16:creationId xmlns:a16="http://schemas.microsoft.com/office/drawing/2014/main" id="{7AFA065E-FC8B-3DF3-93B2-32320716FA2A}"/>
               </a:ext>
             </a:extLst>
           </p:cNvPr>
@@ -3698,8 +4417,8 @@
         </p:nvSpPr>
         <p:spPr>
           <a:xfrm>
-            <a:off x="400762" y="6666741"/>
-            <a:ext cx="13869651" cy="3539430"/>
+            <a:off x="345251" y="16035985"/>
+            <a:ext cx="13940086" cy="3970318"/>
           </a:xfrm>
           <a:prstGeom prst="rect">
             <a:avLst/>
@@ -3714,518 +4433,42 @@
           <a:p>
             <a:pPr algn="just"/>
             <a:r>
-              <a:rPr lang="en-US" sz="2800" noProof="0" dirty="0"/>
-              <a:t>The research questions – of which a few are represented on this poster – were formulated </a:t>
-            </a:r>
-            <a:r>
-              <a:rPr lang="en-US" sz="2800" dirty="0"/>
-              <a:t>while looking ahead at available data sources. </a:t>
-            </a:r>
-            <a:r>
-              <a:rPr lang="en-GB" sz="2800" b="0" i="0" dirty="0">
-                <a:solidFill>
-                  <a:srgbClr val="31333F"/>
-                </a:solidFill>
-                <a:effectLst/>
-              </a:rPr>
-              <a:t>Web scraping scripts were then developed and executed to </a:t>
-            </a:r>
-            <a:r>
-              <a:rPr lang="en-GB" sz="2800" dirty="0">
-                <a:solidFill>
-                  <a:srgbClr val="31333F"/>
-                </a:solidFill>
-              </a:rPr>
-              <a:t>extract structured data. This data consisted of player statistics, match results, and other relevant information. The extracted data was validated, cleaned, and stored in organized CSV files. In the next step, datasets were transformed to ensure correctness and consistency, addressing any missing values or errors manually. The final datasets were then analysed and visualized using appropriate graphical representations, forming the basis for answering the research </a:t>
-            </a:r>
-            <a:r>
-              <a:rPr lang="en-GB" sz="2800" b="0" i="0" dirty="0">
-                <a:solidFill>
-                  <a:srgbClr val="31333F"/>
-                </a:solidFill>
-                <a:effectLst/>
-              </a:rPr>
-              <a:t>questions</a:t>
-            </a:r>
-            <a:r>
-              <a:rPr lang="de-DE" sz="2800" b="0" i="0" dirty="0">
-                <a:solidFill>
-                  <a:srgbClr val="31333F"/>
-                </a:solidFill>
-                <a:effectLst/>
-              </a:rPr>
-              <a:t>.</a:t>
-            </a:r>
-            <a:endParaRPr lang="en-US" sz="2800" noProof="0" dirty="0"/>
-          </a:p>
-        </p:txBody>
-      </p:sp>
-      <p:sp>
-        <p:nvSpPr>
-          <p:cNvPr id="14" name="TextBox 13">
+              <a:rPr lang="en-GB" sz="2800" noProof="0" dirty="0"/>
+              <a:t>This question was asked, assuming that over time, the sport </a:t>
+            </a:r>
+            <a:r>
+              <a:rPr lang="en-GB" sz="2800" dirty="0"/>
+              <a:t>have</a:t>
+            </a:r>
+            <a:r>
+              <a:rPr lang="en-GB" sz="2800" noProof="0" dirty="0"/>
+              <a:t> reached a higher maturity level. Meaning the standards for the skill of players participating in the tournaments will rise with better strategies and better coaching. In this diagram, only the averages of the tournament's winners between 2000 and 2025 were looked at.</a:t>
+            </a:r>
+            <a:endParaRPr lang="en-GB" sz="2800" dirty="0"/>
+          </a:p>
+          <a:p>
+            <a:pPr algn="just"/>
+            <a:r>
+              <a:rPr lang="en-GB" sz="2800" noProof="0" dirty="0"/>
+              <a:t>The World Championship scores demonstrate greater volatility, with notable peaks around 2010 and 2017-2018 where </a:t>
+            </a:r>
+            <a:r>
+              <a:rPr lang="en-GB" sz="2800" dirty="0"/>
+              <a:t>an average of 106</a:t>
+            </a:r>
+            <a:r>
+              <a:rPr lang="en-GB" sz="2800" noProof="0" dirty="0"/>
+              <a:t> exceeded. All lines generally show an upward trend over time, which could also be seen because of the increasing regression line. The average scores generally range between 94 and 105. This validates the assumption the research came into existence with.</a:t>
+            </a:r>
+          </a:p>
+        </p:txBody>
+      </p:sp>
+      <p:pic>
+        <p:nvPicPr>
+          <p:cNvPr id="6" name="Grafik 5">
             <a:extLst>
               <a:ext uri="{FF2B5EF4-FFF2-40B4-BE49-F238E27FC236}">
-                <a16:creationId xmlns:a16="http://schemas.microsoft.com/office/drawing/2014/main" id="{62BCA018-BED0-5C5D-F19F-9189EA766555}"/>
-              </a:ext>
-            </a:extLst>
-          </p:cNvPr>
-          <p:cNvSpPr txBox="1"/>
-          <p:nvPr/>
-        </p:nvSpPr>
-        <p:spPr>
-          <a:xfrm>
-            <a:off x="400762" y="10293729"/>
-            <a:ext cx="2459119" cy="707886"/>
-          </a:xfrm>
-          <a:prstGeom prst="rect">
-            <a:avLst/>
-          </a:prstGeom>
-          <a:noFill/>
-        </p:spPr>
-        <p:txBody>
-          <a:bodyPr wrap="square" rtlCol="0">
-            <a:spAutoFit/>
-          </a:bodyPr>
-          <a:lstStyle/>
-          <a:p>
-            <a:r>
-              <a:rPr lang="en-US" sz="4000" noProof="0" dirty="0">
-                <a:solidFill>
-                  <a:srgbClr val="9B0A7D"/>
-                </a:solidFill>
-              </a:rPr>
-              <a:t>Results</a:t>
-            </a:r>
-          </a:p>
-        </p:txBody>
-      </p:sp>
-      <p:sp>
-        <p:nvSpPr>
-          <p:cNvPr id="15" name="TextBox 14">
-            <a:extLst>
-              <a:ext uri="{FF2B5EF4-FFF2-40B4-BE49-F238E27FC236}">
-                <a16:creationId xmlns:a16="http://schemas.microsoft.com/office/drawing/2014/main" id="{ACAC31C4-0EA6-5C4E-7D4B-E44ADEBDE47C}"/>
-              </a:ext>
-            </a:extLst>
-          </p:cNvPr>
-          <p:cNvSpPr txBox="1"/>
-          <p:nvPr/>
-        </p:nvSpPr>
-        <p:spPr>
-          <a:xfrm>
-            <a:off x="345252" y="15339912"/>
-            <a:ext cx="13839798" cy="646331"/>
-          </a:xfrm>
-          <a:prstGeom prst="rect">
-            <a:avLst/>
-          </a:prstGeom>
-          <a:noFill/>
-        </p:spPr>
-        <p:txBody>
-          <a:bodyPr wrap="square" rtlCol="0">
-            <a:spAutoFit/>
-          </a:bodyPr>
-          <a:lstStyle/>
-          <a:p>
-            <a:r>
-              <a:rPr lang="en-GB" sz="3600" dirty="0">
-                <a:solidFill>
-                  <a:srgbClr val="9B0A7D"/>
-                </a:solidFill>
-              </a:rPr>
-              <a:t>How do the averages of tournaments vary over time?</a:t>
-            </a:r>
-          </a:p>
-        </p:txBody>
-      </p:sp>
-      <p:sp>
-        <p:nvSpPr>
-          <p:cNvPr id="16" name="TextBox 15">
-            <a:extLst>
-              <a:ext uri="{FF2B5EF4-FFF2-40B4-BE49-F238E27FC236}">
-                <a16:creationId xmlns:a16="http://schemas.microsoft.com/office/drawing/2014/main" id="{667F1B69-13CB-EC38-84B0-878285BD80EE}"/>
-              </a:ext>
-            </a:extLst>
-          </p:cNvPr>
-          <p:cNvSpPr txBox="1"/>
-          <p:nvPr/>
-        </p:nvSpPr>
-        <p:spPr>
-          <a:xfrm>
-            <a:off x="345251" y="26536350"/>
-            <a:ext cx="13717978" cy="646331"/>
-          </a:xfrm>
-          <a:prstGeom prst="rect">
-            <a:avLst/>
-          </a:prstGeom>
-          <a:noFill/>
-        </p:spPr>
-        <p:txBody>
-          <a:bodyPr wrap="square" rtlCol="0">
-            <a:spAutoFit/>
-          </a:bodyPr>
-          <a:lstStyle/>
-          <a:p>
-            <a:r>
-              <a:rPr lang="en-GB" sz="3600" dirty="0">
-                <a:solidFill>
-                  <a:srgbClr val="9B0A7D"/>
-                </a:solidFill>
-              </a:rPr>
-              <a:t>How does the price money and number of participants vary over time?</a:t>
-            </a:r>
-            <a:endParaRPr lang="en-US" sz="3600" dirty="0">
-              <a:solidFill>
-                <a:srgbClr val="9B0A7D"/>
-              </a:solidFill>
-            </a:endParaRPr>
-          </a:p>
-        </p:txBody>
-      </p:sp>
-      <p:sp>
-        <p:nvSpPr>
-          <p:cNvPr id="18" name="TextBox 17">
-            <a:extLst>
-              <a:ext uri="{FF2B5EF4-FFF2-40B4-BE49-F238E27FC236}">
-                <a16:creationId xmlns:a16="http://schemas.microsoft.com/office/drawing/2014/main" id="{096C9BA3-FD49-49BF-F12C-F32440558CFC}"/>
-              </a:ext>
-            </a:extLst>
-          </p:cNvPr>
-          <p:cNvSpPr txBox="1"/>
-          <p:nvPr/>
-        </p:nvSpPr>
-        <p:spPr>
-          <a:xfrm>
-            <a:off x="15577790" y="3342616"/>
-            <a:ext cx="13695885" cy="1200329"/>
-          </a:xfrm>
-          <a:prstGeom prst="rect">
-            <a:avLst/>
-          </a:prstGeom>
-          <a:noFill/>
-        </p:spPr>
-        <p:txBody>
-          <a:bodyPr wrap="square" rtlCol="0">
-            <a:spAutoFit/>
-          </a:bodyPr>
-          <a:lstStyle/>
-          <a:p>
-            <a:r>
-              <a:rPr lang="en-GB" sz="3600" dirty="0">
-                <a:solidFill>
-                  <a:srgbClr val="9B0A7D"/>
-                </a:solidFill>
-              </a:rPr>
-              <a:t>What are most popular double fields and their corresponding check out quotes?</a:t>
-            </a:r>
-            <a:endParaRPr lang="en-US" sz="3600" dirty="0">
-              <a:solidFill>
-                <a:srgbClr val="9B0A7D"/>
-              </a:solidFill>
-            </a:endParaRPr>
-          </a:p>
-        </p:txBody>
-      </p:sp>
-      <p:cxnSp>
-        <p:nvCxnSpPr>
-          <p:cNvPr id="23" name="Straight Connector 22">
-            <a:extLst>
-              <a:ext uri="{FF2B5EF4-FFF2-40B4-BE49-F238E27FC236}">
-                <a16:creationId xmlns:a16="http://schemas.microsoft.com/office/drawing/2014/main" id="{E0E88A3C-992B-15A2-B79A-95D725C7994D}"/>
-              </a:ext>
-            </a:extLst>
-          </p:cNvPr>
-          <p:cNvCxnSpPr>
-            <a:cxnSpLocks/>
-          </p:cNvCxnSpPr>
-          <p:nvPr/>
-        </p:nvCxnSpPr>
-        <p:spPr>
-          <a:xfrm>
-            <a:off x="993600" y="36240710"/>
-            <a:ext cx="27946350" cy="0"/>
-          </a:xfrm>
-          <a:prstGeom prst="line">
-            <a:avLst/>
-          </a:prstGeom>
-          <a:ln w="76200">
-            <a:solidFill>
-              <a:schemeClr val="tx1"/>
-            </a:solidFill>
-          </a:ln>
-        </p:spPr>
-        <p:style>
-          <a:lnRef idx="1">
-            <a:schemeClr val="accent1"/>
-          </a:lnRef>
-          <a:fillRef idx="0">
-            <a:schemeClr val="accent1"/>
-          </a:fillRef>
-          <a:effectRef idx="0">
-            <a:schemeClr val="accent1"/>
-          </a:effectRef>
-          <a:fontRef idx="minor">
-            <a:schemeClr val="tx1"/>
-          </a:fontRef>
-        </p:style>
-      </p:cxnSp>
-      <p:sp>
-        <p:nvSpPr>
-          <p:cNvPr id="26" name="TextBox 25">
-            <a:extLst>
-              <a:ext uri="{FF2B5EF4-FFF2-40B4-BE49-F238E27FC236}">
-                <a16:creationId xmlns:a16="http://schemas.microsoft.com/office/drawing/2014/main" id="{C3AFD558-B8B0-7725-F15B-92724854A99E}"/>
-              </a:ext>
-            </a:extLst>
-          </p:cNvPr>
-          <p:cNvSpPr txBox="1"/>
-          <p:nvPr/>
-        </p:nvSpPr>
-        <p:spPr>
-          <a:xfrm>
-            <a:off x="15577782" y="13026352"/>
-            <a:ext cx="13695877" cy="646331"/>
-          </a:xfrm>
-          <a:prstGeom prst="rect">
-            <a:avLst/>
-          </a:prstGeom>
-          <a:noFill/>
-        </p:spPr>
-        <p:txBody>
-          <a:bodyPr wrap="square" rtlCol="0">
-            <a:spAutoFit/>
-          </a:bodyPr>
-          <a:lstStyle/>
-          <a:p>
-            <a:r>
-              <a:rPr lang="en-GB" sz="3600" dirty="0">
-                <a:solidFill>
-                  <a:srgbClr val="9B0A7D"/>
-                </a:solidFill>
-              </a:rPr>
-              <a:t>How does nationality effect the rankings?</a:t>
-            </a:r>
-            <a:endParaRPr lang="en-US" sz="3600" dirty="0">
-              <a:solidFill>
-                <a:srgbClr val="9B0A7D"/>
-              </a:solidFill>
-            </a:endParaRPr>
-          </a:p>
-        </p:txBody>
-      </p:sp>
-      <p:sp>
-        <p:nvSpPr>
-          <p:cNvPr id="27" name="TextBox 26">
-            <a:extLst>
-              <a:ext uri="{FF2B5EF4-FFF2-40B4-BE49-F238E27FC236}">
-                <a16:creationId xmlns:a16="http://schemas.microsoft.com/office/drawing/2014/main" id="{E15F7094-02FE-49E9-92D3-3CCC6B1995F7}"/>
-              </a:ext>
-            </a:extLst>
-          </p:cNvPr>
-          <p:cNvSpPr txBox="1"/>
-          <p:nvPr/>
-        </p:nvSpPr>
-        <p:spPr>
-          <a:xfrm>
-            <a:off x="957560" y="36775668"/>
-            <a:ext cx="2772747" cy="707886"/>
-          </a:xfrm>
-          <a:prstGeom prst="rect">
-            <a:avLst/>
-          </a:prstGeom>
-          <a:noFill/>
-        </p:spPr>
-        <p:txBody>
-          <a:bodyPr wrap="none" rtlCol="0">
-            <a:spAutoFit/>
-          </a:bodyPr>
-          <a:lstStyle/>
-          <a:p>
-            <a:r>
-              <a:rPr lang="en-US" sz="4000" noProof="0" dirty="0">
-                <a:solidFill>
-                  <a:srgbClr val="9B0A7D"/>
-                </a:solidFill>
-              </a:rPr>
-              <a:t>Bibliography</a:t>
-            </a:r>
-          </a:p>
-        </p:txBody>
-      </p:sp>
-      <p:sp>
-        <p:nvSpPr>
-          <p:cNvPr id="28" name="TextBox 27">
-            <a:extLst>
-              <a:ext uri="{FF2B5EF4-FFF2-40B4-BE49-F238E27FC236}">
-                <a16:creationId xmlns:a16="http://schemas.microsoft.com/office/drawing/2014/main" id="{A07AEBF1-63E1-D616-EAE2-D492B7BAC1B5}"/>
-              </a:ext>
-            </a:extLst>
-          </p:cNvPr>
-          <p:cNvSpPr txBox="1"/>
-          <p:nvPr/>
-        </p:nvSpPr>
-        <p:spPr>
-          <a:xfrm>
-            <a:off x="4392731" y="36744247"/>
-            <a:ext cx="9733643" cy="2677656"/>
-          </a:xfrm>
-          <a:prstGeom prst="rect">
-            <a:avLst/>
-          </a:prstGeom>
-          <a:noFill/>
-        </p:spPr>
-        <p:txBody>
-          <a:bodyPr wrap="square" rtlCol="0">
-            <a:spAutoFit/>
-          </a:bodyPr>
-          <a:lstStyle/>
-          <a:p>
-            <a:r>
-              <a:rPr lang="tr-TR" sz="2800" noProof="0" dirty="0"/>
-              <a:t>https://app.dartsorakel.com/</a:t>
-            </a:r>
-          </a:p>
-          <a:p>
-            <a:r>
-              <a:rPr lang="tr-TR" sz="2800" noProof="0" dirty="0"/>
-              <a:t>https://mastercaller.com/tournaments/pdc-world-championship/</a:t>
-            </a:r>
-          </a:p>
-          <a:p>
-            <a:r>
-              <a:rPr lang="tr-TR" sz="2800" noProof="0" dirty="0"/>
-              <a:t>https://www.dartn.de/Dart-Profis</a:t>
-            </a:r>
-          </a:p>
-          <a:p>
-            <a:r>
-              <a:rPr lang="tr-TR" sz="2800" noProof="0" dirty="0"/>
-              <a:t>https://de.wikipedia.org/wiki/Professional_Darts_Corporation</a:t>
-            </a:r>
-          </a:p>
-          <a:p>
-            <a:r>
-              <a:rPr lang="tr-TR" sz="2800" noProof="0" dirty="0"/>
-              <a:t>https://de.wikipedia.org/wiki/PDC_World_Darts_Championship</a:t>
-            </a:r>
-          </a:p>
-          <a:p>
-            <a:r>
-              <a:rPr lang="tr-TR" sz="2800" noProof="0" dirty="0"/>
-              <a:t>https://www.flashscore.de/</a:t>
-            </a:r>
-            <a:endParaRPr lang="en-US" sz="2800" noProof="0" dirty="0"/>
-          </a:p>
-        </p:txBody>
-      </p:sp>
-      <p:sp>
-        <p:nvSpPr>
-          <p:cNvPr id="29" name="Rectangle 28">
-            <a:extLst>
-              <a:ext uri="{FF2B5EF4-FFF2-40B4-BE49-F238E27FC236}">
-                <a16:creationId xmlns:a16="http://schemas.microsoft.com/office/drawing/2014/main" id="{D9DD4779-BB22-CFED-CC32-5477604ABDBB}"/>
-              </a:ext>
-            </a:extLst>
-          </p:cNvPr>
-          <p:cNvSpPr/>
-          <p:nvPr/>
-        </p:nvSpPr>
-        <p:spPr>
-          <a:xfrm>
-            <a:off x="24358775" y="38175567"/>
-            <a:ext cx="4914900" cy="3792088"/>
-          </a:xfrm>
-          <a:prstGeom prst="rect">
-            <a:avLst/>
-          </a:prstGeom>
-          <a:solidFill>
-            <a:srgbClr val="FFFFFF"/>
-          </a:solidFill>
-          <a:ln>
-            <a:solidFill>
-              <a:srgbClr val="9B0A7D"/>
-            </a:solidFill>
-          </a:ln>
-        </p:spPr>
-        <p:style>
-          <a:lnRef idx="2">
-            <a:schemeClr val="accent1">
-              <a:shade val="15000"/>
-            </a:schemeClr>
-          </a:lnRef>
-          <a:fillRef idx="1">
-            <a:schemeClr val="accent1"/>
-          </a:fillRef>
-          <a:effectRef idx="0">
-            <a:schemeClr val="accent1"/>
-          </a:effectRef>
-          <a:fontRef idx="minor">
-            <a:schemeClr val="lt1"/>
-          </a:fontRef>
-        </p:style>
-        <p:txBody>
-          <a:bodyPr rtlCol="0" anchor="ctr"/>
-          <a:lstStyle/>
-          <a:p>
-            <a:pPr algn="ctr"/>
-            <a:endParaRPr lang="en-US" sz="8000" dirty="0">
-              <a:solidFill>
-                <a:schemeClr val="tx1"/>
-              </a:solidFill>
-            </a:endParaRPr>
-          </a:p>
-        </p:txBody>
-      </p:sp>
-      <p:sp>
-        <p:nvSpPr>
-          <p:cNvPr id="2" name="TextBox 25">
-            <a:extLst>
-              <a:ext uri="{FF2B5EF4-FFF2-40B4-BE49-F238E27FC236}">
-                <a16:creationId xmlns:a16="http://schemas.microsoft.com/office/drawing/2014/main" id="{0065BF61-98DC-B7C2-AB39-FEB14B562B4E}"/>
-              </a:ext>
-            </a:extLst>
-          </p:cNvPr>
-          <p:cNvSpPr txBox="1"/>
-          <p:nvPr/>
-        </p:nvSpPr>
-        <p:spPr>
-          <a:xfrm>
-            <a:off x="15577782" y="24533278"/>
-            <a:ext cx="13717975" cy="646331"/>
-          </a:xfrm>
-          <a:prstGeom prst="rect">
-            <a:avLst/>
-          </a:prstGeom>
-          <a:noFill/>
-        </p:spPr>
-        <p:txBody>
-          <a:bodyPr wrap="square" rtlCol="0">
-            <a:spAutoFit/>
-          </a:bodyPr>
-          <a:lstStyle/>
-          <a:p>
-            <a:r>
-              <a:rPr lang="en-GB" sz="3600" dirty="0">
-                <a:solidFill>
-                  <a:srgbClr val="9B0A7D"/>
-                </a:solidFill>
-              </a:rPr>
-              <a:t>How does the performance of individual players change over time?</a:t>
-            </a:r>
-            <a:endParaRPr lang="en-US" sz="3600" dirty="0">
-              <a:solidFill>
-                <a:srgbClr val="9B0A7D"/>
-              </a:solidFill>
-            </a:endParaRPr>
-          </a:p>
-        </p:txBody>
-      </p:sp>
-      <p:pic>
-        <p:nvPicPr>
-          <p:cNvPr id="5" name="Grafik 4" descr="Ein Bild, das Muster, Grafiken, Pixel, Design enthält.&#10;&#10;KI-generierte Inhalte können fehlerhaft sein.">
-            <a:extLst>
-              <a:ext uri="{FF2B5EF4-FFF2-40B4-BE49-F238E27FC236}">
-                <a16:creationId xmlns:a16="http://schemas.microsoft.com/office/drawing/2014/main" id="{AF1ABF3E-6617-07BD-EFAD-9E4A4CD2DA8B}"/>
+                <a16:creationId xmlns:a16="http://schemas.microsoft.com/office/drawing/2014/main" id="{8D03429D-6AAA-FD14-4C3F-5EA124CEB207}"/>
               </a:ext>
             </a:extLst>
           </p:cNvPr>
@@ -4242,25 +4485,110 @@
               </a:ext>
             </a:extLst>
           </a:blip>
-          <a:srcRect l="6993" t="8637" r="7303" b="7884"/>
-          <a:stretch/>
+          <a:stretch>
+            <a:fillRect/>
+          </a:stretch>
         </p:blipFill>
         <p:spPr>
           <a:xfrm>
-            <a:off x="24970965" y="38274280"/>
-            <a:ext cx="3690520" cy="3594662"/>
+            <a:off x="15577781" y="8058802"/>
+            <a:ext cx="13695879" cy="4868837"/>
           </a:xfrm>
           <a:prstGeom prst="rect">
             <a:avLst/>
           </a:prstGeom>
         </p:spPr>
       </p:pic>
+      <p:sp>
+        <p:nvSpPr>
+          <p:cNvPr id="19" name="TextBox 11">
+            <a:extLst>
+              <a:ext uri="{FF2B5EF4-FFF2-40B4-BE49-F238E27FC236}">
+                <a16:creationId xmlns:a16="http://schemas.microsoft.com/office/drawing/2014/main" id="{192578EF-F9AF-6473-80A5-228C699551E6}"/>
+              </a:ext>
+            </a:extLst>
+          </p:cNvPr>
+          <p:cNvSpPr txBox="1"/>
+          <p:nvPr/>
+        </p:nvSpPr>
+        <p:spPr>
+          <a:xfrm>
+            <a:off x="400765" y="12171854"/>
+            <a:ext cx="5812464" cy="3108543"/>
+          </a:xfrm>
+          <a:prstGeom prst="rect">
+            <a:avLst/>
+          </a:prstGeom>
+          <a:noFill/>
+        </p:spPr>
+        <p:txBody>
+          <a:bodyPr wrap="square" rtlCol="0">
+            <a:spAutoFit/>
+          </a:bodyPr>
+          <a:lstStyle/>
+          <a:p>
+            <a:pPr algn="just"/>
+            <a:r>
+              <a:rPr lang="en-US" sz="2800" dirty="0">
+                <a:solidFill>
+                  <a:srgbClr val="31333F"/>
+                </a:solidFill>
+              </a:rPr>
+              <a:t>There is a big discrepancy of tournaments held in the United Kingdom and Germany in comparison to the other countries. This shows that there is a much bigger influence on darts in Europe than in the rest of the world.</a:t>
+            </a:r>
+          </a:p>
+        </p:txBody>
+      </p:sp>
+      <p:sp>
+        <p:nvSpPr>
+          <p:cNvPr id="20" name="TextBox 14">
+            <a:extLst>
+              <a:ext uri="{FF2B5EF4-FFF2-40B4-BE49-F238E27FC236}">
+                <a16:creationId xmlns:a16="http://schemas.microsoft.com/office/drawing/2014/main" id="{F71A404E-7EBB-6320-25EB-062964C1496E}"/>
+              </a:ext>
+            </a:extLst>
+          </p:cNvPr>
+          <p:cNvSpPr txBox="1"/>
+          <p:nvPr/>
+        </p:nvSpPr>
+        <p:spPr>
+          <a:xfrm>
+            <a:off x="391687" y="11089173"/>
+            <a:ext cx="6618713" cy="1044581"/>
+          </a:xfrm>
+          <a:prstGeom prst="rect">
+            <a:avLst/>
+          </a:prstGeom>
+          <a:noFill/>
+        </p:spPr>
+        <p:txBody>
+          <a:bodyPr wrap="square" rtlCol="0">
+            <a:spAutoFit/>
+          </a:bodyPr>
+          <a:lstStyle/>
+          <a:p>
+            <a:pPr>
+              <a:lnSpc>
+                <a:spcPts val="3700"/>
+              </a:lnSpc>
+            </a:pPr>
+            <a:r>
+              <a:rPr lang="en-GB" sz="3600" dirty="0">
+                <a:solidFill>
+                  <a:srgbClr val="9B0A7D"/>
+                </a:solidFill>
+              </a:rPr>
+              <a:t>How do the tournament’s locations are distributed?</a:t>
+            </a:r>
+          </a:p>
+        </p:txBody>
+      </p:sp>
       <p:pic>
         <p:nvPicPr>
-          <p:cNvPr id="22" name="Grafik 21">
+          <p:cNvPr id="21" name="Grafik 20" descr="Ein Bild, das Karte, Text, Atlas enthält.&#10;&#10;KI-generierte Inhalte können fehlerhaft sein.">
             <a:extLst>
               <a:ext uri="{FF2B5EF4-FFF2-40B4-BE49-F238E27FC236}">
-                <a16:creationId xmlns:a16="http://schemas.microsoft.com/office/drawing/2014/main" id="{2FED093D-4F5C-1881-B265-095E75FBABE6}"/>
+                <a16:creationId xmlns:a16="http://schemas.microsoft.com/office/drawing/2014/main" id="{D1FDCB20-C572-F873-8B2D-2A9972CFEFC4}"/>
               </a:ext>
             </a:extLst>
           </p:cNvPr>
@@ -4277,14 +4605,13 @@
               </a:ext>
             </a:extLst>
           </a:blip>
-          <a:stretch>
-            <a:fillRect/>
-          </a:stretch>
+          <a:srcRect l="7690" t="1705" r="1444" b="5427"/>
+          <a:stretch/>
         </p:blipFill>
         <p:spPr>
           <a:xfrm>
-            <a:off x="16710176" y="28329340"/>
-            <a:ext cx="11597344" cy="7584124"/>
+            <a:off x="6543080" y="9819049"/>
+            <a:ext cx="7593953" cy="5487747"/>
           </a:xfrm>
           <a:prstGeom prst="rect">
             <a:avLst/>
@@ -4293,10 +4620,10 @@
       </p:pic>
       <p:pic>
         <p:nvPicPr>
-          <p:cNvPr id="32" name="Grafik 31">
+          <p:cNvPr id="25" name="Grafik 24" descr="Ein Bild, das Text, Screenshot, Diagramm, Reihe enthält.&#10;&#10;KI-generierte Inhalte können fehlerhaft sein.">
             <a:extLst>
               <a:ext uri="{FF2B5EF4-FFF2-40B4-BE49-F238E27FC236}">
-                <a16:creationId xmlns:a16="http://schemas.microsoft.com/office/drawing/2014/main" id="{8C7686EC-6397-4082-6CFC-2DCD1EC51A50}"/>
+                <a16:creationId xmlns:a16="http://schemas.microsoft.com/office/drawing/2014/main" id="{55BF5033-5150-D5A2-27EA-922A276B3946}"/>
               </a:ext>
             </a:extLst>
           </p:cNvPr>
@@ -4313,268 +4640,26 @@
               </a:ext>
             </a:extLst>
           </a:blip>
-          <a:srcRect t="8073"/>
-          <a:stretch/>
+          <a:stretch>
+            <a:fillRect/>
+          </a:stretch>
         </p:blipFill>
         <p:spPr>
           <a:xfrm>
-            <a:off x="15810359" y="17388298"/>
-            <a:ext cx="13312899" cy="7004392"/>
+            <a:off x="419812" y="29952963"/>
+            <a:ext cx="13784287" cy="6167685"/>
           </a:xfrm>
           <a:prstGeom prst="rect">
             <a:avLst/>
           </a:prstGeom>
         </p:spPr>
       </p:pic>
-      <p:sp>
-        <p:nvSpPr>
-          <p:cNvPr id="37" name="TextBox 12">
+      <p:pic>
+        <p:nvPicPr>
+          <p:cNvPr id="31" name="Grafik 30" descr="Ein Bild, das Text, Diagramm, Reihe, Schrift enthält.&#10;&#10;KI-generierte Inhalte können fehlerhaft sein.">
             <a:extLst>
               <a:ext uri="{FF2B5EF4-FFF2-40B4-BE49-F238E27FC236}">
-                <a16:creationId xmlns:a16="http://schemas.microsoft.com/office/drawing/2014/main" id="{DCA07421-F0DC-D9B9-E726-1464D30ED90B}"/>
-              </a:ext>
-            </a:extLst>
-          </p:cNvPr>
-          <p:cNvSpPr txBox="1"/>
-          <p:nvPr/>
-        </p:nvSpPr>
-        <p:spPr>
-          <a:xfrm>
-            <a:off x="345256" y="27229649"/>
-            <a:ext cx="13869650" cy="2677656"/>
-          </a:xfrm>
-          <a:prstGeom prst="rect">
-            <a:avLst/>
-          </a:prstGeom>
-          <a:noFill/>
-        </p:spPr>
-        <p:txBody>
-          <a:bodyPr wrap="square" rtlCol="0">
-            <a:spAutoFit/>
-          </a:bodyPr>
-          <a:lstStyle/>
-          <a:p>
-            <a:pPr algn="just"/>
-            <a:r>
-              <a:rPr lang="en-GB" sz="2800" noProof="0" dirty="0"/>
-              <a:t>For this question, only the  data for the PDC World Championship was analysed. In this graph, the prize money</a:t>
-            </a:r>
-            <a:r>
-              <a:rPr lang="en-GB" sz="2800" dirty="0"/>
-              <a:t> and number of participants is rising. The coloured stacked bars indicate prize allocation by tournament stage, while the red line shows the increasing participant numbers. There's a clear correlation between participant numbers and prize money: Major increases in participants typically coincided with significant prize money increases. The graphs show that while the total prize pool has increased, the distribution maintains a similar structure.</a:t>
-            </a:r>
-            <a:endParaRPr lang="LID4096" sz="2800" dirty="0"/>
-          </a:p>
-        </p:txBody>
-      </p:sp>
-      <p:sp>
-        <p:nvSpPr>
-          <p:cNvPr id="39" name="TextBox 12">
-            <a:extLst>
-              <a:ext uri="{FF2B5EF4-FFF2-40B4-BE49-F238E27FC236}">
-                <a16:creationId xmlns:a16="http://schemas.microsoft.com/office/drawing/2014/main" id="{0BF47DE2-DBC3-C822-5E3E-66D521DA0E5F}"/>
-              </a:ext>
-            </a:extLst>
-          </p:cNvPr>
-          <p:cNvSpPr txBox="1"/>
-          <p:nvPr/>
-        </p:nvSpPr>
-        <p:spPr>
-          <a:xfrm>
-            <a:off x="15577782" y="13730881"/>
-            <a:ext cx="13717975" cy="3539430"/>
-          </a:xfrm>
-          <a:prstGeom prst="rect">
-            <a:avLst/>
-          </a:prstGeom>
-          <a:noFill/>
-        </p:spPr>
-        <p:txBody>
-          <a:bodyPr wrap="square" rtlCol="0">
-            <a:spAutoFit/>
-          </a:bodyPr>
-          <a:lstStyle/>
-          <a:p>
-            <a:pPr algn="just"/>
-            <a:r>
-              <a:rPr lang="en-GB" sz="2800" noProof="0" dirty="0"/>
-              <a:t>The graph below shows the player's nationality demographics related to their rankings. The bigger the bubble, the more players belong to that demographic. As we seen, there are a lot of English players which are also very high ranked, suggesting that the sport might be better developed there.</a:t>
-            </a:r>
-          </a:p>
-          <a:p>
-            <a:pPr algn="just"/>
-            <a:r>
-              <a:rPr lang="en-GB" sz="2800" noProof="0" dirty="0"/>
-              <a:t>It is also seen that there is one player in the Netherlands (Michael van Gerwen) which dominated the darts for a few years and is now </a:t>
-            </a:r>
-            <a:r>
-              <a:rPr lang="en-GB" sz="2800" dirty="0"/>
-              <a:t>also</a:t>
-            </a:r>
-            <a:r>
-              <a:rPr lang="en-GB" sz="2800" noProof="0" dirty="0"/>
-              <a:t> on a high-ranking position. Other countries like Germany, Japan, and Australia have representation, but their players are less frequent and frequent lower ranks.</a:t>
-            </a:r>
-          </a:p>
-        </p:txBody>
-      </p:sp>
-      <p:sp>
-        <p:nvSpPr>
-          <p:cNvPr id="40" name="TextBox 12">
-            <a:extLst>
-              <a:ext uri="{FF2B5EF4-FFF2-40B4-BE49-F238E27FC236}">
-                <a16:creationId xmlns:a16="http://schemas.microsoft.com/office/drawing/2014/main" id="{63BB22EC-8D4B-A18D-B295-4FF506706057}"/>
-              </a:ext>
-            </a:extLst>
-          </p:cNvPr>
-          <p:cNvSpPr txBox="1"/>
-          <p:nvPr/>
-        </p:nvSpPr>
-        <p:spPr>
-          <a:xfrm>
-            <a:off x="15577781" y="25179609"/>
-            <a:ext cx="13810951" cy="3108543"/>
-          </a:xfrm>
-          <a:prstGeom prst="rect">
-            <a:avLst/>
-          </a:prstGeom>
-          <a:noFill/>
-        </p:spPr>
-        <p:txBody>
-          <a:bodyPr wrap="square" rtlCol="0">
-            <a:spAutoFit/>
-          </a:bodyPr>
-          <a:lstStyle/>
-          <a:p>
-            <a:pPr algn="just"/>
-            <a:r>
-              <a:rPr lang="en-GB" sz="2800" noProof="0" dirty="0"/>
-              <a:t>The graphs below shows the player Rob Cross’ performance </a:t>
-            </a:r>
-            <a:r>
-              <a:rPr lang="en-GB" sz="2800" dirty="0"/>
-              <a:t>from</a:t>
-            </a:r>
-            <a:r>
-              <a:rPr lang="en-GB" sz="2800" noProof="0" dirty="0"/>
-              <a:t> 2017 to 2024. On the left is the number of throws and check out percentage respective of the double 1. This player is a good example of the phenomenon, where their check out percentage drops and therefore the number of throws on this double drops in a time-shifted manner, too. This is because the player noticed that this double field does not work that well for them, so they adjust their throws so that they didn't always end up with the previously bad double at the end of a leg anymore. On the right is the gradual average of Rob Cross.</a:t>
-            </a:r>
-          </a:p>
-        </p:txBody>
-      </p:sp>
-      <p:sp>
-        <p:nvSpPr>
-          <p:cNvPr id="41" name="TextBox 12">
-            <a:extLst>
-              <a:ext uri="{FF2B5EF4-FFF2-40B4-BE49-F238E27FC236}">
-                <a16:creationId xmlns:a16="http://schemas.microsoft.com/office/drawing/2014/main" id="{5BE7297E-3034-BD2E-6B8F-DF1DC7731827}"/>
-              </a:ext>
-            </a:extLst>
-          </p:cNvPr>
-          <p:cNvSpPr txBox="1"/>
-          <p:nvPr/>
-        </p:nvSpPr>
-        <p:spPr>
-          <a:xfrm>
-            <a:off x="15577789" y="4536708"/>
-            <a:ext cx="13695881" cy="3539430"/>
-          </a:xfrm>
-          <a:prstGeom prst="rect">
-            <a:avLst/>
-          </a:prstGeom>
-          <a:noFill/>
-        </p:spPr>
-        <p:txBody>
-          <a:bodyPr wrap="square" rtlCol="0">
-            <a:spAutoFit/>
-          </a:bodyPr>
-          <a:lstStyle/>
-          <a:p>
-            <a:pPr algn="just"/>
-            <a:r>
-              <a:rPr lang="en-GB" sz="2800" dirty="0"/>
-              <a:t>A</a:t>
-            </a:r>
-            <a:r>
-              <a:rPr lang="en-GB" sz="2800" noProof="0" dirty="0"/>
-              <a:t> leg ends by hitting a double field, called a check out. With these come the statistics of the check out percentage. Other than in the check outs, doubles are usually not targeted. In this context, the distribution of throws on the different double fields was analysed.</a:t>
-            </a:r>
-          </a:p>
-          <a:p>
-            <a:pPr algn="just"/>
-            <a:r>
-              <a:rPr lang="en-GB" sz="2800" noProof="0" dirty="0"/>
-              <a:t>The upper pie chart shows that D20, D16, D10, and D8 are the most popular double fields. This makes sense, since if a throw on D20 or D16 fails, the player can target the double field with the value half as big as D10 or D8 to finish the leg with a check out. This can also be seen in the lower chart, where the most player's frequently thrown double field is the D20 for 71.1% and the D16 for 20.1%.</a:t>
-            </a:r>
-          </a:p>
-        </p:txBody>
-      </p:sp>
-      <p:sp>
-        <p:nvSpPr>
-          <p:cNvPr id="42" name="TextBox 12">
-            <a:extLst>
-              <a:ext uri="{FF2B5EF4-FFF2-40B4-BE49-F238E27FC236}">
-                <a16:creationId xmlns:a16="http://schemas.microsoft.com/office/drawing/2014/main" id="{7AFA065E-FC8B-3DF3-93B2-32320716FA2A}"/>
-              </a:ext>
-            </a:extLst>
-          </p:cNvPr>
-          <p:cNvSpPr txBox="1"/>
-          <p:nvPr/>
-        </p:nvSpPr>
-        <p:spPr>
-          <a:xfrm>
-            <a:off x="345251" y="16035985"/>
-            <a:ext cx="13940086" cy="3970318"/>
-          </a:xfrm>
-          <a:prstGeom prst="rect">
-            <a:avLst/>
-          </a:prstGeom>
-          <a:noFill/>
-        </p:spPr>
-        <p:txBody>
-          <a:bodyPr wrap="square" rtlCol="0">
-            <a:spAutoFit/>
-          </a:bodyPr>
-          <a:lstStyle/>
-          <a:p>
-            <a:pPr algn="just"/>
-            <a:r>
-              <a:rPr lang="en-GB" sz="2800" noProof="0" dirty="0"/>
-              <a:t>This question was asked, assuming that over time, the sport </a:t>
-            </a:r>
-            <a:r>
-              <a:rPr lang="en-GB" sz="2800" dirty="0"/>
-              <a:t>have</a:t>
-            </a:r>
-            <a:r>
-              <a:rPr lang="en-GB" sz="2800" noProof="0" dirty="0"/>
-              <a:t> reached a higher maturity level. Meaning the standards for the skill of players participating in the tournaments will rise with better strategies and better coaching. In this diagram, only the averages of the tournament's winners between 2000 and 2025 were looked at.</a:t>
-            </a:r>
-            <a:endParaRPr lang="en-GB" sz="2800" dirty="0"/>
-          </a:p>
-          <a:p>
-            <a:pPr algn="just"/>
-            <a:r>
-              <a:rPr lang="en-GB" sz="2800" noProof="0" dirty="0"/>
-              <a:t>The World Championship scores demonstrate greater volatility, with notable peaks around 2010 and 2017-2018 where </a:t>
-            </a:r>
-            <a:r>
-              <a:rPr lang="en-GB" sz="2800" dirty="0"/>
-              <a:t>an average of 106</a:t>
-            </a:r>
-            <a:r>
-              <a:rPr lang="en-GB" sz="2800" noProof="0" dirty="0"/>
-              <a:t> exceeded. All lines generally show an upward trend over time, which could also be seen because of the increasing regression line. The average scores generally range between 94 and 105. This validates the assumption the research came into existence with.</a:t>
-            </a:r>
-          </a:p>
-        </p:txBody>
-      </p:sp>
-      <p:pic>
-        <p:nvPicPr>
-          <p:cNvPr id="9" name="Grafik 8">
-            <a:extLst>
-              <a:ext uri="{FF2B5EF4-FFF2-40B4-BE49-F238E27FC236}">
-                <a16:creationId xmlns:a16="http://schemas.microsoft.com/office/drawing/2014/main" id="{A00E59CC-AEC8-DC98-4F7C-2745EBFB8C93}"/>
+                <a16:creationId xmlns:a16="http://schemas.microsoft.com/office/drawing/2014/main" id="{BB04A315-94A0-03C0-4A0A-520007F820AC}"/>
               </a:ext>
             </a:extLst>
           </p:cNvPr>
@@ -4591,13 +4676,13 @@
               </a:ext>
             </a:extLst>
           </a:blip>
-          <a:srcRect l="880" t="10394" r="1185"/>
+          <a:srcRect t="20776" b="5054"/>
           <a:stretch/>
         </p:blipFill>
         <p:spPr>
           <a:xfrm>
-            <a:off x="400763" y="19964663"/>
-            <a:ext cx="13869650" cy="6521945"/>
+            <a:off x="533404" y="19993015"/>
+            <a:ext cx="13423743" cy="6364207"/>
           </a:xfrm>
           <a:prstGeom prst="rect">
             <a:avLst/>
@@ -4606,10 +4691,10 @@
       </p:pic>
       <p:pic>
         <p:nvPicPr>
-          <p:cNvPr id="6" name="Grafik 5">
+          <p:cNvPr id="34" name="Grafik 33" descr="Ein Bild, das Screenshot, Text, Farbigkeit, Diagramm enthält.&#10;&#10;KI-generierte Inhalte können fehlerhaft sein.">
             <a:extLst>
               <a:ext uri="{FF2B5EF4-FFF2-40B4-BE49-F238E27FC236}">
-                <a16:creationId xmlns:a16="http://schemas.microsoft.com/office/drawing/2014/main" id="{8D03429D-6AAA-FD14-4C3F-5EA124CEB207}"/>
+                <a16:creationId xmlns:a16="http://schemas.microsoft.com/office/drawing/2014/main" id="{74811DAA-018E-58EB-CD24-CD6789D94E0F}"/>
               </a:ext>
             </a:extLst>
           </p:cNvPr>
@@ -4626,14 +4711,13 @@
               </a:ext>
             </a:extLst>
           </a:blip>
-          <a:stretch>
-            <a:fillRect/>
-          </a:stretch>
+          <a:srcRect t="16988" b="4904"/>
+          <a:stretch/>
         </p:blipFill>
         <p:spPr>
           <a:xfrm>
-            <a:off x="15577781" y="8058802"/>
-            <a:ext cx="13695879" cy="4868837"/>
+            <a:off x="16058137" y="17292449"/>
+            <a:ext cx="12679539" cy="7033892"/>
           </a:xfrm>
           <a:prstGeom prst="rect">
             <a:avLst/>
@@ -4642,10 +4726,10 @@
       </p:pic>
       <p:pic>
         <p:nvPicPr>
-          <p:cNvPr id="17" name="Grafik 16">
+          <p:cNvPr id="43" name="Grafik 42" descr="Ein Bild, das Reihe, Text, Diagramm enthält.&#10;&#10;KI-generierte Inhalte können fehlerhaft sein.">
             <a:extLst>
               <a:ext uri="{FF2B5EF4-FFF2-40B4-BE49-F238E27FC236}">
-                <a16:creationId xmlns:a16="http://schemas.microsoft.com/office/drawing/2014/main" id="{4AFDDE6E-A053-97F2-69E9-EE7ABC1D5251}"/>
+                <a16:creationId xmlns:a16="http://schemas.microsoft.com/office/drawing/2014/main" id="{63675D41-7573-6D83-3EBE-3EE753C25124}"/>
               </a:ext>
             </a:extLst>
           </p:cNvPr>
@@ -4662,104 +4746,19 @@
               </a:ext>
             </a:extLst>
           </a:blip>
-          <a:stretch>
-            <a:fillRect/>
-          </a:stretch>
+          <a:srcRect t="15239" b="2597"/>
+          <a:stretch/>
         </p:blipFill>
         <p:spPr>
           <a:xfrm>
-            <a:off x="396386" y="29941882"/>
-            <a:ext cx="13837816" cy="6191637"/>
+            <a:off x="16720761" y="28211952"/>
+            <a:ext cx="11111288" cy="7780750"/>
           </a:xfrm>
           <a:prstGeom prst="rect">
             <a:avLst/>
           </a:prstGeom>
         </p:spPr>
       </p:pic>
-      <p:sp>
-        <p:nvSpPr>
-          <p:cNvPr id="19" name="TextBox 11">
-            <a:extLst>
-              <a:ext uri="{FF2B5EF4-FFF2-40B4-BE49-F238E27FC236}">
-                <a16:creationId xmlns:a16="http://schemas.microsoft.com/office/drawing/2014/main" id="{192578EF-F9AF-6473-80A5-228C699551E6}"/>
-              </a:ext>
-            </a:extLst>
-          </p:cNvPr>
-          <p:cNvSpPr txBox="1"/>
-          <p:nvPr/>
-        </p:nvSpPr>
-        <p:spPr>
-          <a:xfrm>
-            <a:off x="400764" y="12133754"/>
-            <a:ext cx="6155373" cy="2677656"/>
-          </a:xfrm>
-          <a:prstGeom prst="rect">
-            <a:avLst/>
-          </a:prstGeom>
-          <a:noFill/>
-        </p:spPr>
-        <p:txBody>
-          <a:bodyPr wrap="square" rtlCol="0">
-            <a:spAutoFit/>
-          </a:bodyPr>
-          <a:lstStyle/>
-          <a:p>
-            <a:pPr algn="just"/>
-            <a:r>
-              <a:rPr lang="en-US" sz="2800" dirty="0">
-                <a:solidFill>
-                  <a:srgbClr val="31333F"/>
-                </a:solidFill>
-              </a:rPr>
-              <a:t>There is a big discrepancy of tournaments held in the United Kingdom and Germany in comparison to the other countries. This shows that there is a much bigger influence on darts in Europe than in the rest of the world.</a:t>
-            </a:r>
-          </a:p>
-        </p:txBody>
-      </p:sp>
-      <p:sp>
-        <p:nvSpPr>
-          <p:cNvPr id="20" name="TextBox 14">
-            <a:extLst>
-              <a:ext uri="{FF2B5EF4-FFF2-40B4-BE49-F238E27FC236}">
-                <a16:creationId xmlns:a16="http://schemas.microsoft.com/office/drawing/2014/main" id="{F71A404E-7EBB-6320-25EB-062964C1496E}"/>
-              </a:ext>
-            </a:extLst>
-          </p:cNvPr>
-          <p:cNvSpPr txBox="1"/>
-          <p:nvPr/>
-        </p:nvSpPr>
-        <p:spPr>
-          <a:xfrm>
-            <a:off x="391687" y="11089173"/>
-            <a:ext cx="6777444" cy="1044581"/>
-          </a:xfrm>
-          <a:prstGeom prst="rect">
-            <a:avLst/>
-          </a:prstGeom>
-          <a:noFill/>
-        </p:spPr>
-        <p:txBody>
-          <a:bodyPr wrap="square" rtlCol="0">
-            <a:spAutoFit/>
-          </a:bodyPr>
-          <a:lstStyle/>
-          <a:p>
-            <a:pPr>
-              <a:lnSpc>
-                <a:spcPts val="3700"/>
-              </a:lnSpc>
-            </a:pPr>
-            <a:r>
-              <a:rPr lang="en-GB" sz="3600" dirty="0">
-                <a:solidFill>
-                  <a:srgbClr val="9B0A7D"/>
-                </a:solidFill>
-              </a:rPr>
-              <a:t>How do the tournament’s locations are distributed?</a:t>
-            </a:r>
-          </a:p>
-        </p:txBody>
-      </p:sp>
     </p:spTree>
     <p:extLst>
       <p:ext uri="{BB962C8B-B14F-4D97-AF65-F5344CB8AC3E}">

--- a/Poster/DSP_POSTER_TEMPLATE.pptx
+++ b/Poster/DSP_POSTER_TEMPLATE.pptx
@@ -3992,7 +3992,7 @@
         </p:nvSpPr>
         <p:spPr>
           <a:xfrm>
-            <a:off x="957560" y="36958548"/>
+            <a:off x="952068" y="36759520"/>
             <a:ext cx="2772747" cy="707886"/>
           </a:xfrm>
           <a:prstGeom prst="rect">
@@ -4031,7 +4031,7 @@
         </p:nvSpPr>
         <p:spPr>
           <a:xfrm>
-            <a:off x="4392731" y="36927127"/>
+            <a:off x="4387239" y="36728099"/>
             <a:ext cx="9733643" cy="2677656"/>
           </a:xfrm>
           <a:prstGeom prst="rect">
